--- a/documents/presentatie.pptx
+++ b/documents/presentatie.pptx
@@ -5453,8 +5453,8 @@
         </p:nvSpPr>
         <p:spPr>
           <a:xfrm>
-            <a:off x="6703982" y="6351372"/>
-            <a:ext cx="3193780" cy="369332"/>
+            <a:off x="6703981" y="6313336"/>
+            <a:ext cx="3430619" cy="369332"/>
           </a:xfrm>
           <a:prstGeom prst="rect">
             <a:avLst/>
@@ -9885,7 +9885,7 @@
         <p:spPr>
           <a:xfrm>
             <a:off x="6703982" y="6313336"/>
-            <a:ext cx="3192493" cy="369332"/>
+            <a:ext cx="3325843" cy="369332"/>
           </a:xfrm>
           <a:prstGeom prst="rect">
             <a:avLst/>

--- a/documents/presentatie.pptx
+++ b/documents/presentatie.pptx
@@ -5,15 +5,19 @@
     <p:sldMasterId id="2147483648" r:id="rId1"/>
   </p:sldMasterIdLst>
   <p:notesMasterIdLst>
-    <p:notesMasterId r:id="rId8"/>
+    <p:notesMasterId r:id="rId12"/>
   </p:notesMasterIdLst>
   <p:sldIdLst>
     <p:sldId id="288" r:id="rId2"/>
-    <p:sldId id="287" r:id="rId3"/>
+    <p:sldId id="296" r:id="rId3"/>
     <p:sldId id="292" r:id="rId4"/>
-    <p:sldId id="289" r:id="rId5"/>
-    <p:sldId id="290" r:id="rId6"/>
-    <p:sldId id="291" r:id="rId7"/>
+    <p:sldId id="293" r:id="rId5"/>
+    <p:sldId id="294" r:id="rId6"/>
+    <p:sldId id="295" r:id="rId7"/>
+    <p:sldId id="287" r:id="rId8"/>
+    <p:sldId id="289" r:id="rId9"/>
+    <p:sldId id="290" r:id="rId10"/>
+    <p:sldId id="291" r:id="rId11"/>
   </p:sldIdLst>
   <p:sldSz cx="12192000" cy="6858000"/>
   <p:notesSz cx="6858000" cy="9144000"/>
@@ -565,6 +569,90 @@
 </p:notes>
 </file>
 
+<file path=ppt/notesSlides/notesSlide10.xml><?xml version="1.0" encoding="utf-8"?>
+<p:notes xmlns:a="http://schemas.openxmlformats.org/drawingml/2006/main" xmlns:r="http://schemas.openxmlformats.org/officeDocument/2006/relationships" xmlns:p="http://schemas.openxmlformats.org/presentationml/2006/main">
+  <p:cSld>
+    <p:spTree>
+      <p:nvGrpSpPr>
+        <p:cNvPr id="1" name=""/>
+        <p:cNvGrpSpPr/>
+        <p:nvPr/>
+      </p:nvGrpSpPr>
+      <p:grpSpPr>
+        <a:xfrm>
+          <a:off x="0" y="0"/>
+          <a:ext cx="0" cy="0"/>
+          <a:chOff x="0" y="0"/>
+          <a:chExt cx="0" cy="0"/>
+        </a:xfrm>
+      </p:grpSpPr>
+      <p:sp>
+        <p:nvSpPr>
+          <p:cNvPr id="2" name="Tijdelijke aanduiding voor dia-afbeelding 1"/>
+          <p:cNvSpPr>
+            <a:spLocks noGrp="1" noRot="1" noChangeAspect="1"/>
+          </p:cNvSpPr>
+          <p:nvPr>
+            <p:ph type="sldImg"/>
+          </p:nvPr>
+        </p:nvSpPr>
+        <p:spPr/>
+      </p:sp>
+      <p:sp>
+        <p:nvSpPr>
+          <p:cNvPr id="3" name="Tijdelijke aanduiding voor notities 2"/>
+          <p:cNvSpPr>
+            <a:spLocks noGrp="1"/>
+          </p:cNvSpPr>
+          <p:nvPr>
+            <p:ph type="body" idx="1"/>
+          </p:nvPr>
+        </p:nvSpPr>
+        <p:spPr/>
+        <p:txBody>
+          <a:bodyPr/>
+          <a:lstStyle/>
+          <a:p>
+            <a:endParaRPr lang="nl-BE" dirty="0"/>
+          </a:p>
+        </p:txBody>
+      </p:sp>
+      <p:sp>
+        <p:nvSpPr>
+          <p:cNvPr id="4" name="Tijdelijke aanduiding voor dianummer 3"/>
+          <p:cNvSpPr>
+            <a:spLocks noGrp="1"/>
+          </p:cNvSpPr>
+          <p:nvPr>
+            <p:ph type="sldNum" sz="quarter" idx="10"/>
+          </p:nvPr>
+        </p:nvSpPr>
+        <p:spPr/>
+        <p:txBody>
+          <a:bodyPr/>
+          <a:lstStyle/>
+          <a:p>
+            <a:fld id="{DED0CC16-5F5B-4BEB-BB12-48327C013F79}" type="slidenum">
+              <a:rPr lang="nl-BE" smtClean="0"/>
+              <a:t>10</a:t>
+            </a:fld>
+            <a:endParaRPr lang="nl-BE"/>
+          </a:p>
+        </p:txBody>
+      </p:sp>
+    </p:spTree>
+    <p:extLst>
+      <p:ext uri="{BB962C8B-B14F-4D97-AF65-F5344CB8AC3E}">
+        <p14:creationId xmlns:p14="http://schemas.microsoft.com/office/powerpoint/2010/main" val="1673945405"/>
+      </p:ext>
+    </p:extLst>
+  </p:cSld>
+  <p:clrMapOvr>
+    <a:masterClrMapping/>
+  </p:clrMapOvr>
+</p:notes>
+</file>
+
 <file path=ppt/notesSlides/notesSlide2.xml><?xml version="1.0" encoding="utf-8"?>
 <p:notes xmlns:a="http://schemas.openxmlformats.org/drawingml/2006/main" xmlns:r="http://schemas.openxmlformats.org/officeDocument/2006/relationships" xmlns:p="http://schemas.openxmlformats.org/presentationml/2006/main">
   <p:cSld>
@@ -639,7 +727,7 @@
     </p:spTree>
     <p:extLst>
       <p:ext uri="{BB962C8B-B14F-4D97-AF65-F5344CB8AC3E}">
-        <p14:creationId xmlns:p14="http://schemas.microsoft.com/office/powerpoint/2010/main" val="875075753"/>
+        <p14:creationId xmlns:p14="http://schemas.microsoft.com/office/powerpoint/2010/main" val="306878033"/>
       </p:ext>
     </p:extLst>
   </p:cSld>
@@ -807,7 +895,7 @@
     </p:spTree>
     <p:extLst>
       <p:ext uri="{BB962C8B-B14F-4D97-AF65-F5344CB8AC3E}">
-        <p14:creationId xmlns:p14="http://schemas.microsoft.com/office/powerpoint/2010/main" val="2104699543"/>
+        <p14:creationId xmlns:p14="http://schemas.microsoft.com/office/powerpoint/2010/main" val="3507008386"/>
       </p:ext>
     </p:extLst>
   </p:cSld>
@@ -891,7 +979,7 @@
     </p:spTree>
     <p:extLst>
       <p:ext uri="{BB962C8B-B14F-4D97-AF65-F5344CB8AC3E}">
-        <p14:creationId xmlns:p14="http://schemas.microsoft.com/office/powerpoint/2010/main" val="2900652606"/>
+        <p14:creationId xmlns:p14="http://schemas.microsoft.com/office/powerpoint/2010/main" val="121826902"/>
       </p:ext>
     </p:extLst>
   </p:cSld>
@@ -975,7 +1063,259 @@
     </p:spTree>
     <p:extLst>
       <p:ext uri="{BB962C8B-B14F-4D97-AF65-F5344CB8AC3E}">
-        <p14:creationId xmlns:p14="http://schemas.microsoft.com/office/powerpoint/2010/main" val="1673945405"/>
+        <p14:creationId xmlns:p14="http://schemas.microsoft.com/office/powerpoint/2010/main" val="1900761086"/>
+      </p:ext>
+    </p:extLst>
+  </p:cSld>
+  <p:clrMapOvr>
+    <a:masterClrMapping/>
+  </p:clrMapOvr>
+</p:notes>
+</file>
+
+<file path=ppt/notesSlides/notesSlide7.xml><?xml version="1.0" encoding="utf-8"?>
+<p:notes xmlns:a="http://schemas.openxmlformats.org/drawingml/2006/main" xmlns:r="http://schemas.openxmlformats.org/officeDocument/2006/relationships" xmlns:p="http://schemas.openxmlformats.org/presentationml/2006/main">
+  <p:cSld>
+    <p:spTree>
+      <p:nvGrpSpPr>
+        <p:cNvPr id="1" name=""/>
+        <p:cNvGrpSpPr/>
+        <p:nvPr/>
+      </p:nvGrpSpPr>
+      <p:grpSpPr>
+        <a:xfrm>
+          <a:off x="0" y="0"/>
+          <a:ext cx="0" cy="0"/>
+          <a:chOff x="0" y="0"/>
+          <a:chExt cx="0" cy="0"/>
+        </a:xfrm>
+      </p:grpSpPr>
+      <p:sp>
+        <p:nvSpPr>
+          <p:cNvPr id="2" name="Tijdelijke aanduiding voor dia-afbeelding 1"/>
+          <p:cNvSpPr>
+            <a:spLocks noGrp="1" noRot="1" noChangeAspect="1"/>
+          </p:cNvSpPr>
+          <p:nvPr>
+            <p:ph type="sldImg"/>
+          </p:nvPr>
+        </p:nvSpPr>
+        <p:spPr/>
+      </p:sp>
+      <p:sp>
+        <p:nvSpPr>
+          <p:cNvPr id="3" name="Tijdelijke aanduiding voor notities 2"/>
+          <p:cNvSpPr>
+            <a:spLocks noGrp="1"/>
+          </p:cNvSpPr>
+          <p:nvPr>
+            <p:ph type="body" idx="1"/>
+          </p:nvPr>
+        </p:nvSpPr>
+        <p:spPr/>
+        <p:txBody>
+          <a:bodyPr/>
+          <a:lstStyle/>
+          <a:p>
+            <a:endParaRPr lang="nl-BE" dirty="0"/>
+          </a:p>
+        </p:txBody>
+      </p:sp>
+      <p:sp>
+        <p:nvSpPr>
+          <p:cNvPr id="4" name="Tijdelijke aanduiding voor dianummer 3"/>
+          <p:cNvSpPr>
+            <a:spLocks noGrp="1"/>
+          </p:cNvSpPr>
+          <p:nvPr>
+            <p:ph type="sldNum" sz="quarter" idx="10"/>
+          </p:nvPr>
+        </p:nvSpPr>
+        <p:spPr/>
+        <p:txBody>
+          <a:bodyPr/>
+          <a:lstStyle/>
+          <a:p>
+            <a:fld id="{DED0CC16-5F5B-4BEB-BB12-48327C013F79}" type="slidenum">
+              <a:rPr lang="nl-BE" smtClean="0"/>
+              <a:t>7</a:t>
+            </a:fld>
+            <a:endParaRPr lang="nl-BE"/>
+          </a:p>
+        </p:txBody>
+      </p:sp>
+    </p:spTree>
+    <p:extLst>
+      <p:ext uri="{BB962C8B-B14F-4D97-AF65-F5344CB8AC3E}">
+        <p14:creationId xmlns:p14="http://schemas.microsoft.com/office/powerpoint/2010/main" val="875075753"/>
+      </p:ext>
+    </p:extLst>
+  </p:cSld>
+  <p:clrMapOvr>
+    <a:masterClrMapping/>
+  </p:clrMapOvr>
+</p:notes>
+</file>
+
+<file path=ppt/notesSlides/notesSlide8.xml><?xml version="1.0" encoding="utf-8"?>
+<p:notes xmlns:a="http://schemas.openxmlformats.org/drawingml/2006/main" xmlns:r="http://schemas.openxmlformats.org/officeDocument/2006/relationships" xmlns:p="http://schemas.openxmlformats.org/presentationml/2006/main">
+  <p:cSld>
+    <p:spTree>
+      <p:nvGrpSpPr>
+        <p:cNvPr id="1" name=""/>
+        <p:cNvGrpSpPr/>
+        <p:nvPr/>
+      </p:nvGrpSpPr>
+      <p:grpSpPr>
+        <a:xfrm>
+          <a:off x="0" y="0"/>
+          <a:ext cx="0" cy="0"/>
+          <a:chOff x="0" y="0"/>
+          <a:chExt cx="0" cy="0"/>
+        </a:xfrm>
+      </p:grpSpPr>
+      <p:sp>
+        <p:nvSpPr>
+          <p:cNvPr id="2" name="Tijdelijke aanduiding voor dia-afbeelding 1"/>
+          <p:cNvSpPr>
+            <a:spLocks noGrp="1" noRot="1" noChangeAspect="1"/>
+          </p:cNvSpPr>
+          <p:nvPr>
+            <p:ph type="sldImg"/>
+          </p:nvPr>
+        </p:nvSpPr>
+        <p:spPr/>
+      </p:sp>
+      <p:sp>
+        <p:nvSpPr>
+          <p:cNvPr id="3" name="Tijdelijke aanduiding voor notities 2"/>
+          <p:cNvSpPr>
+            <a:spLocks noGrp="1"/>
+          </p:cNvSpPr>
+          <p:nvPr>
+            <p:ph type="body" idx="1"/>
+          </p:nvPr>
+        </p:nvSpPr>
+        <p:spPr/>
+        <p:txBody>
+          <a:bodyPr/>
+          <a:lstStyle/>
+          <a:p>
+            <a:endParaRPr lang="nl-BE" dirty="0"/>
+          </a:p>
+        </p:txBody>
+      </p:sp>
+      <p:sp>
+        <p:nvSpPr>
+          <p:cNvPr id="4" name="Tijdelijke aanduiding voor dianummer 3"/>
+          <p:cNvSpPr>
+            <a:spLocks noGrp="1"/>
+          </p:cNvSpPr>
+          <p:nvPr>
+            <p:ph type="sldNum" sz="quarter" idx="10"/>
+          </p:nvPr>
+        </p:nvSpPr>
+        <p:spPr/>
+        <p:txBody>
+          <a:bodyPr/>
+          <a:lstStyle/>
+          <a:p>
+            <a:fld id="{DED0CC16-5F5B-4BEB-BB12-48327C013F79}" type="slidenum">
+              <a:rPr lang="nl-BE" smtClean="0"/>
+              <a:t>8</a:t>
+            </a:fld>
+            <a:endParaRPr lang="nl-BE"/>
+          </a:p>
+        </p:txBody>
+      </p:sp>
+    </p:spTree>
+    <p:extLst>
+      <p:ext uri="{BB962C8B-B14F-4D97-AF65-F5344CB8AC3E}">
+        <p14:creationId xmlns:p14="http://schemas.microsoft.com/office/powerpoint/2010/main" val="2104699543"/>
+      </p:ext>
+    </p:extLst>
+  </p:cSld>
+  <p:clrMapOvr>
+    <a:masterClrMapping/>
+  </p:clrMapOvr>
+</p:notes>
+</file>
+
+<file path=ppt/notesSlides/notesSlide9.xml><?xml version="1.0" encoding="utf-8"?>
+<p:notes xmlns:a="http://schemas.openxmlformats.org/drawingml/2006/main" xmlns:r="http://schemas.openxmlformats.org/officeDocument/2006/relationships" xmlns:p="http://schemas.openxmlformats.org/presentationml/2006/main">
+  <p:cSld>
+    <p:spTree>
+      <p:nvGrpSpPr>
+        <p:cNvPr id="1" name=""/>
+        <p:cNvGrpSpPr/>
+        <p:nvPr/>
+      </p:nvGrpSpPr>
+      <p:grpSpPr>
+        <a:xfrm>
+          <a:off x="0" y="0"/>
+          <a:ext cx="0" cy="0"/>
+          <a:chOff x="0" y="0"/>
+          <a:chExt cx="0" cy="0"/>
+        </a:xfrm>
+      </p:grpSpPr>
+      <p:sp>
+        <p:nvSpPr>
+          <p:cNvPr id="2" name="Tijdelijke aanduiding voor dia-afbeelding 1"/>
+          <p:cNvSpPr>
+            <a:spLocks noGrp="1" noRot="1" noChangeAspect="1"/>
+          </p:cNvSpPr>
+          <p:nvPr>
+            <p:ph type="sldImg"/>
+          </p:nvPr>
+        </p:nvSpPr>
+        <p:spPr/>
+      </p:sp>
+      <p:sp>
+        <p:nvSpPr>
+          <p:cNvPr id="3" name="Tijdelijke aanduiding voor notities 2"/>
+          <p:cNvSpPr>
+            <a:spLocks noGrp="1"/>
+          </p:cNvSpPr>
+          <p:nvPr>
+            <p:ph type="body" idx="1"/>
+          </p:nvPr>
+        </p:nvSpPr>
+        <p:spPr/>
+        <p:txBody>
+          <a:bodyPr/>
+          <a:lstStyle/>
+          <a:p>
+            <a:endParaRPr lang="nl-BE" dirty="0"/>
+          </a:p>
+        </p:txBody>
+      </p:sp>
+      <p:sp>
+        <p:nvSpPr>
+          <p:cNvPr id="4" name="Tijdelijke aanduiding voor dianummer 3"/>
+          <p:cNvSpPr>
+            <a:spLocks noGrp="1"/>
+          </p:cNvSpPr>
+          <p:nvPr>
+            <p:ph type="sldNum" sz="quarter" idx="10"/>
+          </p:nvPr>
+        </p:nvSpPr>
+        <p:spPr/>
+        <p:txBody>
+          <a:bodyPr/>
+          <a:lstStyle/>
+          <a:p>
+            <a:fld id="{DED0CC16-5F5B-4BEB-BB12-48327C013F79}" type="slidenum">
+              <a:rPr lang="nl-BE" smtClean="0"/>
+              <a:t>9</a:t>
+            </a:fld>
+            <a:endParaRPr lang="nl-BE"/>
+          </a:p>
+        </p:txBody>
+      </p:sp>
+    </p:spTree>
+    <p:extLst>
+      <p:ext uri="{BB962C8B-B14F-4D97-AF65-F5344CB8AC3E}">
+        <p14:creationId xmlns:p14="http://schemas.microsoft.com/office/powerpoint/2010/main" val="2900652606"/>
       </p:ext>
     </p:extLst>
   </p:cSld>
@@ -4795,6 +5135,18 @@
   <p:clrMapOvr>
     <a:masterClrMapping/>
   </p:clrMapOvr>
+  <mc:AlternateContent xmlns:mc="http://schemas.openxmlformats.org/markup-compatibility/2006">
+    <mc:Choice xmlns:p14="http://schemas.microsoft.com/office/powerpoint/2010/main" Requires="p14">
+      <p:transition spd="med" p14:dur="700">
+        <p:fade/>
+      </p:transition>
+    </mc:Choice>
+    <mc:Fallback>
+      <p:transition spd="med">
+        <p:fade/>
+      </p:transition>
+    </mc:Fallback>
+  </mc:AlternateContent>
   <p:timing>
     <p:tnLst>
       <p:par>
@@ -5080,6 +5432,471 @@
 </p:sld>
 </file>
 
+<file path=ppt/slides/slide10.xml><?xml version="1.0" encoding="utf-8"?>
+<p:sld xmlns:a="http://schemas.openxmlformats.org/drawingml/2006/main" xmlns:r="http://schemas.openxmlformats.org/officeDocument/2006/relationships" xmlns:p="http://schemas.openxmlformats.org/presentationml/2006/main">
+  <p:cSld>
+    <p:bg>
+      <p:bgPr>
+        <a:solidFill>
+          <a:schemeClr val="tx1"/>
+        </a:solidFill>
+        <a:effectLst/>
+      </p:bgPr>
+    </p:bg>
+    <p:spTree>
+      <p:nvGrpSpPr>
+        <p:cNvPr id="1" name=""/>
+        <p:cNvGrpSpPr/>
+        <p:nvPr/>
+      </p:nvGrpSpPr>
+      <p:grpSpPr>
+        <a:xfrm>
+          <a:off x="0" y="0"/>
+          <a:ext cx="0" cy="0"/>
+          <a:chOff x="0" y="0"/>
+          <a:chExt cx="0" cy="0"/>
+        </a:xfrm>
+      </p:grpSpPr>
+      <p:sp>
+        <p:nvSpPr>
+          <p:cNvPr id="7" name="Rechthoek 6"/>
+          <p:cNvSpPr/>
+          <p:nvPr/>
+        </p:nvSpPr>
+        <p:spPr>
+          <a:xfrm>
+            <a:off x="716764" y="0"/>
+            <a:ext cx="11472001" cy="720000"/>
+          </a:xfrm>
+          <a:prstGeom prst="rect">
+            <a:avLst/>
+          </a:prstGeom>
+          <a:solidFill>
+            <a:schemeClr val="tx1"/>
+          </a:solidFill>
+          <a:ln w="63500">
+            <a:solidFill>
+              <a:schemeClr val="bg1"/>
+            </a:solidFill>
+          </a:ln>
+        </p:spPr>
+        <p:style>
+          <a:lnRef idx="2">
+            <a:schemeClr val="accent1">
+              <a:shade val="50000"/>
+            </a:schemeClr>
+          </a:lnRef>
+          <a:fillRef idx="1">
+            <a:schemeClr val="accent1"/>
+          </a:fillRef>
+          <a:effectRef idx="0">
+            <a:schemeClr val="accent1"/>
+          </a:effectRef>
+          <a:fontRef idx="minor">
+            <a:schemeClr val="lt1"/>
+          </a:fontRef>
+        </p:style>
+        <p:txBody>
+          <a:bodyPr rtlCol="0" anchor="ctr"/>
+          <a:lstStyle/>
+          <a:p>
+            <a:pPr algn="ctr"/>
+            <a:endParaRPr lang="nl-BE" dirty="0"/>
+          </a:p>
+        </p:txBody>
+      </p:sp>
+      <p:sp>
+        <p:nvSpPr>
+          <p:cNvPr id="8" name="Rechthoek 7"/>
+          <p:cNvSpPr/>
+          <p:nvPr/>
+        </p:nvSpPr>
+        <p:spPr>
+          <a:xfrm rot="5400000">
+            <a:off x="8762999" y="3429001"/>
+            <a:ext cx="6138002" cy="720000"/>
+          </a:xfrm>
+          <a:prstGeom prst="rect">
+            <a:avLst/>
+          </a:prstGeom>
+          <a:solidFill>
+            <a:schemeClr val="tx1"/>
+          </a:solidFill>
+          <a:ln w="63500">
+            <a:solidFill>
+              <a:schemeClr val="bg1"/>
+            </a:solidFill>
+          </a:ln>
+        </p:spPr>
+        <p:style>
+          <a:lnRef idx="2">
+            <a:schemeClr val="accent1">
+              <a:shade val="50000"/>
+            </a:schemeClr>
+          </a:lnRef>
+          <a:fillRef idx="1">
+            <a:schemeClr val="accent1"/>
+          </a:fillRef>
+          <a:effectRef idx="0">
+            <a:schemeClr val="accent1"/>
+          </a:effectRef>
+          <a:fontRef idx="minor">
+            <a:schemeClr val="lt1"/>
+          </a:fontRef>
+        </p:style>
+        <p:txBody>
+          <a:bodyPr rtlCol="0" anchor="ctr"/>
+          <a:lstStyle/>
+          <a:p>
+            <a:pPr algn="ctr"/>
+            <a:endParaRPr lang="nl-BE"/>
+          </a:p>
+        </p:txBody>
+      </p:sp>
+      <p:sp>
+        <p:nvSpPr>
+          <p:cNvPr id="9" name="Rechthoek 8"/>
+          <p:cNvSpPr/>
+          <p:nvPr/>
+        </p:nvSpPr>
+        <p:spPr>
+          <a:xfrm rot="10800000">
+            <a:off x="-3236" y="6138002"/>
+            <a:ext cx="11475236" cy="720000"/>
+          </a:xfrm>
+          <a:prstGeom prst="rect">
+            <a:avLst/>
+          </a:prstGeom>
+          <a:solidFill>
+            <a:schemeClr val="tx1"/>
+          </a:solidFill>
+          <a:ln w="63500">
+            <a:solidFill>
+              <a:schemeClr val="bg1"/>
+            </a:solidFill>
+          </a:ln>
+        </p:spPr>
+        <p:style>
+          <a:lnRef idx="2">
+            <a:schemeClr val="accent1">
+              <a:shade val="50000"/>
+            </a:schemeClr>
+          </a:lnRef>
+          <a:fillRef idx="1">
+            <a:schemeClr val="accent1"/>
+          </a:fillRef>
+          <a:effectRef idx="0">
+            <a:schemeClr val="accent1"/>
+          </a:effectRef>
+          <a:fontRef idx="minor">
+            <a:schemeClr val="lt1"/>
+          </a:fontRef>
+        </p:style>
+        <p:txBody>
+          <a:bodyPr rtlCol="0" anchor="ctr"/>
+          <a:lstStyle/>
+          <a:p>
+            <a:pPr algn="ctr"/>
+            <a:endParaRPr lang="nl-BE"/>
+          </a:p>
+        </p:txBody>
+      </p:sp>
+      <p:sp>
+        <p:nvSpPr>
+          <p:cNvPr id="10" name="Rechthoek 9"/>
+          <p:cNvSpPr/>
+          <p:nvPr/>
+        </p:nvSpPr>
+        <p:spPr>
+          <a:xfrm rot="5400000">
+            <a:off x="-2712237" y="2709001"/>
+            <a:ext cx="6138002" cy="720000"/>
+          </a:xfrm>
+          <a:prstGeom prst="rect">
+            <a:avLst/>
+          </a:prstGeom>
+          <a:solidFill>
+            <a:schemeClr val="tx1"/>
+          </a:solidFill>
+          <a:ln w="63500">
+            <a:solidFill>
+              <a:schemeClr val="bg1"/>
+            </a:solidFill>
+          </a:ln>
+        </p:spPr>
+        <p:style>
+          <a:lnRef idx="2">
+            <a:schemeClr val="accent1">
+              <a:shade val="50000"/>
+            </a:schemeClr>
+          </a:lnRef>
+          <a:fillRef idx="1">
+            <a:schemeClr val="accent1"/>
+          </a:fillRef>
+          <a:effectRef idx="0">
+            <a:schemeClr val="accent1"/>
+          </a:effectRef>
+          <a:fontRef idx="minor">
+            <a:schemeClr val="lt1"/>
+          </a:fontRef>
+        </p:style>
+        <p:txBody>
+          <a:bodyPr rtlCol="0" anchor="ctr"/>
+          <a:lstStyle/>
+          <a:p>
+            <a:pPr algn="ctr"/>
+            <a:endParaRPr lang="nl-BE"/>
+          </a:p>
+        </p:txBody>
+      </p:sp>
+      <p:pic>
+        <p:nvPicPr>
+          <p:cNvPr id="1026" name="Picture 2" descr="Afbeeldingsresultaat voor three bees logo">
+            <a:extLst>
+              <a:ext uri="{FF2B5EF4-FFF2-40B4-BE49-F238E27FC236}">
+                <a16:creationId xmlns:a16="http://schemas.microsoft.com/office/drawing/2014/main" id="{6D93AE98-E080-4353-AC39-9F77E11C2785}"/>
+              </a:ext>
+            </a:extLst>
+          </p:cNvPr>
+          <p:cNvPicPr>
+            <a:picLocks noChangeAspect="1" noChangeArrowheads="1"/>
+          </p:cNvPicPr>
+          <p:nvPr/>
+        </p:nvPicPr>
+        <p:blipFill>
+          <a:blip r:embed="rId3">
+            <a:extLst>
+              <a:ext uri="{28A0092B-C50C-407E-A947-70E740481C1C}">
+                <a14:useLocalDpi xmlns:a14="http://schemas.microsoft.com/office/drawing/2010/main" val="0"/>
+              </a:ext>
+            </a:extLst>
+          </a:blip>
+          <a:srcRect/>
+          <a:stretch>
+            <a:fillRect/>
+          </a:stretch>
+        </p:blipFill>
+        <p:spPr bwMode="auto">
+          <a:xfrm>
+            <a:off x="4771519" y="174075"/>
+            <a:ext cx="702930" cy="371850"/>
+          </a:xfrm>
+          <a:prstGeom prst="rect">
+            <a:avLst/>
+          </a:prstGeom>
+          <a:noFill/>
+          <a:extLst>
+            <a:ext uri="{909E8E84-426E-40DD-AFC4-6F175D3DCCD1}">
+              <a14:hiddenFill xmlns:a14="http://schemas.microsoft.com/office/drawing/2010/main">
+                <a:solidFill>
+                  <a:srgbClr val="FFFFFF"/>
+                </a:solidFill>
+              </a14:hiddenFill>
+            </a:ext>
+          </a:extLst>
+        </p:spPr>
+      </p:pic>
+      <p:sp>
+        <p:nvSpPr>
+          <p:cNvPr id="2" name="Rectangle 1">
+            <a:extLst>
+              <a:ext uri="{FF2B5EF4-FFF2-40B4-BE49-F238E27FC236}">
+                <a16:creationId xmlns:a16="http://schemas.microsoft.com/office/drawing/2014/main" id="{75F9711A-A664-44E5-B654-C67ECE4637CD}"/>
+              </a:ext>
+            </a:extLst>
+          </p:cNvPr>
+          <p:cNvSpPr/>
+          <p:nvPr/>
+        </p:nvSpPr>
+        <p:spPr>
+          <a:xfrm>
+            <a:off x="5477684" y="87134"/>
+            <a:ext cx="1236631" cy="545732"/>
+          </a:xfrm>
+          <a:prstGeom prst="rect">
+            <a:avLst/>
+          </a:prstGeom>
+        </p:spPr>
+        <p:style>
+          <a:lnRef idx="2">
+            <a:schemeClr val="dk1">
+              <a:shade val="50000"/>
+            </a:schemeClr>
+          </a:lnRef>
+          <a:fillRef idx="1">
+            <a:schemeClr val="dk1"/>
+          </a:fillRef>
+          <a:effectRef idx="0">
+            <a:schemeClr val="dk1"/>
+          </a:effectRef>
+          <a:fontRef idx="minor">
+            <a:schemeClr val="lt1"/>
+          </a:fontRef>
+        </p:style>
+        <p:txBody>
+          <a:bodyPr rtlCol="0" anchor="ctr"/>
+          <a:lstStyle/>
+          <a:p>
+            <a:pPr algn="ctr"/>
+            <a:r>
+              <a:rPr lang="nl-BE" dirty="0"/>
+              <a:t>3BEES&amp;ME</a:t>
+            </a:r>
+            <a:endParaRPr lang="LID4096" dirty="0"/>
+          </a:p>
+        </p:txBody>
+      </p:sp>
+      <p:sp>
+        <p:nvSpPr>
+          <p:cNvPr id="3" name="TextBox 2">
+            <a:extLst>
+              <a:ext uri="{FF2B5EF4-FFF2-40B4-BE49-F238E27FC236}">
+                <a16:creationId xmlns:a16="http://schemas.microsoft.com/office/drawing/2014/main" id="{E2EEB3FD-6150-4016-94FD-BB52060F8D5E}"/>
+              </a:ext>
+            </a:extLst>
+          </p:cNvPr>
+          <p:cNvSpPr txBox="1"/>
+          <p:nvPr/>
+        </p:nvSpPr>
+        <p:spPr>
+          <a:xfrm>
+            <a:off x="5484782" y="6313336"/>
+            <a:ext cx="1219201" cy="369332"/>
+          </a:xfrm>
+          <a:prstGeom prst="rect">
+            <a:avLst/>
+          </a:prstGeom>
+          <a:noFill/>
+        </p:spPr>
+        <p:txBody>
+          <a:bodyPr wrap="square" rtlCol="0">
+            <a:spAutoFit/>
+          </a:bodyPr>
+          <a:lstStyle/>
+          <a:p>
+            <a:pPr algn="ctr"/>
+            <a:r>
+              <a:rPr lang="nl-BE" dirty="0">
+                <a:solidFill>
+                  <a:schemeClr val="bg1"/>
+                </a:solidFill>
+              </a:rPr>
+              <a:t>is proud of</a:t>
+            </a:r>
+            <a:endParaRPr lang="LID4096" dirty="0">
+              <a:solidFill>
+                <a:schemeClr val="bg1"/>
+              </a:solidFill>
+            </a:endParaRPr>
+          </a:p>
+        </p:txBody>
+      </p:sp>
+      <p:sp>
+        <p:nvSpPr>
+          <p:cNvPr id="4" name="TextBox 3">
+            <a:extLst>
+              <a:ext uri="{FF2B5EF4-FFF2-40B4-BE49-F238E27FC236}">
+                <a16:creationId xmlns:a16="http://schemas.microsoft.com/office/drawing/2014/main" id="{2993F9C0-D9C6-4A40-96D5-31FB3655AE18}"/>
+              </a:ext>
+            </a:extLst>
+          </p:cNvPr>
+          <p:cNvSpPr txBox="1"/>
+          <p:nvPr/>
+        </p:nvSpPr>
+        <p:spPr>
+          <a:xfrm>
+            <a:off x="6703982" y="6313336"/>
+            <a:ext cx="3192493" cy="369332"/>
+          </a:xfrm>
+          <a:prstGeom prst="rect">
+            <a:avLst/>
+          </a:prstGeom>
+          <a:noFill/>
+        </p:spPr>
+        <p:txBody>
+          <a:bodyPr wrap="square" rtlCol="0">
+            <a:spAutoFit/>
+          </a:bodyPr>
+          <a:lstStyle/>
+          <a:p>
+            <a:r>
+              <a:rPr lang="nl-BE" dirty="0"/>
+              <a:t>his coach Badlapje</a:t>
+            </a:r>
+            <a:endParaRPr lang="LID4096" dirty="0"/>
+          </a:p>
+        </p:txBody>
+      </p:sp>
+      <p:sp>
+        <p:nvSpPr>
+          <p:cNvPr id="5" name="TextBox 4">
+            <a:extLst>
+              <a:ext uri="{FF2B5EF4-FFF2-40B4-BE49-F238E27FC236}">
+                <a16:creationId xmlns:a16="http://schemas.microsoft.com/office/drawing/2014/main" id="{0719F7B6-1D76-4D62-9EB7-B04AE387A135}"/>
+              </a:ext>
+            </a:extLst>
+          </p:cNvPr>
+          <p:cNvSpPr txBox="1"/>
+          <p:nvPr/>
+        </p:nvSpPr>
+        <p:spPr>
+          <a:xfrm>
+            <a:off x="3867151" y="6313336"/>
+            <a:ext cx="1713186" cy="369332"/>
+          </a:xfrm>
+          <a:prstGeom prst="rect">
+            <a:avLst/>
+          </a:prstGeom>
+          <a:noFill/>
+        </p:spPr>
+        <p:txBody>
+          <a:bodyPr wrap="square" rtlCol="0">
+            <a:spAutoFit/>
+          </a:bodyPr>
+          <a:lstStyle/>
+          <a:p>
+            <a:pPr algn="r"/>
+            <a:r>
+              <a:rPr lang="nl-BE" dirty="0">
+                <a:solidFill>
+                  <a:schemeClr val="bg1"/>
+                </a:solidFill>
+              </a:rPr>
+              <a:t>MATTIJS</a:t>
+            </a:r>
+            <a:endParaRPr lang="LID4096" dirty="0">
+              <a:solidFill>
+                <a:schemeClr val="bg1"/>
+              </a:solidFill>
+            </a:endParaRPr>
+          </a:p>
+        </p:txBody>
+      </p:sp>
+    </p:spTree>
+    <p:extLst>
+      <p:ext uri="{BB962C8B-B14F-4D97-AF65-F5344CB8AC3E}">
+        <p14:creationId xmlns:p14="http://schemas.microsoft.com/office/powerpoint/2010/main" val="1569760501"/>
+      </p:ext>
+    </p:extLst>
+  </p:cSld>
+  <p:clrMapOvr>
+    <a:masterClrMapping/>
+  </p:clrMapOvr>
+  <mc:AlternateContent xmlns:mc="http://schemas.openxmlformats.org/markup-compatibility/2006">
+    <mc:Choice xmlns:p14="http://schemas.microsoft.com/office/powerpoint/2010/main" Requires="p14">
+      <p:transition spd="med" p14:dur="700">
+        <p:fade/>
+      </p:transition>
+    </mc:Choice>
+    <mc:Fallback>
+      <p:transition spd="med">
+        <p:fade/>
+      </p:transition>
+    </mc:Fallback>
+  </mc:AlternateContent>
+</p:sld>
+</file>
+
 <file path=ppt/slides/slide2.xml><?xml version="1.0" encoding="utf-8"?>
 <p:sld xmlns:a="http://schemas.openxmlformats.org/drawingml/2006/main" xmlns:r="http://schemas.openxmlformats.org/officeDocument/2006/relationships" xmlns:p="http://schemas.openxmlformats.org/presentationml/2006/main">
   <p:cSld>
@@ -5245,7 +6062,7 @@
           <a:lstStyle/>
           <a:p>
             <a:pPr algn="ctr"/>
-            <a:endParaRPr lang="nl-BE"/>
+            <a:endParaRPr lang="nl-BE" dirty="0"/>
           </a:p>
         </p:txBody>
       </p:sp>
@@ -5394,27 +6211,74 @@
           </a:p>
         </p:txBody>
       </p:sp>
-      <p:sp>
-        <p:nvSpPr>
-          <p:cNvPr id="3" name="TextBox 2">
+      <p:pic>
+        <p:nvPicPr>
+          <p:cNvPr id="11" name="Picture 2" descr="Afbeeldingsresultaat voor three bees logo">
             <a:extLst>
               <a:ext uri="{FF2B5EF4-FFF2-40B4-BE49-F238E27FC236}">
-                <a16:creationId xmlns:a16="http://schemas.microsoft.com/office/drawing/2014/main" id="{E2EEB3FD-6150-4016-94FD-BB52060F8D5E}"/>
+                <a16:creationId xmlns:a16="http://schemas.microsoft.com/office/drawing/2014/main" id="{B4615D5B-B048-4326-9746-3C92C77B2A01}"/>
               </a:ext>
             </a:extLst>
           </p:cNvPr>
-          <p:cNvSpPr txBox="1"/>
+          <p:cNvPicPr>
+            <a:picLocks noChangeAspect="1" noChangeArrowheads="1"/>
+          </p:cNvPicPr>
           <p:nvPr/>
-        </p:nvSpPr>
-        <p:spPr>
+        </p:nvPicPr>
+        <p:blipFill>
+          <a:blip r:embed="rId3">
+            <a:extLst>
+              <a:ext uri="{28A0092B-C50C-407E-A947-70E740481C1C}">
+                <a14:useLocalDpi xmlns:a14="http://schemas.microsoft.com/office/drawing/2010/main" val="0"/>
+              </a:ext>
+            </a:extLst>
+          </a:blip>
+          <a:srcRect/>
+          <a:stretch>
+            <a:fillRect/>
+          </a:stretch>
+        </p:blipFill>
+        <p:spPr bwMode="auto">
           <a:xfrm>
-            <a:off x="5484782" y="6313336"/>
-            <a:ext cx="1219201" cy="369332"/>
+            <a:off x="2395750" y="1471569"/>
+            <a:ext cx="7400498" cy="3914862"/>
           </a:xfrm>
           <a:prstGeom prst="rect">
             <a:avLst/>
           </a:prstGeom>
           <a:noFill/>
+          <a:extLst>
+            <a:ext uri="{909E8E84-426E-40DD-AFC4-6F175D3DCCD1}">
+              <a14:hiddenFill xmlns:a14="http://schemas.microsoft.com/office/drawing/2010/main">
+                <a:solidFill>
+                  <a:srgbClr val="FFFFFF"/>
+                </a:solidFill>
+              </a14:hiddenFill>
+            </a:ext>
+          </a:extLst>
+        </p:spPr>
+      </p:pic>
+      <p:sp>
+        <p:nvSpPr>
+          <p:cNvPr id="16" name="TextBox 15">
+            <a:extLst>
+              <a:ext uri="{FF2B5EF4-FFF2-40B4-BE49-F238E27FC236}">
+                <a16:creationId xmlns:a16="http://schemas.microsoft.com/office/drawing/2014/main" id="{6DEC945F-D1C0-4055-B21D-161290ADE164}"/>
+              </a:ext>
+            </a:extLst>
+          </p:cNvPr>
+          <p:cNvSpPr txBox="1"/>
+          <p:nvPr/>
+        </p:nvSpPr>
+        <p:spPr>
+          <a:xfrm>
+            <a:off x="4560894" y="6205614"/>
+            <a:ext cx="3066974" cy="584775"/>
+          </a:xfrm>
+          <a:prstGeom prst="rect">
+            <a:avLst/>
+          </a:prstGeom>
+          <a:noFill/>
         </p:spPr>
         <p:txBody>
           <a:bodyPr wrap="square" rtlCol="0">
@@ -5424,14 +6288,14 @@
           <a:p>
             <a:pPr algn="ctr"/>
             <a:r>
-              <a:rPr lang="nl-BE" dirty="0">
+              <a:rPr lang="nl-BE" sz="3200" dirty="0">
                 <a:solidFill>
                   <a:schemeClr val="bg1"/>
                 </a:solidFill>
               </a:rPr>
-              <a:t>is proud of</a:t>
+              <a:t>HARDEST CODE</a:t>
             </a:r>
-            <a:endParaRPr lang="LID4096" dirty="0">
+            <a:endParaRPr lang="LID4096" sz="3200" dirty="0">
               <a:solidFill>
                 <a:schemeClr val="bg1"/>
               </a:solidFill>
@@ -5439,288 +6303,28 @@
           </a:p>
         </p:txBody>
       </p:sp>
-      <p:sp>
-        <p:nvSpPr>
-          <p:cNvPr id="4" name="TextBox 3">
-            <a:extLst>
-              <a:ext uri="{FF2B5EF4-FFF2-40B4-BE49-F238E27FC236}">
-                <a16:creationId xmlns:a16="http://schemas.microsoft.com/office/drawing/2014/main" id="{2993F9C0-D9C6-4A40-96D5-31FB3655AE18}"/>
-              </a:ext>
-            </a:extLst>
-          </p:cNvPr>
-          <p:cNvSpPr txBox="1"/>
-          <p:nvPr/>
-        </p:nvSpPr>
-        <p:spPr>
-          <a:xfrm>
-            <a:off x="6703981" y="6313336"/>
-            <a:ext cx="3430619" cy="369332"/>
-          </a:xfrm>
-          <a:prstGeom prst="rect">
-            <a:avLst/>
-          </a:prstGeom>
-          <a:noFill/>
-        </p:spPr>
-        <p:txBody>
-          <a:bodyPr wrap="square" rtlCol="0">
-            <a:spAutoFit/>
-          </a:bodyPr>
-          <a:lstStyle/>
-          <a:p>
-            <a:r>
-              <a:rPr lang="nl-BE" dirty="0"/>
-              <a:t>his coach Badlapje</a:t>
-            </a:r>
-            <a:endParaRPr lang="LID4096" dirty="0"/>
-          </a:p>
-        </p:txBody>
-      </p:sp>
-      <p:sp>
-        <p:nvSpPr>
-          <p:cNvPr id="5" name="TextBox 4">
-            <a:extLst>
-              <a:ext uri="{FF2B5EF4-FFF2-40B4-BE49-F238E27FC236}">
-                <a16:creationId xmlns:a16="http://schemas.microsoft.com/office/drawing/2014/main" id="{0719F7B6-1D76-4D62-9EB7-B04AE387A135}"/>
-              </a:ext>
-            </a:extLst>
-          </p:cNvPr>
-          <p:cNvSpPr txBox="1"/>
-          <p:nvPr/>
-        </p:nvSpPr>
-        <p:spPr>
-          <a:xfrm>
-            <a:off x="3867151" y="6313336"/>
-            <a:ext cx="1713186" cy="369332"/>
-          </a:xfrm>
-          <a:prstGeom prst="rect">
-            <a:avLst/>
-          </a:prstGeom>
-          <a:noFill/>
-        </p:spPr>
-        <p:txBody>
-          <a:bodyPr wrap="square" rtlCol="0">
-            <a:spAutoFit/>
-          </a:bodyPr>
-          <a:lstStyle/>
-          <a:p>
-            <a:pPr algn="r"/>
-            <a:r>
-              <a:rPr lang="nl-BE" dirty="0">
-                <a:solidFill>
-                  <a:schemeClr val="bg1"/>
-                </a:solidFill>
-              </a:rPr>
-              <a:t>BRAM</a:t>
-            </a:r>
-            <a:endParaRPr lang="LID4096" dirty="0">
-              <a:solidFill>
-                <a:schemeClr val="bg1"/>
-              </a:solidFill>
-            </a:endParaRPr>
-          </a:p>
-        </p:txBody>
-      </p:sp>
-      <p:pic>
-        <p:nvPicPr>
-          <p:cNvPr id="13" name="Picture 12">
-            <a:extLst>
-              <a:ext uri="{FF2B5EF4-FFF2-40B4-BE49-F238E27FC236}">
-                <a16:creationId xmlns:a16="http://schemas.microsoft.com/office/drawing/2014/main" id="{69B9ACF8-FA5F-4CB8-B5C4-3033EB63CC04}"/>
-              </a:ext>
-            </a:extLst>
-          </p:cNvPr>
-          <p:cNvPicPr>
-            <a:picLocks noChangeAspect="1"/>
-          </p:cNvPicPr>
-          <p:nvPr/>
-        </p:nvPicPr>
-        <p:blipFill>
-          <a:blip r:embed="rId4"/>
-          <a:stretch>
-            <a:fillRect/>
-          </a:stretch>
-        </p:blipFill>
-        <p:spPr>
-          <a:xfrm>
-            <a:off x="2209800" y="1423987"/>
-            <a:ext cx="7772400" cy="4010025"/>
-          </a:xfrm>
-          <a:prstGeom prst="rect">
-            <a:avLst/>
-          </a:prstGeom>
-          <a:solidFill>
-            <a:srgbClr val="FFFFFF">
-              <a:shade val="85000"/>
-            </a:srgbClr>
-          </a:solidFill>
-          <a:ln w="88900" cap="sq">
-            <a:solidFill>
-              <a:srgbClr val="FFFFFF"/>
-            </a:solidFill>
-            <a:miter lim="800000"/>
-          </a:ln>
-          <a:effectLst>
-            <a:outerShdw blurRad="55000" dist="18000" dir="5400000" algn="tl" rotWithShape="0">
-              <a:srgbClr val="000000">
-                <a:alpha val="40000"/>
-              </a:srgbClr>
-            </a:outerShdw>
-          </a:effectLst>
-          <a:scene3d>
-            <a:camera prst="orthographicFront"/>
-            <a:lightRig rig="twoPt" dir="t">
-              <a:rot lat="0" lon="0" rev="7200000"/>
-            </a:lightRig>
-          </a:scene3d>
-          <a:sp3d>
-            <a:bevelT w="25400" h="19050"/>
-            <a:contourClr>
-              <a:srgbClr val="FFFFFF"/>
-            </a:contourClr>
-          </a:sp3d>
-        </p:spPr>
-      </p:pic>
     </p:spTree>
     <p:extLst>
       <p:ext uri="{BB962C8B-B14F-4D97-AF65-F5344CB8AC3E}">
-        <p14:creationId xmlns:p14="http://schemas.microsoft.com/office/powerpoint/2010/main" val="2404707751"/>
+        <p14:creationId xmlns:p14="http://schemas.microsoft.com/office/powerpoint/2010/main" val="1082428514"/>
       </p:ext>
     </p:extLst>
   </p:cSld>
   <p:clrMapOvr>
     <a:masterClrMapping/>
   </p:clrMapOvr>
-  <p:timing>
-    <p:tnLst>
-      <p:par>
-        <p:cTn id="1" dur="indefinite" restart="never" nodeType="tmRoot">
-          <p:childTnLst>
-            <p:seq concurrent="1" nextAc="seek">
-              <p:cTn id="2" dur="indefinite" nodeType="mainSeq">
-                <p:childTnLst>
-                  <p:par>
-                    <p:cTn id="3" fill="hold">
-                      <p:stCondLst>
-                        <p:cond delay="indefinite"/>
-                      </p:stCondLst>
-                      <p:childTnLst>
-                        <p:par>
-                          <p:cTn id="4" fill="hold">
-                            <p:stCondLst>
-                              <p:cond delay="0"/>
-                            </p:stCondLst>
-                            <p:childTnLst>
-                              <p:par>
-                                <p:cTn id="5" presetID="10" presetClass="entr" presetSubtype="0" fill="hold" grpId="0" nodeType="clickEffect">
-                                  <p:stCondLst>
-                                    <p:cond delay="0"/>
-                                  </p:stCondLst>
-                                  <p:childTnLst>
-                                    <p:set>
-                                      <p:cBhvr>
-                                        <p:cTn id="6" dur="1" fill="hold">
-                                          <p:stCondLst>
-                                            <p:cond delay="0"/>
-                                          </p:stCondLst>
-                                        </p:cTn>
-                                        <p:tgtEl>
-                                          <p:spTgt spid="5"/>
-                                        </p:tgtEl>
-                                        <p:attrNameLst>
-                                          <p:attrName>style.visibility</p:attrName>
-                                        </p:attrNameLst>
-                                      </p:cBhvr>
-                                      <p:to>
-                                        <p:strVal val="visible"/>
-                                      </p:to>
-                                    </p:set>
-                                    <p:animEffect transition="in" filter="fade">
-                                      <p:cBhvr>
-                                        <p:cTn id="7" dur="500"/>
-                                        <p:tgtEl>
-                                          <p:spTgt spid="5"/>
-                                        </p:tgtEl>
-                                      </p:cBhvr>
-                                    </p:animEffect>
-                                  </p:childTnLst>
-                                </p:cTn>
-                              </p:par>
-                            </p:childTnLst>
-                          </p:cTn>
-                        </p:par>
-                      </p:childTnLst>
-                    </p:cTn>
-                  </p:par>
-                  <p:par>
-                    <p:cTn id="8" fill="hold">
-                      <p:stCondLst>
-                        <p:cond delay="indefinite"/>
-                      </p:stCondLst>
-                      <p:childTnLst>
-                        <p:par>
-                          <p:cTn id="9" fill="hold">
-                            <p:stCondLst>
-                              <p:cond delay="0"/>
-                            </p:stCondLst>
-                            <p:childTnLst>
-                              <p:par>
-                                <p:cTn id="10" presetID="1" presetClass="entr" presetSubtype="0" fill="hold" nodeType="clickEffect">
-                                  <p:stCondLst>
-                                    <p:cond delay="0"/>
-                                  </p:stCondLst>
-                                  <p:childTnLst>
-                                    <p:set>
-                                      <p:cBhvr>
-                                        <p:cTn id="11" dur="1" fill="hold">
-                                          <p:stCondLst>
-                                            <p:cond delay="0"/>
-                                          </p:stCondLst>
-                                        </p:cTn>
-                                        <p:tgtEl>
-                                          <p:spTgt spid="13"/>
-                                        </p:tgtEl>
-                                        <p:attrNameLst>
-                                          <p:attrName>style.visibility</p:attrName>
-                                        </p:attrNameLst>
-                                      </p:cBhvr>
-                                      <p:to>
-                                        <p:strVal val="visible"/>
-                                      </p:to>
-                                    </p:set>
-                                  </p:childTnLst>
-                                </p:cTn>
-                              </p:par>
-                            </p:childTnLst>
-                          </p:cTn>
-                        </p:par>
-                      </p:childTnLst>
-                    </p:cTn>
-                  </p:par>
-                </p:childTnLst>
-              </p:cTn>
-              <p:prevCondLst>
-                <p:cond evt="onPrev" delay="0">
-                  <p:tgtEl>
-                    <p:sldTgt/>
-                  </p:tgtEl>
-                </p:cond>
-              </p:prevCondLst>
-              <p:nextCondLst>
-                <p:cond evt="onNext" delay="0">
-                  <p:tgtEl>
-                    <p:sldTgt/>
-                  </p:tgtEl>
-                </p:cond>
-              </p:nextCondLst>
-            </p:seq>
-          </p:childTnLst>
-        </p:cTn>
-      </p:par>
-    </p:tnLst>
-    <p:bldLst>
-      <p:bldP spid="5" grpId="0"/>
-    </p:bldLst>
-  </p:timing>
+  <mc:AlternateContent xmlns:mc="http://schemas.openxmlformats.org/markup-compatibility/2006">
+    <mc:Choice xmlns:p14="http://schemas.microsoft.com/office/powerpoint/2010/main" Requires="p14">
+      <p:transition spd="med" p14:dur="700">
+        <p:fade/>
+      </p:transition>
+    </mc:Choice>
+    <mc:Fallback>
+      <p:transition spd="med">
+        <p:fade/>
+      </p:transition>
+    </mc:Fallback>
+  </mc:AlternateContent>
 </p:sld>
 </file>
 
@@ -6372,7 +6976,7 @@
                   <a:schemeClr val="bg1"/>
                 </a:solidFill>
               </a:rPr>
-              <a:t>‘s hardest moment was</a:t>
+              <a:t>‘s hardest code was</a:t>
             </a:r>
             <a:endParaRPr lang="LID4096" dirty="0">
               <a:solidFill>
@@ -6757,6 +7361,51 @@
           </a:prstGeom>
         </p:spPr>
       </p:pic>
+      <p:sp>
+        <p:nvSpPr>
+          <p:cNvPr id="34" name="TextBox 33">
+            <a:extLst>
+              <a:ext uri="{FF2B5EF4-FFF2-40B4-BE49-F238E27FC236}">
+                <a16:creationId xmlns:a16="http://schemas.microsoft.com/office/drawing/2014/main" id="{8ACB85EE-2584-4DED-8AA4-650BB5437E9F}"/>
+              </a:ext>
+            </a:extLst>
+          </p:cNvPr>
+          <p:cNvSpPr txBox="1"/>
+          <p:nvPr/>
+        </p:nvSpPr>
+        <p:spPr>
+          <a:xfrm>
+            <a:off x="4562512" y="6205614"/>
+            <a:ext cx="3066974" cy="584775"/>
+          </a:xfrm>
+          <a:prstGeom prst="rect">
+            <a:avLst/>
+          </a:prstGeom>
+          <a:noFill/>
+        </p:spPr>
+        <p:txBody>
+          <a:bodyPr wrap="square" rtlCol="0">
+            <a:spAutoFit/>
+          </a:bodyPr>
+          <a:lstStyle/>
+          <a:p>
+            <a:pPr algn="ctr"/>
+            <a:r>
+              <a:rPr lang="nl-BE" sz="3200" dirty="0">
+                <a:solidFill>
+                  <a:schemeClr val="bg1"/>
+                </a:solidFill>
+              </a:rPr>
+              <a:t>HARDEST CODE</a:t>
+            </a:r>
+            <a:endParaRPr lang="LID4096" sz="3200" dirty="0">
+              <a:solidFill>
+                <a:schemeClr val="bg1"/>
+              </a:solidFill>
+            </a:endParaRPr>
+          </a:p>
+        </p:txBody>
+      </p:sp>
     </p:spTree>
     <p:extLst>
       <p:ext uri="{BB962C8B-B14F-4D97-AF65-F5344CB8AC3E}">
@@ -6791,7 +7440,7 @@
                             </p:stCondLst>
                             <p:childTnLst>
                               <p:par>
-                                <p:cTn id="5" presetID="1" presetClass="exit" presetSubtype="0" fill="hold" nodeType="afterEffect">
+                                <p:cTn id="5" presetID="1" presetClass="exit" presetSubtype="0" fill="hold" nodeType="withEffect">
                                   <p:stCondLst>
                                     <p:cond delay="0"/>
                                   </p:stCondLst>
@@ -7087,6 +7736,111 @@
                                   </p:childTnLst>
                                 </p:cTn>
                               </p:par>
+                              <p:par>
+                                <p:cTn id="27" presetID="10" presetClass="exit" presetSubtype="0" fill="hold" grpId="0" nodeType="withEffect">
+                                  <p:stCondLst>
+                                    <p:cond delay="0"/>
+                                  </p:stCondLst>
+                                  <p:childTnLst>
+                                    <p:animEffect transition="out" filter="fade">
+                                      <p:cBhvr>
+                                        <p:cTn id="28" dur="700"/>
+                                        <p:tgtEl>
+                                          <p:spTgt spid="34"/>
+                                        </p:tgtEl>
+                                      </p:cBhvr>
+                                    </p:animEffect>
+                                    <p:set>
+                                      <p:cBhvr>
+                                        <p:cTn id="29" dur="1" fill="hold">
+                                          <p:stCondLst>
+                                            <p:cond delay="699"/>
+                                          </p:stCondLst>
+                                        </p:cTn>
+                                        <p:tgtEl>
+                                          <p:spTgt spid="34"/>
+                                        </p:tgtEl>
+                                        <p:attrNameLst>
+                                          <p:attrName>style.visibility</p:attrName>
+                                        </p:attrNameLst>
+                                      </p:cBhvr>
+                                      <p:to>
+                                        <p:strVal val="hidden"/>
+                                      </p:to>
+                                    </p:set>
+                                  </p:childTnLst>
+                                </p:cTn>
+                              </p:par>
+                              <p:par>
+                                <p:cTn id="30" presetID="10" presetClass="entr" presetSubtype="0" fill="hold" grpId="0" nodeType="withEffect">
+                                  <p:stCondLst>
+                                    <p:cond delay="0"/>
+                                  </p:stCondLst>
+                                  <p:childTnLst>
+                                    <p:set>
+                                      <p:cBhvr>
+                                        <p:cTn id="31" dur="1" fill="hold">
+                                          <p:stCondLst>
+                                            <p:cond delay="0"/>
+                                          </p:stCondLst>
+                                        </p:cTn>
+                                        <p:tgtEl>
+                                          <p:spTgt spid="5"/>
+                                        </p:tgtEl>
+                                        <p:attrNameLst>
+                                          <p:attrName>style.visibility</p:attrName>
+                                        </p:attrNameLst>
+                                      </p:cBhvr>
+                                      <p:to>
+                                        <p:strVal val="visible"/>
+                                      </p:to>
+                                    </p:set>
+                                    <p:animEffect transition="in" filter="fade">
+                                      <p:cBhvr>
+                                        <p:cTn id="32" dur="700"/>
+                                        <p:tgtEl>
+                                          <p:spTgt spid="5"/>
+                                        </p:tgtEl>
+                                      </p:cBhvr>
+                                    </p:animEffect>
+                                  </p:childTnLst>
+                                </p:cTn>
+                              </p:par>
+                              <p:par>
+                                <p:cTn id="33" presetID="10" presetClass="entr" presetSubtype="0" fill="hold" grpId="0" nodeType="withEffect">
+                                  <p:stCondLst>
+                                    <p:cond delay="0"/>
+                                  </p:stCondLst>
+                                  <p:childTnLst>
+                                    <p:set>
+                                      <p:cBhvr>
+                                        <p:cTn id="34" dur="1" fill="hold">
+                                          <p:stCondLst>
+                                            <p:cond delay="0"/>
+                                          </p:stCondLst>
+                                        </p:cTn>
+                                        <p:tgtEl>
+                                          <p:spTgt spid="3"/>
+                                        </p:tgtEl>
+                                        <p:attrNameLst>
+                                          <p:attrName>style.visibility</p:attrName>
+                                        </p:attrNameLst>
+                                      </p:cBhvr>
+                                      <p:to>
+                                        <p:strVal val="visible"/>
+                                      </p:to>
+                                    </p:set>
+                                    <p:animEffect transition="in" filter="fade">
+                                      <p:cBhvr>
+                                        <p:cTn id="35" dur="700"/>
+                                        <p:tgtEl>
+                                          <p:spTgt spid="3"/>
+                                        </p:tgtEl>
+                                      </p:cBhvr>
+                                    </p:animEffect>
+                                  </p:childTnLst>
+                                </p:cTn>
+                              </p:par>
                             </p:childTnLst>
                           </p:cTn>
                         </p:par>
@@ -7094,26 +7848,26 @@
                     </p:cTn>
                   </p:par>
                   <p:par>
-                    <p:cTn id="27" fill="hold">
+                    <p:cTn id="36" fill="hold">
                       <p:stCondLst>
                         <p:cond delay="indefinite"/>
                       </p:stCondLst>
                       <p:childTnLst>
                         <p:par>
-                          <p:cTn id="28" fill="hold">
+                          <p:cTn id="37" fill="hold">
                             <p:stCondLst>
                               <p:cond delay="0"/>
                             </p:stCondLst>
                             <p:childTnLst>
                               <p:par>
-                                <p:cTn id="29" presetID="1" presetClass="entr" presetSubtype="0" fill="hold" nodeType="clickEffect">
+                                <p:cTn id="38" presetID="1" presetClass="entr" presetSubtype="0" fill="hold" nodeType="clickEffect">
                                   <p:stCondLst>
                                     <p:cond delay="0"/>
                                   </p:stCondLst>
                                   <p:childTnLst>
                                     <p:set>
                                       <p:cBhvr>
-                                        <p:cTn id="30" dur="1" fill="hold">
+                                        <p:cTn id="39" dur="1" fill="hold">
                                           <p:stCondLst>
                                             <p:cond delay="9"/>
                                           </p:stCondLst>
@@ -7133,14 +7887,14 @@
                                 </p:cTn>
                               </p:par>
                               <p:par>
-                                <p:cTn id="31" presetID="1" presetClass="exit" presetSubtype="0" fill="hold" nodeType="withEffect">
+                                <p:cTn id="40" presetID="1" presetClass="exit" presetSubtype="0" fill="hold" nodeType="withEffect">
                                   <p:stCondLst>
                                     <p:cond delay="0"/>
                                   </p:stCondLst>
                                   <p:childTnLst>
                                     <p:set>
                                       <p:cBhvr>
-                                        <p:cTn id="32" dur="1" fill="hold">
+                                        <p:cTn id="41" dur="1" fill="hold">
                                           <p:stCondLst>
                                             <p:cond delay="9"/>
                                           </p:stCondLst>
@@ -7160,14 +7914,14 @@
                                 </p:cTn>
                               </p:par>
                               <p:par>
-                                <p:cTn id="33" presetID="42" presetClass="path" presetSubtype="0" fill="hold" nodeType="withEffect">
+                                <p:cTn id="42" presetID="42" presetClass="path" presetSubtype="0" fill="hold" nodeType="withEffect">
                                   <p:stCondLst>
                                     <p:cond delay="0"/>
                                   </p:stCondLst>
                                   <p:childTnLst>
                                     <p:animMotion origin="layout" path="M 1.45833E-6 0.00139 L 0.33919 0.29468 " pathEditMode="fixed" rAng="0" ptsTypes="AA">
                                       <p:cBhvr>
-                                        <p:cTn id="34" dur="1000" fill="hold"/>
+                                        <p:cTn id="43" dur="1000" fill="hold"/>
                                         <p:tgtEl>
                                           <p:spTgt spid="32"/>
                                         </p:tgtEl>
@@ -7182,14 +7936,14 @@
                                 </p:cTn>
                               </p:par>
                               <p:par>
-                                <p:cTn id="35" presetID="6" presetClass="emph" presetSubtype="0" fill="hold" nodeType="withEffect">
+                                <p:cTn id="44" presetID="6" presetClass="emph" presetSubtype="0" fill="hold" nodeType="withEffect">
                                   <p:stCondLst>
                                     <p:cond delay="0"/>
                                   </p:stCondLst>
                                   <p:childTnLst>
                                     <p:animScale>
                                       <p:cBhvr>
-                                        <p:cTn id="36" dur="1000" fill="hold"/>
+                                        <p:cTn id="45" dur="1000" fill="hold"/>
                                         <p:tgtEl>
                                           <p:spTgt spid="32"/>
                                         </p:tgtEl>
@@ -7206,26 +7960,26 @@
                     </p:cTn>
                   </p:par>
                   <p:par>
-                    <p:cTn id="37" fill="hold">
+                    <p:cTn id="46" fill="hold">
                       <p:stCondLst>
                         <p:cond delay="indefinite"/>
                       </p:stCondLst>
                       <p:childTnLst>
                         <p:par>
-                          <p:cTn id="38" fill="hold">
+                          <p:cTn id="47" fill="hold">
                             <p:stCondLst>
                               <p:cond delay="0"/>
                             </p:stCondLst>
                             <p:childTnLst>
                               <p:par>
-                                <p:cTn id="39" presetID="42" presetClass="path" presetSubtype="0" fill="hold" nodeType="clickEffect">
+                                <p:cTn id="48" presetID="42" presetClass="path" presetSubtype="0" fill="hold" nodeType="clickEffect">
                                   <p:stCondLst>
                                     <p:cond delay="0"/>
                                   </p:stCondLst>
                                   <p:childTnLst>
                                     <p:animMotion origin="layout" path="M 0.33919 0.29468 L 1.45833E-6 0.00139 " pathEditMode="fixed" rAng="0" ptsTypes="AA">
                                       <p:cBhvr>
-                                        <p:cTn id="40" dur="1000" fill="hold"/>
+                                        <p:cTn id="49" dur="1000" fill="hold"/>
                                         <p:tgtEl>
                                           <p:spTgt spid="32"/>
                                         </p:tgtEl>
@@ -7240,14 +7994,14 @@
                                 </p:cTn>
                               </p:par>
                               <p:par>
-                                <p:cTn id="41" presetID="6" presetClass="emph" presetSubtype="0" fill="hold" nodeType="withEffect">
+                                <p:cTn id="50" presetID="6" presetClass="emph" presetSubtype="0" fill="hold" nodeType="withEffect">
                                   <p:stCondLst>
                                     <p:cond delay="0"/>
                                   </p:stCondLst>
                                   <p:childTnLst>
                                     <p:animScale>
                                       <p:cBhvr>
-                                        <p:cTn id="42" dur="1000" fill="hold"/>
+                                        <p:cTn id="51" dur="1000" fill="hold"/>
                                         <p:tgtEl>
                                           <p:spTgt spid="32"/>
                                         </p:tgtEl>
@@ -7261,20 +8015,20 @@
                           </p:cTn>
                         </p:par>
                         <p:par>
-                          <p:cTn id="43" fill="hold">
+                          <p:cTn id="52" fill="hold">
                             <p:stCondLst>
                               <p:cond delay="1000"/>
                             </p:stCondLst>
                             <p:childTnLst>
                               <p:par>
-                                <p:cTn id="44" presetID="1" presetClass="entr" presetSubtype="0" fill="hold" nodeType="afterEffect">
+                                <p:cTn id="53" presetID="1" presetClass="entr" presetSubtype="0" fill="hold" nodeType="afterEffect">
                                   <p:stCondLst>
                                     <p:cond delay="0"/>
                                   </p:stCondLst>
                                   <p:childTnLst>
                                     <p:set>
                                       <p:cBhvr>
-                                        <p:cTn id="45" dur="1" fill="hold">
+                                        <p:cTn id="54" dur="1" fill="hold">
                                           <p:stCondLst>
                                             <p:cond delay="9"/>
                                           </p:stCondLst>
@@ -7294,14 +8048,14 @@
                                 </p:cTn>
                               </p:par>
                               <p:par>
-                                <p:cTn id="46" presetID="1" presetClass="exit" presetSubtype="0" fill="hold" nodeType="withEffect">
+                                <p:cTn id="55" presetID="1" presetClass="exit" presetSubtype="0" fill="hold" nodeType="withEffect">
                                   <p:stCondLst>
                                     <p:cond delay="0"/>
                                   </p:stCondLst>
                                   <p:childTnLst>
                                     <p:set>
                                       <p:cBhvr>
-                                        <p:cTn id="47" dur="1" fill="hold">
+                                        <p:cTn id="56" dur="1" fill="hold">
                                           <p:stCondLst>
                                             <p:cond delay="9"/>
                                           </p:stCondLst>
@@ -7327,26 +8081,26 @@
                     </p:cTn>
                   </p:par>
                   <p:par>
-                    <p:cTn id="48" fill="hold">
+                    <p:cTn id="57" fill="hold">
                       <p:stCondLst>
                         <p:cond delay="indefinite"/>
                       </p:stCondLst>
                       <p:childTnLst>
                         <p:par>
-                          <p:cTn id="49" fill="hold">
+                          <p:cTn id="58" fill="hold">
                             <p:stCondLst>
                               <p:cond delay="0"/>
                             </p:stCondLst>
                             <p:childTnLst>
                               <p:par>
-                                <p:cTn id="50" presetID="1" presetClass="entr" presetSubtype="0" fill="hold" nodeType="clickEffect">
+                                <p:cTn id="59" presetID="1" presetClass="entr" presetSubtype="0" fill="hold" nodeType="clickEffect">
                                   <p:stCondLst>
                                     <p:cond delay="0"/>
                                   </p:stCondLst>
                                   <p:childTnLst>
                                     <p:set>
                                       <p:cBhvr>
-                                        <p:cTn id="51" dur="1" fill="hold">
+                                        <p:cTn id="60" dur="1" fill="hold">
                                           <p:stCondLst>
                                             <p:cond delay="9"/>
                                           </p:stCondLst>
@@ -7366,14 +8120,14 @@
                                 </p:cTn>
                               </p:par>
                               <p:par>
-                                <p:cTn id="52" presetID="1" presetClass="exit" presetSubtype="0" fill="hold" nodeType="withEffect">
+                                <p:cTn id="61" presetID="1" presetClass="exit" presetSubtype="0" fill="hold" nodeType="withEffect">
                                   <p:stCondLst>
                                     <p:cond delay="0"/>
                                   </p:stCondLst>
                                   <p:childTnLst>
                                     <p:set>
                                       <p:cBhvr>
-                                        <p:cTn id="53" dur="1" fill="hold">
+                                        <p:cTn id="62" dur="1" fill="hold">
                                           <p:stCondLst>
                                             <p:cond delay="9"/>
                                           </p:stCondLst>
@@ -7393,14 +8147,14 @@
                                 </p:cTn>
                               </p:par>
                               <p:par>
-                                <p:cTn id="54" presetID="42" presetClass="path" presetSubtype="0" fill="hold" nodeType="withEffect">
+                                <p:cTn id="63" presetID="42" presetClass="path" presetSubtype="0" fill="hold" nodeType="withEffect">
                                   <p:stCondLst>
                                     <p:cond delay="0"/>
                                   </p:stCondLst>
                                   <p:childTnLst>
                                     <p:animMotion origin="layout" path="M -2.70833E-6 -1.11111E-6 L 0.07956 0.29306 " pathEditMode="fixed" rAng="0" ptsTypes="AA">
                                       <p:cBhvr>
-                                        <p:cTn id="55" dur="1000" fill="hold"/>
+                                        <p:cTn id="64" dur="1000" fill="hold"/>
                                         <p:tgtEl>
                                           <p:spTgt spid="23"/>
                                         </p:tgtEl>
@@ -7415,14 +8169,14 @@
                                 </p:cTn>
                               </p:par>
                               <p:par>
-                                <p:cTn id="56" presetID="6" presetClass="emph" presetSubtype="0" fill="hold" nodeType="withEffect">
+                                <p:cTn id="65" presetID="6" presetClass="emph" presetSubtype="0" fill="hold" nodeType="withEffect">
                                   <p:stCondLst>
                                     <p:cond delay="0"/>
                                   </p:stCondLst>
                                   <p:childTnLst>
                                     <p:animScale>
                                       <p:cBhvr>
-                                        <p:cTn id="57" dur="1000" fill="hold"/>
+                                        <p:cTn id="66" dur="1000" fill="hold"/>
                                         <p:tgtEl>
                                           <p:spTgt spid="23"/>
                                         </p:tgtEl>
@@ -7439,26 +8193,26 @@
                     </p:cTn>
                   </p:par>
                   <p:par>
-                    <p:cTn id="58" fill="hold">
+                    <p:cTn id="67" fill="hold">
                       <p:stCondLst>
                         <p:cond delay="indefinite"/>
                       </p:stCondLst>
                       <p:childTnLst>
                         <p:par>
-                          <p:cTn id="59" fill="hold">
+                          <p:cTn id="68" fill="hold">
                             <p:stCondLst>
                               <p:cond delay="0"/>
                             </p:stCondLst>
                             <p:childTnLst>
                               <p:par>
-                                <p:cTn id="60" presetID="42" presetClass="path" presetSubtype="0" fill="hold" nodeType="clickEffect">
+                                <p:cTn id="69" presetID="42" presetClass="path" presetSubtype="0" fill="hold" nodeType="clickEffect">
                                   <p:stCondLst>
                                     <p:cond delay="0"/>
                                   </p:stCondLst>
                                   <p:childTnLst>
                                     <p:animMotion origin="layout" path="M 0.08034 0.29444 L -2.70833E-6 -4.44444E-6 " pathEditMode="fixed" rAng="0" ptsTypes="AA">
                                       <p:cBhvr>
-                                        <p:cTn id="61" dur="1000" fill="hold"/>
+                                        <p:cTn id="70" dur="1000" fill="hold"/>
                                         <p:tgtEl>
                                           <p:spTgt spid="23"/>
                                         </p:tgtEl>
@@ -7473,14 +8227,14 @@
                                 </p:cTn>
                               </p:par>
                               <p:par>
-                                <p:cTn id="62" presetID="6" presetClass="emph" presetSubtype="0" fill="hold" nodeType="withEffect">
+                                <p:cTn id="71" presetID="6" presetClass="emph" presetSubtype="0" fill="hold" nodeType="withEffect">
                                   <p:stCondLst>
                                     <p:cond delay="0"/>
                                   </p:stCondLst>
                                   <p:childTnLst>
                                     <p:animScale>
                                       <p:cBhvr>
-                                        <p:cTn id="63" dur="1000" fill="hold"/>
+                                        <p:cTn id="72" dur="1000" fill="hold"/>
                                         <p:tgtEl>
                                           <p:spTgt spid="23"/>
                                         </p:tgtEl>
@@ -7494,20 +8248,20 @@
                           </p:cTn>
                         </p:par>
                         <p:par>
-                          <p:cTn id="64" fill="hold">
+                          <p:cTn id="73" fill="hold">
                             <p:stCondLst>
                               <p:cond delay="1000"/>
                             </p:stCondLst>
                             <p:childTnLst>
                               <p:par>
-                                <p:cTn id="65" presetID="1" presetClass="entr" presetSubtype="0" fill="hold" nodeType="afterEffect">
+                                <p:cTn id="74" presetID="1" presetClass="entr" presetSubtype="0" fill="hold" nodeType="afterEffect">
                                   <p:stCondLst>
                                     <p:cond delay="0"/>
                                   </p:stCondLst>
                                   <p:childTnLst>
                                     <p:set>
                                       <p:cBhvr>
-                                        <p:cTn id="66" dur="1" fill="hold">
+                                        <p:cTn id="75" dur="1" fill="hold">
                                           <p:stCondLst>
                                             <p:cond delay="9"/>
                                           </p:stCondLst>
@@ -7527,14 +8281,14 @@
                                 </p:cTn>
                               </p:par>
                               <p:par>
-                                <p:cTn id="67" presetID="1" presetClass="exit" presetSubtype="0" fill="hold" nodeType="withEffect">
+                                <p:cTn id="76" presetID="1" presetClass="exit" presetSubtype="0" fill="hold" nodeType="withEffect">
                                   <p:stCondLst>
                                     <p:cond delay="0"/>
                                   </p:stCondLst>
                                   <p:childTnLst>
                                     <p:set>
                                       <p:cBhvr>
-                                        <p:cTn id="68" dur="1" fill="hold">
+                                        <p:cTn id="77" dur="1" fill="hold">
                                           <p:stCondLst>
                                             <p:cond delay="9"/>
                                           </p:stCondLst>
@@ -7560,26 +8314,26 @@
                     </p:cTn>
                   </p:par>
                   <p:par>
-                    <p:cTn id="69" fill="hold">
+                    <p:cTn id="78" fill="hold">
                       <p:stCondLst>
                         <p:cond delay="indefinite"/>
                       </p:stCondLst>
                       <p:childTnLst>
                         <p:par>
-                          <p:cTn id="70" fill="hold">
+                          <p:cTn id="79" fill="hold">
                             <p:stCondLst>
                               <p:cond delay="0"/>
                             </p:stCondLst>
                             <p:childTnLst>
                               <p:par>
-                                <p:cTn id="71" presetID="1" presetClass="entr" presetSubtype="0" fill="hold" nodeType="clickEffect">
+                                <p:cTn id="80" presetID="1" presetClass="entr" presetSubtype="0" fill="hold" nodeType="clickEffect">
                                   <p:stCondLst>
                                     <p:cond delay="0"/>
                                   </p:stCondLst>
                                   <p:childTnLst>
                                     <p:set>
                                       <p:cBhvr>
-                                        <p:cTn id="72" dur="1" fill="hold">
+                                        <p:cTn id="81" dur="1" fill="hold">
                                           <p:stCondLst>
                                             <p:cond delay="9"/>
                                           </p:stCondLst>
@@ -7599,14 +8353,14 @@
                                 </p:cTn>
                               </p:par>
                               <p:par>
-                                <p:cTn id="73" presetID="1" presetClass="exit" presetSubtype="0" fill="hold" nodeType="withEffect">
+                                <p:cTn id="82" presetID="1" presetClass="exit" presetSubtype="0" fill="hold" nodeType="withEffect">
                                   <p:stCondLst>
                                     <p:cond delay="0"/>
                                   </p:stCondLst>
                                   <p:childTnLst>
                                     <p:set>
                                       <p:cBhvr>
-                                        <p:cTn id="74" dur="1" fill="hold">
+                                        <p:cTn id="83" dur="1" fill="hold">
                                           <p:stCondLst>
                                             <p:cond delay="9"/>
                                           </p:stCondLst>
@@ -7626,14 +8380,14 @@
                                 </p:cTn>
                               </p:par>
                               <p:par>
-                                <p:cTn id="75" presetID="42" presetClass="path" presetSubtype="0" fill="hold" nodeType="withEffect">
+                                <p:cTn id="84" presetID="42" presetClass="path" presetSubtype="0" fill="hold" nodeType="withEffect">
                                   <p:stCondLst>
                                     <p:cond delay="0"/>
                                   </p:stCondLst>
                                   <p:childTnLst>
                                     <p:animMotion origin="layout" path="M -3.33333E-6 -2.96296E-6 L -0.2638 0.29468 " pathEditMode="relative" rAng="0" ptsTypes="AA">
                                       <p:cBhvr>
-                                        <p:cTn id="76" dur="1000" fill="hold"/>
+                                        <p:cTn id="85" dur="1000" fill="hold"/>
                                         <p:tgtEl>
                                           <p:spTgt spid="24"/>
                                         </p:tgtEl>
@@ -7648,14 +8402,14 @@
                                 </p:cTn>
                               </p:par>
                               <p:par>
-                                <p:cTn id="77" presetID="6" presetClass="emph" presetSubtype="0" fill="hold" nodeType="withEffect">
+                                <p:cTn id="86" presetID="6" presetClass="emph" presetSubtype="0" fill="hold" nodeType="withEffect">
                                   <p:stCondLst>
                                     <p:cond delay="0"/>
                                   </p:stCondLst>
                                   <p:childTnLst>
                                     <p:animScale>
                                       <p:cBhvr>
-                                        <p:cTn id="78" dur="1000" fill="hold"/>
+                                        <p:cTn id="87" dur="1000" fill="hold"/>
                                         <p:tgtEl>
                                           <p:spTgt spid="24"/>
                                         </p:tgtEl>
@@ -7672,26 +8426,26 @@
                     </p:cTn>
                   </p:par>
                   <p:par>
-                    <p:cTn id="79" fill="hold">
+                    <p:cTn id="88" fill="hold">
                       <p:stCondLst>
                         <p:cond delay="indefinite"/>
                       </p:stCondLst>
                       <p:childTnLst>
                         <p:par>
-                          <p:cTn id="80" fill="hold">
+                          <p:cTn id="89" fill="hold">
                             <p:stCondLst>
                               <p:cond delay="0"/>
                             </p:stCondLst>
                             <p:childTnLst>
                               <p:par>
-                                <p:cTn id="81" presetID="42" presetClass="path" presetSubtype="0" fill="hold" nodeType="clickEffect">
+                                <p:cTn id="90" presetID="42" presetClass="path" presetSubtype="0" fill="hold" nodeType="clickEffect">
                                   <p:stCondLst>
                                     <p:cond delay="0"/>
                                   </p:stCondLst>
                                   <p:childTnLst>
                                     <p:animMotion origin="layout" path="M -0.2638 0.29468 L -3.33333E-6 -2.96296E-6 " pathEditMode="relative" rAng="0" ptsTypes="AA">
                                       <p:cBhvr>
-                                        <p:cTn id="82" dur="1000" fill="hold"/>
+                                        <p:cTn id="91" dur="1000" fill="hold"/>
                                         <p:tgtEl>
                                           <p:spTgt spid="24"/>
                                         </p:tgtEl>
@@ -7706,14 +8460,14 @@
                                 </p:cTn>
                               </p:par>
                               <p:par>
-                                <p:cTn id="83" presetID="6" presetClass="emph" presetSubtype="0" fill="hold" nodeType="withEffect">
+                                <p:cTn id="92" presetID="6" presetClass="emph" presetSubtype="0" fill="hold" nodeType="withEffect">
                                   <p:stCondLst>
                                     <p:cond delay="0"/>
                                   </p:stCondLst>
                                   <p:childTnLst>
                                     <p:animScale>
                                       <p:cBhvr>
-                                        <p:cTn id="84" dur="1000" fill="hold"/>
+                                        <p:cTn id="93" dur="1000" fill="hold"/>
                                         <p:tgtEl>
                                           <p:spTgt spid="24"/>
                                         </p:tgtEl>
@@ -7727,20 +8481,20 @@
                           </p:cTn>
                         </p:par>
                         <p:par>
-                          <p:cTn id="85" fill="hold">
+                          <p:cTn id="94" fill="hold">
                             <p:stCondLst>
                               <p:cond delay="1000"/>
                             </p:stCondLst>
                             <p:childTnLst>
                               <p:par>
-                                <p:cTn id="86" presetID="1" presetClass="entr" presetSubtype="0" fill="hold" nodeType="afterEffect">
+                                <p:cTn id="95" presetID="1" presetClass="entr" presetSubtype="0" fill="hold" nodeType="afterEffect">
                                   <p:stCondLst>
                                     <p:cond delay="0"/>
                                   </p:stCondLst>
                                   <p:childTnLst>
                                     <p:set>
                                       <p:cBhvr>
-                                        <p:cTn id="87" dur="1" fill="hold">
+                                        <p:cTn id="96" dur="1" fill="hold">
                                           <p:stCondLst>
                                             <p:cond delay="9"/>
                                           </p:stCondLst>
@@ -7760,14 +8514,14 @@
                                 </p:cTn>
                               </p:par>
                               <p:par>
-                                <p:cTn id="88" presetID="1" presetClass="exit" presetSubtype="0" fill="hold" nodeType="withEffect">
+                                <p:cTn id="97" presetID="1" presetClass="exit" presetSubtype="0" fill="hold" nodeType="withEffect">
                                   <p:stCondLst>
                                     <p:cond delay="0"/>
                                   </p:stCondLst>
                                   <p:childTnLst>
                                     <p:set>
                                       <p:cBhvr>
-                                        <p:cTn id="89" dur="1" fill="hold">
+                                        <p:cTn id="98" dur="1" fill="hold">
                                           <p:stCondLst>
                                             <p:cond delay="9"/>
                                           </p:stCondLst>
@@ -7793,26 +8547,26 @@
                     </p:cTn>
                   </p:par>
                   <p:par>
-                    <p:cTn id="90" fill="hold">
+                    <p:cTn id="99" fill="hold">
                       <p:stCondLst>
                         <p:cond delay="indefinite"/>
                       </p:stCondLst>
                       <p:childTnLst>
                         <p:par>
-                          <p:cTn id="91" fill="hold">
+                          <p:cTn id="100" fill="hold">
                             <p:stCondLst>
                               <p:cond delay="0"/>
                             </p:stCondLst>
                             <p:childTnLst>
                               <p:par>
-                                <p:cTn id="92" presetID="1" presetClass="entr" presetSubtype="0" fill="hold" nodeType="clickEffect">
+                                <p:cTn id="101" presetID="1" presetClass="entr" presetSubtype="0" fill="hold" nodeType="clickEffect">
                                   <p:stCondLst>
                                     <p:cond delay="0"/>
                                   </p:stCondLst>
                                   <p:childTnLst>
                                     <p:set>
                                       <p:cBhvr>
-                                        <p:cTn id="93" dur="1" fill="hold">
+                                        <p:cTn id="102" dur="1" fill="hold">
                                           <p:stCondLst>
                                             <p:cond delay="9"/>
                                           </p:stCondLst>
@@ -7832,14 +8586,14 @@
                                 </p:cTn>
                               </p:par>
                               <p:par>
-                                <p:cTn id="94" presetID="1" presetClass="exit" presetSubtype="0" fill="hold" nodeType="withEffect">
+                                <p:cTn id="103" presetID="1" presetClass="exit" presetSubtype="0" fill="hold" nodeType="withEffect">
                                   <p:stCondLst>
                                     <p:cond delay="0"/>
                                   </p:stCondLst>
                                   <p:childTnLst>
                                     <p:set>
                                       <p:cBhvr>
-                                        <p:cTn id="95" dur="1" fill="hold">
+                                        <p:cTn id="104" dur="1" fill="hold">
                                           <p:stCondLst>
                                             <p:cond delay="9"/>
                                           </p:stCondLst>
@@ -7859,14 +8613,14 @@
                                 </p:cTn>
                               </p:par>
                               <p:par>
-                                <p:cTn id="96" presetID="42" presetClass="path" presetSubtype="0" fill="hold" nodeType="withEffect">
+                                <p:cTn id="105" presetID="42" presetClass="path" presetSubtype="0" fill="hold" nodeType="withEffect">
                                   <p:stCondLst>
                                     <p:cond delay="0"/>
                                   </p:stCondLst>
                                   <p:childTnLst>
                                     <p:animMotion origin="layout" path="M -1.45833E-6 -2.59259E-6 L 0.29362 0.15255 " pathEditMode="fixed" rAng="0" ptsTypes="AA">
                                       <p:cBhvr>
-                                        <p:cTn id="97" dur="1000" fill="hold"/>
+                                        <p:cTn id="106" dur="1000" fill="hold"/>
                                         <p:tgtEl>
                                           <p:spTgt spid="25"/>
                                         </p:tgtEl>
@@ -7881,14 +8635,14 @@
                                 </p:cTn>
                               </p:par>
                               <p:par>
-                                <p:cTn id="98" presetID="6" presetClass="emph" presetSubtype="0" fill="hold" nodeType="withEffect">
+                                <p:cTn id="107" presetID="6" presetClass="emph" presetSubtype="0" fill="hold" nodeType="withEffect">
                                   <p:stCondLst>
                                     <p:cond delay="0"/>
                                   </p:stCondLst>
                                   <p:childTnLst>
                                     <p:animScale>
                                       <p:cBhvr>
-                                        <p:cTn id="99" dur="1000" fill="hold"/>
+                                        <p:cTn id="108" dur="1000" fill="hold"/>
                                         <p:tgtEl>
                                           <p:spTgt spid="25"/>
                                         </p:tgtEl>
@@ -7905,26 +8659,26 @@
                     </p:cTn>
                   </p:par>
                   <p:par>
-                    <p:cTn id="100" fill="hold">
+                    <p:cTn id="109" fill="hold">
                       <p:stCondLst>
                         <p:cond delay="indefinite"/>
                       </p:stCondLst>
                       <p:childTnLst>
                         <p:par>
-                          <p:cTn id="101" fill="hold">
+                          <p:cTn id="110" fill="hold">
                             <p:stCondLst>
                               <p:cond delay="0"/>
                             </p:stCondLst>
                             <p:childTnLst>
                               <p:par>
-                                <p:cTn id="102" presetID="42" presetClass="path" presetSubtype="0" fill="hold" nodeType="clickEffect">
+                                <p:cTn id="111" presetID="42" presetClass="path" presetSubtype="0" fill="hold" nodeType="clickEffect">
                                   <p:stCondLst>
                                     <p:cond delay="0"/>
                                   </p:stCondLst>
                                   <p:childTnLst>
                                     <p:animMotion origin="layout" path="M 0.29362 0.15255 L -1.45833E-6 -2.59259E-6 " pathEditMode="fixed" rAng="0" ptsTypes="AA">
                                       <p:cBhvr>
-                                        <p:cTn id="103" dur="1000" fill="hold"/>
+                                        <p:cTn id="112" dur="1000" fill="hold"/>
                                         <p:tgtEl>
                                           <p:spTgt spid="25"/>
                                         </p:tgtEl>
@@ -7939,14 +8693,14 @@
                                 </p:cTn>
                               </p:par>
                               <p:par>
-                                <p:cTn id="104" presetID="6" presetClass="emph" presetSubtype="0" fill="hold" nodeType="withEffect">
+                                <p:cTn id="113" presetID="6" presetClass="emph" presetSubtype="0" fill="hold" nodeType="withEffect">
                                   <p:stCondLst>
                                     <p:cond delay="0"/>
                                   </p:stCondLst>
                                   <p:childTnLst>
                                     <p:animScale>
                                       <p:cBhvr>
-                                        <p:cTn id="105" dur="1000" fill="hold"/>
+                                        <p:cTn id="114" dur="1000" fill="hold"/>
                                         <p:tgtEl>
                                           <p:spTgt spid="25"/>
                                         </p:tgtEl>
@@ -7960,20 +8714,20 @@
                           </p:cTn>
                         </p:par>
                         <p:par>
-                          <p:cTn id="106" fill="hold">
+                          <p:cTn id="115" fill="hold">
                             <p:stCondLst>
                               <p:cond delay="1000"/>
                             </p:stCondLst>
                             <p:childTnLst>
                               <p:par>
-                                <p:cTn id="107" presetID="1" presetClass="entr" presetSubtype="0" fill="hold" nodeType="afterEffect">
+                                <p:cTn id="116" presetID="1" presetClass="entr" presetSubtype="0" fill="hold" nodeType="afterEffect">
                                   <p:stCondLst>
                                     <p:cond delay="0"/>
                                   </p:stCondLst>
                                   <p:childTnLst>
                                     <p:set>
                                       <p:cBhvr>
-                                        <p:cTn id="108" dur="1" fill="hold">
+                                        <p:cTn id="117" dur="1" fill="hold">
                                           <p:stCondLst>
                                             <p:cond delay="9"/>
                                           </p:stCondLst>
@@ -7993,14 +8747,14 @@
                                 </p:cTn>
                               </p:par>
                               <p:par>
-                                <p:cTn id="109" presetID="1" presetClass="exit" presetSubtype="0" fill="hold" nodeType="withEffect">
+                                <p:cTn id="118" presetID="1" presetClass="exit" presetSubtype="0" fill="hold" nodeType="withEffect">
                                   <p:stCondLst>
                                     <p:cond delay="0"/>
                                   </p:stCondLst>
                                   <p:childTnLst>
                                     <p:set>
                                       <p:cBhvr>
-                                        <p:cTn id="110" dur="1" fill="hold">
+                                        <p:cTn id="119" dur="1" fill="hold">
                                           <p:stCondLst>
                                             <p:cond delay="9"/>
                                           </p:stCondLst>
@@ -8026,26 +8780,26 @@
                     </p:cTn>
                   </p:par>
                   <p:par>
-                    <p:cTn id="111" fill="hold">
+                    <p:cTn id="120" fill="hold">
                       <p:stCondLst>
                         <p:cond delay="indefinite"/>
                       </p:stCondLst>
                       <p:childTnLst>
                         <p:par>
-                          <p:cTn id="112" fill="hold">
+                          <p:cTn id="121" fill="hold">
                             <p:stCondLst>
                               <p:cond delay="0"/>
                             </p:stCondLst>
                             <p:childTnLst>
                               <p:par>
-                                <p:cTn id="113" presetID="1" presetClass="entr" presetSubtype="0" fill="hold" nodeType="clickEffect">
+                                <p:cTn id="122" presetID="1" presetClass="entr" presetSubtype="0" fill="hold" nodeType="clickEffect">
                                   <p:stCondLst>
                                     <p:cond delay="0"/>
                                   </p:stCondLst>
                                   <p:childTnLst>
                                     <p:set>
                                       <p:cBhvr>
-                                        <p:cTn id="114" dur="1" fill="hold">
+                                        <p:cTn id="123" dur="1" fill="hold">
                                           <p:stCondLst>
                                             <p:cond delay="9"/>
                                           </p:stCondLst>
@@ -8065,14 +8819,14 @@
                                 </p:cTn>
                               </p:par>
                               <p:par>
-                                <p:cTn id="115" presetID="1" presetClass="exit" presetSubtype="0" fill="hold" nodeType="withEffect">
+                                <p:cTn id="124" presetID="1" presetClass="exit" presetSubtype="0" fill="hold" nodeType="withEffect">
                                   <p:stCondLst>
                                     <p:cond delay="0"/>
                                   </p:stCondLst>
                                   <p:childTnLst>
                                     <p:set>
                                       <p:cBhvr>
-                                        <p:cTn id="116" dur="1" fill="hold">
+                                        <p:cTn id="125" dur="1" fill="hold">
                                           <p:stCondLst>
                                             <p:cond delay="9"/>
                                           </p:stCondLst>
@@ -8092,14 +8846,14 @@
                                 </p:cTn>
                               </p:par>
                               <p:par>
-                                <p:cTn id="117" presetID="42" presetClass="path" presetSubtype="0" fill="hold" nodeType="withEffect">
+                                <p:cTn id="126" presetID="42" presetClass="path" presetSubtype="0" fill="hold" nodeType="withEffect">
                                   <p:stCondLst>
                                     <p:cond delay="0"/>
                                   </p:stCondLst>
                                   <p:childTnLst>
                                     <p:animMotion origin="layout" path="M -8.33333E-7 -1.11111E-6 L 0.0888 0.15278 " pathEditMode="fixed" rAng="0" ptsTypes="AA">
                                       <p:cBhvr>
-                                        <p:cTn id="118" dur="1000" fill="hold"/>
+                                        <p:cTn id="127" dur="1000" fill="hold"/>
                                         <p:tgtEl>
                                           <p:spTgt spid="26"/>
                                         </p:tgtEl>
@@ -8114,14 +8868,14 @@
                                 </p:cTn>
                               </p:par>
                               <p:par>
-                                <p:cTn id="119" presetID="6" presetClass="emph" presetSubtype="0" fill="hold" nodeType="withEffect">
+                                <p:cTn id="128" presetID="6" presetClass="emph" presetSubtype="0" fill="hold" nodeType="withEffect">
                                   <p:stCondLst>
                                     <p:cond delay="0"/>
                                   </p:stCondLst>
                                   <p:childTnLst>
                                     <p:animScale>
                                       <p:cBhvr>
-                                        <p:cTn id="120" dur="1000" fill="hold"/>
+                                        <p:cTn id="129" dur="1000" fill="hold"/>
                                         <p:tgtEl>
                                           <p:spTgt spid="26"/>
                                         </p:tgtEl>
@@ -8135,20 +8889,20 @@
                           </p:cTn>
                         </p:par>
                         <p:par>
-                          <p:cTn id="121" fill="hold">
+                          <p:cTn id="130" fill="hold">
                             <p:stCondLst>
                               <p:cond delay="1000"/>
                             </p:stCondLst>
                             <p:childTnLst>
                               <p:par>
-                                <p:cTn id="122" presetID="1" presetClass="entr" presetSubtype="0" fill="hold" nodeType="afterEffect">
+                                <p:cTn id="131" presetID="1" presetClass="entr" presetSubtype="0" fill="hold" nodeType="afterEffect">
                                   <p:stCondLst>
                                     <p:cond delay="0"/>
                                   </p:stCondLst>
                                   <p:childTnLst>
                                     <p:set>
                                       <p:cBhvr>
-                                        <p:cTn id="123" dur="1" fill="hold">
+                                        <p:cTn id="132" dur="1" fill="hold">
                                           <p:stCondLst>
                                             <p:cond delay="9"/>
                                           </p:stCondLst>
@@ -8174,26 +8928,26 @@
                     </p:cTn>
                   </p:par>
                   <p:par>
-                    <p:cTn id="124" fill="hold">
+                    <p:cTn id="133" fill="hold">
                       <p:stCondLst>
                         <p:cond delay="indefinite"/>
                       </p:stCondLst>
                       <p:childTnLst>
                         <p:par>
-                          <p:cTn id="125" fill="hold">
+                          <p:cTn id="134" fill="hold">
                             <p:stCondLst>
                               <p:cond delay="0"/>
                             </p:stCondLst>
                             <p:childTnLst>
                               <p:par>
-                                <p:cTn id="126" presetID="1" presetClass="exit" presetSubtype="0" fill="hold" nodeType="clickEffect">
+                                <p:cTn id="135" presetID="1" presetClass="exit" presetSubtype="0" fill="hold" nodeType="clickEffect">
                                   <p:stCondLst>
                                     <p:cond delay="0"/>
                                   </p:stCondLst>
                                   <p:childTnLst>
                                     <p:set>
                                       <p:cBhvr>
-                                        <p:cTn id="127" dur="1" fill="hold">
+                                        <p:cTn id="136" dur="1" fill="hold">
                                           <p:stCondLst>
                                             <p:cond delay="0"/>
                                           </p:stCondLst>
@@ -8213,14 +8967,14 @@
                                 </p:cTn>
                               </p:par>
                               <p:par>
-                                <p:cTn id="128" presetID="42" presetClass="path" presetSubtype="0" fill="hold" nodeType="withEffect">
+                                <p:cTn id="137" presetID="42" presetClass="path" presetSubtype="0" fill="hold" nodeType="withEffect">
                                   <p:stCondLst>
                                     <p:cond delay="0"/>
                                   </p:stCondLst>
                                   <p:childTnLst>
                                     <p:animMotion origin="layout" path="M 0.0888 0.15278 L 8.33333E-7 -1.11111E-6 " pathEditMode="fixed" rAng="0" ptsTypes="AA">
                                       <p:cBhvr>
-                                        <p:cTn id="129" dur="1000" fill="hold"/>
+                                        <p:cTn id="138" dur="1000" fill="hold"/>
                                         <p:tgtEl>
                                           <p:spTgt spid="26"/>
                                         </p:tgtEl>
@@ -8235,14 +8989,14 @@
                                 </p:cTn>
                               </p:par>
                               <p:par>
-                                <p:cTn id="130" presetID="6" presetClass="emph" presetSubtype="0" fill="hold" nodeType="withEffect">
+                                <p:cTn id="139" presetID="6" presetClass="emph" presetSubtype="0" fill="hold" nodeType="withEffect">
                                   <p:stCondLst>
                                     <p:cond delay="0"/>
                                   </p:stCondLst>
                                   <p:childTnLst>
                                     <p:animScale>
                                       <p:cBhvr>
-                                        <p:cTn id="131" dur="1000" fill="hold"/>
+                                        <p:cTn id="140" dur="1000" fill="hold"/>
                                         <p:tgtEl>
                                           <p:spTgt spid="26"/>
                                         </p:tgtEl>
@@ -8256,20 +9010,20 @@
                           </p:cTn>
                         </p:par>
                         <p:par>
-                          <p:cTn id="132" fill="hold">
+                          <p:cTn id="141" fill="hold">
                             <p:stCondLst>
                               <p:cond delay="1000"/>
                             </p:stCondLst>
                             <p:childTnLst>
                               <p:par>
-                                <p:cTn id="133" presetID="1" presetClass="entr" presetSubtype="0" fill="hold" nodeType="afterEffect">
+                                <p:cTn id="142" presetID="1" presetClass="entr" presetSubtype="0" fill="hold" nodeType="afterEffect">
                                   <p:stCondLst>
                                     <p:cond delay="0"/>
                                   </p:stCondLst>
                                   <p:childTnLst>
                                     <p:set>
                                       <p:cBhvr>
-                                        <p:cTn id="134" dur="1" fill="hold">
+                                        <p:cTn id="143" dur="1" fill="hold">
                                           <p:stCondLst>
                                             <p:cond delay="9"/>
                                           </p:stCondLst>
@@ -8289,14 +9043,14 @@
                                 </p:cTn>
                               </p:par>
                               <p:par>
-                                <p:cTn id="135" presetID="1" presetClass="exit" presetSubtype="0" fill="hold" nodeType="withEffect">
+                                <p:cTn id="144" presetID="1" presetClass="exit" presetSubtype="0" fill="hold" nodeType="withEffect">
                                   <p:stCondLst>
                                     <p:cond delay="0"/>
                                   </p:stCondLst>
                                   <p:childTnLst>
                                     <p:set>
                                       <p:cBhvr>
-                                        <p:cTn id="136" dur="1" fill="hold">
+                                        <p:cTn id="145" dur="1" fill="hold">
                                           <p:stCondLst>
                                             <p:cond delay="9"/>
                                           </p:stCondLst>
@@ -8322,26 +9076,26 @@
                     </p:cTn>
                   </p:par>
                   <p:par>
-                    <p:cTn id="137" fill="hold">
+                    <p:cTn id="146" fill="hold">
                       <p:stCondLst>
                         <p:cond delay="indefinite"/>
                       </p:stCondLst>
                       <p:childTnLst>
                         <p:par>
-                          <p:cTn id="138" fill="hold">
+                          <p:cTn id="147" fill="hold">
                             <p:stCondLst>
                               <p:cond delay="0"/>
                             </p:stCondLst>
                             <p:childTnLst>
                               <p:par>
-                                <p:cTn id="139" presetID="1" presetClass="entr" presetSubtype="0" fill="hold" nodeType="clickEffect">
+                                <p:cTn id="148" presetID="1" presetClass="entr" presetSubtype="0" fill="hold" nodeType="clickEffect">
                                   <p:stCondLst>
                                     <p:cond delay="0"/>
                                   </p:stCondLst>
                                   <p:childTnLst>
                                     <p:set>
                                       <p:cBhvr>
-                                        <p:cTn id="140" dur="1" fill="hold">
+                                        <p:cTn id="149" dur="1" fill="hold">
                                           <p:stCondLst>
                                             <p:cond delay="9"/>
                                           </p:stCondLst>
@@ -8361,14 +9115,14 @@
                                 </p:cTn>
                               </p:par>
                               <p:par>
-                                <p:cTn id="141" presetID="1" presetClass="exit" presetSubtype="0" fill="hold" nodeType="withEffect">
+                                <p:cTn id="150" presetID="1" presetClass="exit" presetSubtype="0" fill="hold" nodeType="withEffect">
                                   <p:stCondLst>
                                     <p:cond delay="0"/>
                                   </p:stCondLst>
                                   <p:childTnLst>
                                     <p:set>
                                       <p:cBhvr>
-                                        <p:cTn id="142" dur="1" fill="hold">
+                                        <p:cTn id="151" dur="1" fill="hold">
                                           <p:stCondLst>
                                             <p:cond delay="9"/>
                                           </p:stCondLst>
@@ -8388,14 +9142,14 @@
                                 </p:cTn>
                               </p:par>
                               <p:par>
-                                <p:cTn id="143" presetID="42" presetClass="path" presetSubtype="0" fill="hold" nodeType="withEffect">
+                                <p:cTn id="152" presetID="42" presetClass="path" presetSubtype="0" fill="hold" nodeType="withEffect">
                                   <p:stCondLst>
                                     <p:cond delay="0"/>
                                   </p:stCondLst>
                                   <p:childTnLst>
                                     <p:animMotion origin="layout" path="M -4.16667E-7 -1.11111E-6 L -0.14323 0.15278 " pathEditMode="fixed" rAng="0" ptsTypes="AA">
                                       <p:cBhvr>
-                                        <p:cTn id="144" dur="1000" fill="hold"/>
+                                        <p:cTn id="153" dur="1000" fill="hold"/>
                                         <p:tgtEl>
                                           <p:spTgt spid="27"/>
                                         </p:tgtEl>
@@ -8410,14 +9164,14 @@
                                 </p:cTn>
                               </p:par>
                               <p:par>
-                                <p:cTn id="145" presetID="6" presetClass="emph" presetSubtype="0" fill="hold" nodeType="withEffect">
+                                <p:cTn id="154" presetID="6" presetClass="emph" presetSubtype="0" fill="hold" nodeType="withEffect">
                                   <p:stCondLst>
                                     <p:cond delay="0"/>
                                   </p:stCondLst>
                                   <p:childTnLst>
                                     <p:animScale>
                                       <p:cBhvr>
-                                        <p:cTn id="146" dur="1000" fill="hold"/>
+                                        <p:cTn id="155" dur="1000" fill="hold"/>
                                         <p:tgtEl>
                                           <p:spTgt spid="27"/>
                                         </p:tgtEl>
@@ -8434,26 +9188,26 @@
                     </p:cTn>
                   </p:par>
                   <p:par>
-                    <p:cTn id="147" fill="hold">
+                    <p:cTn id="156" fill="hold">
                       <p:stCondLst>
                         <p:cond delay="indefinite"/>
                       </p:stCondLst>
                       <p:childTnLst>
                         <p:par>
-                          <p:cTn id="148" fill="hold">
+                          <p:cTn id="157" fill="hold">
                             <p:stCondLst>
                               <p:cond delay="0"/>
                             </p:stCondLst>
                             <p:childTnLst>
                               <p:par>
-                                <p:cTn id="149" presetID="42" presetClass="path" presetSubtype="0" fill="hold" nodeType="clickEffect">
+                                <p:cTn id="158" presetID="42" presetClass="path" presetSubtype="0" fill="hold" nodeType="clickEffect">
                                   <p:stCondLst>
                                     <p:cond delay="0"/>
                                   </p:stCondLst>
                                   <p:childTnLst>
                                     <p:animMotion origin="layout" path="M -0.14323 0.15278 L -4.16667E-7 -1.11111E-6 " pathEditMode="fixed" rAng="0" ptsTypes="AA">
                                       <p:cBhvr>
-                                        <p:cTn id="150" dur="1000" fill="hold"/>
+                                        <p:cTn id="159" dur="1000" fill="hold"/>
                                         <p:tgtEl>
                                           <p:spTgt spid="27"/>
                                         </p:tgtEl>
@@ -8468,14 +9222,14 @@
                                 </p:cTn>
                               </p:par>
                               <p:par>
-                                <p:cTn id="151" presetID="6" presetClass="emph" presetSubtype="0" fill="hold" nodeType="withEffect">
+                                <p:cTn id="160" presetID="6" presetClass="emph" presetSubtype="0" fill="hold" nodeType="withEffect">
                                   <p:stCondLst>
                                     <p:cond delay="0"/>
                                   </p:stCondLst>
                                   <p:childTnLst>
                                     <p:animScale>
                                       <p:cBhvr>
-                                        <p:cTn id="152" dur="1000" fill="hold"/>
+                                        <p:cTn id="161" dur="1000" fill="hold"/>
                                         <p:tgtEl>
                                           <p:spTgt spid="27"/>
                                         </p:tgtEl>
@@ -8489,20 +9243,20 @@
                           </p:cTn>
                         </p:par>
                         <p:par>
-                          <p:cTn id="153" fill="hold">
+                          <p:cTn id="162" fill="hold">
                             <p:stCondLst>
                               <p:cond delay="1000"/>
                             </p:stCondLst>
                             <p:childTnLst>
                               <p:par>
-                                <p:cTn id="154" presetID="1" presetClass="entr" presetSubtype="0" fill="hold" nodeType="afterEffect">
+                                <p:cTn id="163" presetID="1" presetClass="entr" presetSubtype="0" fill="hold" nodeType="afterEffect">
                                   <p:stCondLst>
                                     <p:cond delay="0"/>
                                   </p:stCondLst>
                                   <p:childTnLst>
                                     <p:set>
                                       <p:cBhvr>
-                                        <p:cTn id="155" dur="1" fill="hold">
+                                        <p:cTn id="164" dur="1" fill="hold">
                                           <p:stCondLst>
                                             <p:cond delay="9"/>
                                           </p:stCondLst>
@@ -8522,14 +9276,14 @@
                                 </p:cTn>
                               </p:par>
                               <p:par>
-                                <p:cTn id="156" presetID="1" presetClass="exit" presetSubtype="0" fill="hold" nodeType="withEffect">
+                                <p:cTn id="165" presetID="1" presetClass="exit" presetSubtype="0" fill="hold" nodeType="withEffect">
                                   <p:stCondLst>
                                     <p:cond delay="0"/>
                                   </p:stCondLst>
                                   <p:childTnLst>
                                     <p:set>
                                       <p:cBhvr>
-                                        <p:cTn id="157" dur="1" fill="hold">
+                                        <p:cTn id="166" dur="1" fill="hold">
                                           <p:stCondLst>
                                             <p:cond delay="9"/>
                                           </p:stCondLst>
@@ -8555,26 +9309,26 @@
                     </p:cTn>
                   </p:par>
                   <p:par>
-                    <p:cTn id="158" fill="hold">
+                    <p:cTn id="167" fill="hold">
                       <p:stCondLst>
                         <p:cond delay="indefinite"/>
                       </p:stCondLst>
                       <p:childTnLst>
                         <p:par>
-                          <p:cTn id="159" fill="hold">
+                          <p:cTn id="168" fill="hold">
                             <p:stCondLst>
                               <p:cond delay="0"/>
                             </p:stCondLst>
                             <p:childTnLst>
                               <p:par>
-                                <p:cTn id="160" presetID="1" presetClass="entr" presetSubtype="0" fill="hold" nodeType="clickEffect">
+                                <p:cTn id="169" presetID="1" presetClass="entr" presetSubtype="0" fill="hold" nodeType="clickEffect">
                                   <p:stCondLst>
                                     <p:cond delay="0"/>
                                   </p:stCondLst>
                                   <p:childTnLst>
                                     <p:set>
                                       <p:cBhvr>
-                                        <p:cTn id="161" dur="1" fill="hold">
+                                        <p:cTn id="170" dur="1" fill="hold">
                                           <p:stCondLst>
                                             <p:cond delay="9"/>
                                           </p:stCondLst>
@@ -8594,14 +9348,14 @@
                                 </p:cTn>
                               </p:par>
                               <p:par>
-                                <p:cTn id="162" presetID="1" presetClass="exit" presetSubtype="0" fill="hold" nodeType="withEffect">
+                                <p:cTn id="171" presetID="1" presetClass="exit" presetSubtype="0" fill="hold" nodeType="withEffect">
                                   <p:stCondLst>
                                     <p:cond delay="0"/>
                                   </p:stCondLst>
                                   <p:childTnLst>
                                     <p:set>
                                       <p:cBhvr>
-                                        <p:cTn id="163" dur="1" fill="hold">
+                                        <p:cTn id="172" dur="1" fill="hold">
                                           <p:stCondLst>
                                             <p:cond delay="9"/>
                                           </p:stCondLst>
@@ -8621,14 +9375,14 @@
                                 </p:cTn>
                               </p:par>
                               <p:par>
-                                <p:cTn id="164" presetID="42" presetClass="path" presetSubtype="0" fill="hold" nodeType="withEffect">
+                                <p:cTn id="173" presetID="42" presetClass="path" presetSubtype="0" fill="hold" nodeType="withEffect">
                                   <p:stCondLst>
                                     <p:cond delay="0"/>
                                   </p:stCondLst>
                                   <p:childTnLst>
                                     <p:animMotion origin="layout" path="M 1.875E-6 -0.00139 L 0.2582 0.00833 " pathEditMode="fixed" rAng="0" ptsTypes="AA">
                                       <p:cBhvr>
-                                        <p:cTn id="165" dur="1000" fill="hold"/>
+                                        <p:cTn id="174" dur="1000" fill="hold"/>
                                         <p:tgtEl>
                                           <p:spTgt spid="28"/>
                                         </p:tgtEl>
@@ -8643,14 +9397,14 @@
                                 </p:cTn>
                               </p:par>
                               <p:par>
-                                <p:cTn id="166" presetID="6" presetClass="emph" presetSubtype="0" fill="hold" nodeType="withEffect">
+                                <p:cTn id="175" presetID="6" presetClass="emph" presetSubtype="0" fill="hold" nodeType="withEffect">
                                   <p:stCondLst>
                                     <p:cond delay="0"/>
                                   </p:stCondLst>
                                   <p:childTnLst>
                                     <p:animScale>
                                       <p:cBhvr>
-                                        <p:cTn id="167" dur="1000" fill="hold"/>
+                                        <p:cTn id="176" dur="1000" fill="hold"/>
                                         <p:tgtEl>
                                           <p:spTgt spid="28"/>
                                         </p:tgtEl>
@@ -8667,26 +9421,26 @@
                     </p:cTn>
                   </p:par>
                   <p:par>
-                    <p:cTn id="168" fill="hold">
+                    <p:cTn id="177" fill="hold">
                       <p:stCondLst>
                         <p:cond delay="indefinite"/>
                       </p:stCondLst>
                       <p:childTnLst>
                         <p:par>
-                          <p:cTn id="169" fill="hold">
+                          <p:cTn id="178" fill="hold">
                             <p:stCondLst>
                               <p:cond delay="0"/>
                             </p:stCondLst>
                             <p:childTnLst>
                               <p:par>
-                                <p:cTn id="170" presetID="42" presetClass="path" presetSubtype="0" fill="hold" nodeType="clickEffect">
+                                <p:cTn id="179" presetID="42" presetClass="path" presetSubtype="0" fill="hold" nodeType="clickEffect">
                                   <p:stCondLst>
                                     <p:cond delay="0"/>
                                   </p:stCondLst>
                                   <p:childTnLst>
                                     <p:animMotion origin="layout" path="M 0.2582 0.00833 L -1.25E-6 -0.00139 " pathEditMode="fixed" rAng="0" ptsTypes="AA">
                                       <p:cBhvr>
-                                        <p:cTn id="171" dur="1000" fill="hold"/>
+                                        <p:cTn id="180" dur="1000" fill="hold"/>
                                         <p:tgtEl>
                                           <p:spTgt spid="28"/>
                                         </p:tgtEl>
@@ -8701,14 +9455,14 @@
                                 </p:cTn>
                               </p:par>
                               <p:par>
-                                <p:cTn id="172" presetID="6" presetClass="emph" presetSubtype="0" fill="hold" nodeType="withEffect">
+                                <p:cTn id="181" presetID="6" presetClass="emph" presetSubtype="0" fill="hold" nodeType="withEffect">
                                   <p:stCondLst>
                                     <p:cond delay="0"/>
                                   </p:stCondLst>
                                   <p:childTnLst>
                                     <p:animScale>
                                       <p:cBhvr>
-                                        <p:cTn id="173" dur="1000" fill="hold"/>
+                                        <p:cTn id="182" dur="1000" fill="hold"/>
                                         <p:tgtEl>
                                           <p:spTgt spid="28"/>
                                         </p:tgtEl>
@@ -8722,20 +9476,20 @@
                           </p:cTn>
                         </p:par>
                         <p:par>
-                          <p:cTn id="174" fill="hold">
+                          <p:cTn id="183" fill="hold">
                             <p:stCondLst>
                               <p:cond delay="1000"/>
                             </p:stCondLst>
                             <p:childTnLst>
                               <p:par>
-                                <p:cTn id="175" presetID="1" presetClass="entr" presetSubtype="0" fill="hold" nodeType="afterEffect">
+                                <p:cTn id="184" presetID="1" presetClass="entr" presetSubtype="0" fill="hold" nodeType="afterEffect">
                                   <p:stCondLst>
                                     <p:cond delay="0"/>
                                   </p:stCondLst>
                                   <p:childTnLst>
                                     <p:set>
                                       <p:cBhvr>
-                                        <p:cTn id="176" dur="1" fill="hold">
+                                        <p:cTn id="185" dur="1" fill="hold">
                                           <p:stCondLst>
                                             <p:cond delay="9"/>
                                           </p:stCondLst>
@@ -8755,14 +9509,14 @@
                                 </p:cTn>
                               </p:par>
                               <p:par>
-                                <p:cTn id="177" presetID="1" presetClass="exit" presetSubtype="0" fill="hold" nodeType="withEffect">
+                                <p:cTn id="186" presetID="1" presetClass="exit" presetSubtype="0" fill="hold" nodeType="withEffect">
                                   <p:stCondLst>
                                     <p:cond delay="0"/>
                                   </p:stCondLst>
                                   <p:childTnLst>
                                     <p:set>
                                       <p:cBhvr>
-                                        <p:cTn id="178" dur="1" fill="hold">
+                                        <p:cTn id="187" dur="1" fill="hold">
                                           <p:stCondLst>
                                             <p:cond delay="9"/>
                                           </p:stCondLst>
@@ -8788,26 +9542,26 @@
                     </p:cTn>
                   </p:par>
                   <p:par>
-                    <p:cTn id="179" fill="hold">
+                    <p:cTn id="188" fill="hold">
                       <p:stCondLst>
                         <p:cond delay="indefinite"/>
                       </p:stCondLst>
                       <p:childTnLst>
                         <p:par>
-                          <p:cTn id="180" fill="hold">
+                          <p:cTn id="189" fill="hold">
                             <p:stCondLst>
                               <p:cond delay="0"/>
                             </p:stCondLst>
                             <p:childTnLst>
                               <p:par>
-                                <p:cTn id="181" presetID="1" presetClass="entr" presetSubtype="0" fill="hold" nodeType="clickEffect">
+                                <p:cTn id="190" presetID="1" presetClass="entr" presetSubtype="0" fill="hold" nodeType="clickEffect">
                                   <p:stCondLst>
                                     <p:cond delay="0"/>
                                   </p:stCondLst>
                                   <p:childTnLst>
                                     <p:set>
                                       <p:cBhvr>
-                                        <p:cTn id="182" dur="1" fill="hold">
+                                        <p:cTn id="191" dur="1" fill="hold">
                                           <p:stCondLst>
                                             <p:cond delay="9"/>
                                           </p:stCondLst>
@@ -8827,14 +9581,14 @@
                                 </p:cTn>
                               </p:par>
                               <p:par>
-                                <p:cTn id="183" presetID="1" presetClass="exit" presetSubtype="0" fill="hold" nodeType="withEffect">
+                                <p:cTn id="192" presetID="1" presetClass="exit" presetSubtype="0" fill="hold" nodeType="withEffect">
                                   <p:stCondLst>
                                     <p:cond delay="0"/>
                                   </p:stCondLst>
                                   <p:childTnLst>
                                     <p:set>
                                       <p:cBhvr>
-                                        <p:cTn id="184" dur="1" fill="hold">
+                                        <p:cTn id="193" dur="1" fill="hold">
                                           <p:stCondLst>
                                             <p:cond delay="9"/>
                                           </p:stCondLst>
@@ -8854,14 +9608,14 @@
                                 </p:cTn>
                               </p:par>
                               <p:par>
-                                <p:cTn id="185" presetID="42" presetClass="path" presetSubtype="0" fill="hold" nodeType="withEffect">
+                                <p:cTn id="194" presetID="42" presetClass="path" presetSubtype="0" fill="hold" nodeType="withEffect">
                                   <p:stCondLst>
                                     <p:cond delay="0"/>
                                   </p:stCondLst>
                                   <p:childTnLst>
                                     <p:animMotion origin="layout" path="M 6.25E-7 -1.11111E-6 L -0.06758 0.00741 " pathEditMode="fixed" rAng="0" ptsTypes="AA">
                                       <p:cBhvr>
-                                        <p:cTn id="186" dur="1000" fill="hold"/>
+                                        <p:cTn id="195" dur="1000" fill="hold"/>
                                         <p:tgtEl>
                                           <p:spTgt spid="29"/>
                                         </p:tgtEl>
@@ -8876,14 +9630,14 @@
                                 </p:cTn>
                               </p:par>
                               <p:par>
-                                <p:cTn id="187" presetID="6" presetClass="emph" presetSubtype="0" fill="hold" nodeType="withEffect">
+                                <p:cTn id="196" presetID="6" presetClass="emph" presetSubtype="0" fill="hold" nodeType="withEffect">
                                   <p:stCondLst>
                                     <p:cond delay="0"/>
                                   </p:stCondLst>
                                   <p:childTnLst>
                                     <p:animScale>
                                       <p:cBhvr>
-                                        <p:cTn id="188" dur="1000" fill="hold"/>
+                                        <p:cTn id="197" dur="1000" fill="hold"/>
                                         <p:tgtEl>
                                           <p:spTgt spid="29"/>
                                         </p:tgtEl>
@@ -8900,26 +9654,26 @@
                     </p:cTn>
                   </p:par>
                   <p:par>
-                    <p:cTn id="189" fill="hold">
+                    <p:cTn id="198" fill="hold">
                       <p:stCondLst>
                         <p:cond delay="indefinite"/>
                       </p:stCondLst>
                       <p:childTnLst>
                         <p:par>
-                          <p:cTn id="190" fill="hold">
+                          <p:cTn id="199" fill="hold">
                             <p:stCondLst>
                               <p:cond delay="0"/>
                             </p:stCondLst>
                             <p:childTnLst>
                               <p:par>
-                                <p:cTn id="191" presetID="42" presetClass="path" presetSubtype="0" fill="hold" nodeType="clickEffect">
+                                <p:cTn id="200" presetID="42" presetClass="path" presetSubtype="0" fill="hold" nodeType="clickEffect">
                                   <p:stCondLst>
                                     <p:cond delay="0"/>
                                   </p:stCondLst>
                                   <p:childTnLst>
                                     <p:animMotion origin="layout" path="M -0.06758 0.00741 L 8.87962E-17 -1.11111E-6 " pathEditMode="fixed" rAng="0" ptsTypes="AA">
                                       <p:cBhvr>
-                                        <p:cTn id="192" dur="1000" fill="hold"/>
+                                        <p:cTn id="201" dur="1000" fill="hold"/>
                                         <p:tgtEl>
                                           <p:spTgt spid="29"/>
                                         </p:tgtEl>
@@ -8934,14 +9688,14 @@
                                 </p:cTn>
                               </p:par>
                               <p:par>
-                                <p:cTn id="193" presetID="6" presetClass="emph" presetSubtype="0" fill="hold" nodeType="withEffect">
+                                <p:cTn id="202" presetID="6" presetClass="emph" presetSubtype="0" fill="hold" nodeType="withEffect">
                                   <p:stCondLst>
                                     <p:cond delay="0"/>
                                   </p:stCondLst>
                                   <p:childTnLst>
                                     <p:animScale>
                                       <p:cBhvr>
-                                        <p:cTn id="194" dur="1000" fill="hold"/>
+                                        <p:cTn id="203" dur="1000" fill="hold"/>
                                         <p:tgtEl>
                                           <p:spTgt spid="29"/>
                                         </p:tgtEl>
@@ -8955,20 +9709,20 @@
                           </p:cTn>
                         </p:par>
                         <p:par>
-                          <p:cTn id="195" fill="hold">
+                          <p:cTn id="204" fill="hold">
                             <p:stCondLst>
                               <p:cond delay="1000"/>
                             </p:stCondLst>
                             <p:childTnLst>
                               <p:par>
-                                <p:cTn id="196" presetID="1" presetClass="entr" presetSubtype="0" fill="hold" nodeType="afterEffect">
+                                <p:cTn id="205" presetID="1" presetClass="entr" presetSubtype="0" fill="hold" nodeType="afterEffect">
                                   <p:stCondLst>
                                     <p:cond delay="0"/>
                                   </p:stCondLst>
                                   <p:childTnLst>
                                     <p:set>
                                       <p:cBhvr>
-                                        <p:cTn id="197" dur="1" fill="hold">
+                                        <p:cTn id="206" dur="1" fill="hold">
                                           <p:stCondLst>
                                             <p:cond delay="9"/>
                                           </p:stCondLst>
@@ -8988,14 +9742,14 @@
                                 </p:cTn>
                               </p:par>
                               <p:par>
-                                <p:cTn id="198" presetID="1" presetClass="exit" presetSubtype="0" fill="hold" nodeType="withEffect">
+                                <p:cTn id="207" presetID="1" presetClass="exit" presetSubtype="0" fill="hold" nodeType="withEffect">
                                   <p:stCondLst>
                                     <p:cond delay="0"/>
                                   </p:stCondLst>
                                   <p:childTnLst>
                                     <p:set>
                                       <p:cBhvr>
-                                        <p:cTn id="199" dur="1" fill="hold">
+                                        <p:cTn id="208" dur="1" fill="hold">
                                           <p:stCondLst>
                                             <p:cond delay="9"/>
                                           </p:stCondLst>
@@ -9021,26 +9775,26 @@
                     </p:cTn>
                   </p:par>
                   <p:par>
-                    <p:cTn id="200" fill="hold">
+                    <p:cTn id="209" fill="hold">
                       <p:stCondLst>
                         <p:cond delay="indefinite"/>
                       </p:stCondLst>
                       <p:childTnLst>
                         <p:par>
-                          <p:cTn id="201" fill="hold">
+                          <p:cTn id="210" fill="hold">
                             <p:stCondLst>
                               <p:cond delay="0"/>
                             </p:stCondLst>
                             <p:childTnLst>
                               <p:par>
-                                <p:cTn id="202" presetID="1" presetClass="entr" presetSubtype="0" fill="hold" nodeType="clickEffect">
+                                <p:cTn id="211" presetID="1" presetClass="entr" presetSubtype="0" fill="hold" nodeType="clickEffect">
                                   <p:stCondLst>
                                     <p:cond delay="0"/>
                                   </p:stCondLst>
                                   <p:childTnLst>
                                     <p:set>
                                       <p:cBhvr>
-                                        <p:cTn id="203" dur="1" fill="hold">
+                                        <p:cTn id="212" dur="1" fill="hold">
                                           <p:stCondLst>
                                             <p:cond delay="9"/>
                                           </p:stCondLst>
@@ -9060,14 +9814,14 @@
                                 </p:cTn>
                               </p:par>
                               <p:par>
-                                <p:cTn id="204" presetID="1" presetClass="exit" presetSubtype="0" fill="hold" nodeType="withEffect">
+                                <p:cTn id="213" presetID="1" presetClass="exit" presetSubtype="0" fill="hold" nodeType="withEffect">
                                   <p:stCondLst>
                                     <p:cond delay="0"/>
                                   </p:stCondLst>
                                   <p:childTnLst>
                                     <p:set>
                                       <p:cBhvr>
-                                        <p:cTn id="205" dur="1" fill="hold">
+                                        <p:cTn id="214" dur="1" fill="hold">
                                           <p:stCondLst>
                                             <p:cond delay="9"/>
                                           </p:stCondLst>
@@ -9087,14 +9841,14 @@
                                 </p:cTn>
                               </p:par>
                               <p:par>
-                                <p:cTn id="206" presetID="42" presetClass="path" presetSubtype="0" fill="hold" nodeType="withEffect">
+                                <p:cTn id="215" presetID="42" presetClass="path" presetSubtype="0" fill="hold" nodeType="withEffect">
                                   <p:stCondLst>
                                     <p:cond delay="0"/>
                                   </p:stCondLst>
                                   <p:childTnLst>
                                     <p:animMotion origin="layout" path="M -2.29167E-6 -1.11111E-6 L 0.2681 -0.14375 " pathEditMode="fixed" rAng="0" ptsTypes="AA">
                                       <p:cBhvr>
-                                        <p:cTn id="207" dur="1000" fill="hold"/>
+                                        <p:cTn id="216" dur="1000" fill="hold"/>
                                         <p:tgtEl>
                                           <p:spTgt spid="30"/>
                                         </p:tgtEl>
@@ -9109,14 +9863,14 @@
                                 </p:cTn>
                               </p:par>
                               <p:par>
-                                <p:cTn id="208" presetID="6" presetClass="emph" presetSubtype="0" fill="hold" nodeType="withEffect">
+                                <p:cTn id="217" presetID="6" presetClass="emph" presetSubtype="0" fill="hold" nodeType="withEffect">
                                   <p:stCondLst>
                                     <p:cond delay="0"/>
                                   </p:stCondLst>
                                   <p:childTnLst>
                                     <p:animScale>
                                       <p:cBhvr>
-                                        <p:cTn id="209" dur="1000" fill="hold"/>
+                                        <p:cTn id="218" dur="1000" fill="hold"/>
                                         <p:tgtEl>
                                           <p:spTgt spid="30"/>
                                         </p:tgtEl>
@@ -9133,26 +9887,26 @@
                     </p:cTn>
                   </p:par>
                   <p:par>
-                    <p:cTn id="210" fill="hold">
+                    <p:cTn id="219" fill="hold">
                       <p:stCondLst>
                         <p:cond delay="indefinite"/>
                       </p:stCondLst>
                       <p:childTnLst>
                         <p:par>
-                          <p:cTn id="211" fill="hold">
+                          <p:cTn id="220" fill="hold">
                             <p:stCondLst>
                               <p:cond delay="0"/>
                             </p:stCondLst>
                             <p:childTnLst>
                               <p:par>
-                                <p:cTn id="212" presetID="42" presetClass="path" presetSubtype="0" fill="hold" nodeType="clickEffect">
+                                <p:cTn id="221" presetID="42" presetClass="path" presetSubtype="0" fill="hold" nodeType="clickEffect">
                                   <p:stCondLst>
                                     <p:cond delay="0"/>
                                   </p:stCondLst>
                                   <p:childTnLst>
                                     <p:animMotion origin="layout" path="M 0.2681 -0.14375 L -2.29167E-6 -1.11111E-6 " pathEditMode="fixed" rAng="0" ptsTypes="AA">
                                       <p:cBhvr>
-                                        <p:cTn id="213" dur="1000" fill="hold"/>
+                                        <p:cTn id="222" dur="1000" fill="hold"/>
                                         <p:tgtEl>
                                           <p:spTgt spid="30"/>
                                         </p:tgtEl>
@@ -9167,14 +9921,14 @@
                                 </p:cTn>
                               </p:par>
                               <p:par>
-                                <p:cTn id="214" presetID="6" presetClass="emph" presetSubtype="0" fill="hold" nodeType="withEffect">
+                                <p:cTn id="223" presetID="6" presetClass="emph" presetSubtype="0" fill="hold" nodeType="withEffect">
                                   <p:stCondLst>
                                     <p:cond delay="0"/>
                                   </p:stCondLst>
                                   <p:childTnLst>
                                     <p:animScale>
                                       <p:cBhvr>
-                                        <p:cTn id="215" dur="1000" fill="hold"/>
+                                        <p:cTn id="224" dur="1000" fill="hold"/>
                                         <p:tgtEl>
                                           <p:spTgt spid="30"/>
                                         </p:tgtEl>
@@ -9188,20 +9942,20 @@
                           </p:cTn>
                         </p:par>
                         <p:par>
-                          <p:cTn id="216" fill="hold">
+                          <p:cTn id="225" fill="hold">
                             <p:stCondLst>
                               <p:cond delay="1000"/>
                             </p:stCondLst>
                             <p:childTnLst>
                               <p:par>
-                                <p:cTn id="217" presetID="1" presetClass="entr" presetSubtype="0" fill="hold" nodeType="afterEffect">
+                                <p:cTn id="226" presetID="1" presetClass="entr" presetSubtype="0" fill="hold" nodeType="afterEffect">
                                   <p:stCondLst>
                                     <p:cond delay="0"/>
                                   </p:stCondLst>
                                   <p:childTnLst>
                                     <p:set>
                                       <p:cBhvr>
-                                        <p:cTn id="218" dur="1" fill="hold">
+                                        <p:cTn id="227" dur="1" fill="hold">
                                           <p:stCondLst>
                                             <p:cond delay="9"/>
                                           </p:stCondLst>
@@ -9221,14 +9975,14 @@
                                 </p:cTn>
                               </p:par>
                               <p:par>
-                                <p:cTn id="219" presetID="1" presetClass="exit" presetSubtype="0" fill="hold" nodeType="withEffect">
+                                <p:cTn id="228" presetID="1" presetClass="exit" presetSubtype="0" fill="hold" nodeType="withEffect">
                                   <p:stCondLst>
                                     <p:cond delay="0"/>
                                   </p:stCondLst>
                                   <p:childTnLst>
                                     <p:set>
                                       <p:cBhvr>
-                                        <p:cTn id="220" dur="1" fill="hold">
+                                        <p:cTn id="229" dur="1" fill="hold">
                                           <p:stCondLst>
                                             <p:cond delay="9"/>
                                           </p:stCondLst>
@@ -9254,26 +10008,26 @@
                     </p:cTn>
                   </p:par>
                   <p:par>
-                    <p:cTn id="221" fill="hold">
+                    <p:cTn id="230" fill="hold">
                       <p:stCondLst>
                         <p:cond delay="indefinite"/>
                       </p:stCondLst>
                       <p:childTnLst>
                         <p:par>
-                          <p:cTn id="222" fill="hold">
+                          <p:cTn id="231" fill="hold">
                             <p:stCondLst>
                               <p:cond delay="0"/>
                             </p:stCondLst>
                             <p:childTnLst>
                               <p:par>
-                                <p:cTn id="223" presetID="1" presetClass="entr" presetSubtype="0" fill="hold" nodeType="clickEffect">
+                                <p:cTn id="232" presetID="1" presetClass="entr" presetSubtype="0" fill="hold" nodeType="clickEffect">
                                   <p:stCondLst>
                                     <p:cond delay="0"/>
                                   </p:stCondLst>
                                   <p:childTnLst>
                                     <p:set>
                                       <p:cBhvr>
-                                        <p:cTn id="224" dur="1" fill="hold">
+                                        <p:cTn id="233" dur="1" fill="hold">
                                           <p:stCondLst>
                                             <p:cond delay="9"/>
                                           </p:stCondLst>
@@ -9293,14 +10047,14 @@
                                 </p:cTn>
                               </p:par>
                               <p:par>
-                                <p:cTn id="225" presetID="1" presetClass="exit" presetSubtype="0" fill="hold" nodeType="withEffect">
+                                <p:cTn id="234" presetID="1" presetClass="exit" presetSubtype="0" fill="hold" nodeType="withEffect">
                                   <p:stCondLst>
                                     <p:cond delay="0"/>
                                   </p:stCondLst>
                                   <p:childTnLst>
                                     <p:set>
                                       <p:cBhvr>
-                                        <p:cTn id="226" dur="1" fill="hold">
+                                        <p:cTn id="235" dur="1" fill="hold">
                                           <p:stCondLst>
                                             <p:cond delay="9"/>
                                           </p:stCondLst>
@@ -9320,14 +10074,14 @@
                                 </p:cTn>
                               </p:par>
                               <p:par>
-                                <p:cTn id="227" presetID="42" presetClass="path" presetSubtype="0" fill="hold" nodeType="withEffect">
+                                <p:cTn id="236" presetID="42" presetClass="path" presetSubtype="0" fill="hold" nodeType="withEffect">
                                   <p:stCondLst>
                                     <p:cond delay="0"/>
                                   </p:stCondLst>
                                   <p:childTnLst>
                                     <p:animMotion origin="layout" path="M 8.33333E-7 -1.11111E-6 L 0.0013 -0.2956 " pathEditMode="fixed" rAng="0" ptsTypes="AA">
                                       <p:cBhvr>
-                                        <p:cTn id="228" dur="1000" fill="hold"/>
+                                        <p:cTn id="237" dur="1000" fill="hold"/>
                                         <p:tgtEl>
                                           <p:spTgt spid="31"/>
                                         </p:tgtEl>
@@ -9342,14 +10096,14 @@
                                 </p:cTn>
                               </p:par>
                               <p:par>
-                                <p:cTn id="229" presetID="6" presetClass="emph" presetSubtype="0" fill="hold" nodeType="withEffect">
+                                <p:cTn id="238" presetID="6" presetClass="emph" presetSubtype="0" fill="hold" nodeType="withEffect">
                                   <p:stCondLst>
                                     <p:cond delay="0"/>
                                   </p:stCondLst>
                                   <p:childTnLst>
                                     <p:animScale>
                                       <p:cBhvr>
-                                        <p:cTn id="230" dur="1000" fill="hold"/>
+                                        <p:cTn id="239" dur="1000" fill="hold"/>
                                         <p:tgtEl>
                                           <p:spTgt spid="31"/>
                                         </p:tgtEl>
@@ -9366,26 +10120,26 @@
                     </p:cTn>
                   </p:par>
                   <p:par>
-                    <p:cTn id="231" fill="hold">
+                    <p:cTn id="240" fill="hold">
                       <p:stCondLst>
                         <p:cond delay="indefinite"/>
                       </p:stCondLst>
                       <p:childTnLst>
                         <p:par>
-                          <p:cTn id="232" fill="hold">
+                          <p:cTn id="241" fill="hold">
                             <p:stCondLst>
                               <p:cond delay="0"/>
                             </p:stCondLst>
                             <p:childTnLst>
                               <p:par>
-                                <p:cTn id="233" presetID="42" presetClass="path" presetSubtype="0" fill="hold" nodeType="clickEffect">
+                                <p:cTn id="242" presetID="42" presetClass="path" presetSubtype="0" fill="hold" nodeType="clickEffect">
                                   <p:stCondLst>
                                     <p:cond delay="0"/>
                                   </p:stCondLst>
                                   <p:childTnLst>
                                     <p:animMotion origin="layout" path="M 0.0013 -0.2956 L 2.59124E-17 -1.11111E-6 " pathEditMode="fixed" rAng="0" ptsTypes="AA">
                                       <p:cBhvr>
-                                        <p:cTn id="234" dur="1000" fill="hold"/>
+                                        <p:cTn id="243" dur="1000" fill="hold"/>
                                         <p:tgtEl>
                                           <p:spTgt spid="31"/>
                                         </p:tgtEl>
@@ -9400,14 +10154,14 @@
                                 </p:cTn>
                               </p:par>
                               <p:par>
-                                <p:cTn id="235" presetID="6" presetClass="emph" presetSubtype="0" fill="hold" nodeType="withEffect">
+                                <p:cTn id="244" presetID="6" presetClass="emph" presetSubtype="0" fill="hold" nodeType="withEffect">
                                   <p:stCondLst>
                                     <p:cond delay="0"/>
                                   </p:stCondLst>
                                   <p:childTnLst>
                                     <p:animScale>
                                       <p:cBhvr>
-                                        <p:cTn id="236" dur="1000" fill="hold"/>
+                                        <p:cTn id="245" dur="1000" fill="hold"/>
                                         <p:tgtEl>
                                           <p:spTgt spid="31"/>
                                         </p:tgtEl>
@@ -9421,20 +10175,20 @@
                           </p:cTn>
                         </p:par>
                         <p:par>
-                          <p:cTn id="237" fill="hold">
+                          <p:cTn id="246" fill="hold">
                             <p:stCondLst>
                               <p:cond delay="1000"/>
                             </p:stCondLst>
                             <p:childTnLst>
                               <p:par>
-                                <p:cTn id="238" presetID="1" presetClass="entr" presetSubtype="0" fill="hold" nodeType="afterEffect">
+                                <p:cTn id="247" presetID="1" presetClass="entr" presetSubtype="0" fill="hold" nodeType="afterEffect">
                                   <p:stCondLst>
                                     <p:cond delay="0"/>
                                   </p:stCondLst>
                                   <p:childTnLst>
                                     <p:set>
                                       <p:cBhvr>
-                                        <p:cTn id="239" dur="1" fill="hold">
+                                        <p:cTn id="248" dur="1" fill="hold">
                                           <p:stCondLst>
                                             <p:cond delay="9"/>
                                           </p:stCondLst>
@@ -9454,14 +10208,14 @@
                                 </p:cTn>
                               </p:par>
                               <p:par>
-                                <p:cTn id="240" presetID="1" presetClass="exit" presetSubtype="0" fill="hold" nodeType="withEffect">
+                                <p:cTn id="249" presetID="1" presetClass="exit" presetSubtype="0" fill="hold" nodeType="withEffect">
                                   <p:stCondLst>
                                     <p:cond delay="0"/>
                                   </p:stCondLst>
                                   <p:childTnLst>
                                     <p:set>
                                       <p:cBhvr>
-                                        <p:cTn id="241" dur="1" fill="hold">
+                                        <p:cTn id="250" dur="1" fill="hold">
                                           <p:stCondLst>
                                             <p:cond delay="9"/>
                                           </p:stCondLst>
@@ -9507,6 +10261,11 @@
         </p:cTn>
       </p:par>
     </p:tnLst>
+    <p:bldLst>
+      <p:bldP spid="3" grpId="0"/>
+      <p:bldP spid="5" grpId="0"/>
+      <p:bldP spid="34" grpId="0"/>
+    </p:bldLst>
   </p:timing>
 </p:sld>
 </file>
@@ -9839,6 +10598,1290 @@
         </p:nvSpPr>
         <p:spPr>
           <a:xfrm>
+            <a:off x="5400308" y="6313336"/>
+            <a:ext cx="3321290" cy="369332"/>
+          </a:xfrm>
+          <a:prstGeom prst="rect">
+            <a:avLst/>
+          </a:prstGeom>
+          <a:noFill/>
+        </p:spPr>
+        <p:txBody>
+          <a:bodyPr wrap="square" rtlCol="0">
+            <a:spAutoFit/>
+          </a:bodyPr>
+          <a:lstStyle/>
+          <a:p>
+            <a:r>
+              <a:rPr lang="nl-BE" dirty="0">
+                <a:solidFill>
+                  <a:schemeClr val="bg1"/>
+                </a:solidFill>
+              </a:rPr>
+              <a:t>‘s hardest code was</a:t>
+            </a:r>
+            <a:endParaRPr lang="LID4096" dirty="0">
+              <a:solidFill>
+                <a:schemeClr val="bg1"/>
+              </a:solidFill>
+            </a:endParaRPr>
+          </a:p>
+        </p:txBody>
+      </p:sp>
+      <p:sp>
+        <p:nvSpPr>
+          <p:cNvPr id="5" name="TextBox 4">
+            <a:extLst>
+              <a:ext uri="{FF2B5EF4-FFF2-40B4-BE49-F238E27FC236}">
+                <a16:creationId xmlns:a16="http://schemas.microsoft.com/office/drawing/2014/main" id="{0719F7B6-1D76-4D62-9EB7-B04AE387A135}"/>
+              </a:ext>
+            </a:extLst>
+          </p:cNvPr>
+          <p:cNvSpPr txBox="1"/>
+          <p:nvPr/>
+        </p:nvSpPr>
+        <p:spPr>
+          <a:xfrm>
+            <a:off x="3867151" y="6313336"/>
+            <a:ext cx="1713186" cy="369332"/>
+          </a:xfrm>
+          <a:prstGeom prst="rect">
+            <a:avLst/>
+          </a:prstGeom>
+          <a:noFill/>
+        </p:spPr>
+        <p:txBody>
+          <a:bodyPr wrap="square" rtlCol="0">
+            <a:spAutoFit/>
+          </a:bodyPr>
+          <a:lstStyle/>
+          <a:p>
+            <a:pPr algn="r"/>
+            <a:r>
+              <a:rPr lang="nl-BE" dirty="0">
+                <a:solidFill>
+                  <a:schemeClr val="bg1"/>
+                </a:solidFill>
+              </a:rPr>
+              <a:t>BERT</a:t>
+            </a:r>
+            <a:endParaRPr lang="LID4096" dirty="0">
+              <a:solidFill>
+                <a:schemeClr val="bg1"/>
+              </a:solidFill>
+            </a:endParaRPr>
+          </a:p>
+        </p:txBody>
+      </p:sp>
+    </p:spTree>
+    <p:extLst>
+      <p:ext uri="{BB962C8B-B14F-4D97-AF65-F5344CB8AC3E}">
+        <p14:creationId xmlns:p14="http://schemas.microsoft.com/office/powerpoint/2010/main" val="387835707"/>
+      </p:ext>
+    </p:extLst>
+  </p:cSld>
+  <p:clrMapOvr>
+    <a:masterClrMapping/>
+  </p:clrMapOvr>
+  <mc:AlternateContent xmlns:mc="http://schemas.openxmlformats.org/markup-compatibility/2006">
+    <mc:Choice xmlns:p14="http://schemas.microsoft.com/office/powerpoint/2010/main" Requires="p14">
+      <p:transition spd="med" p14:dur="700">
+        <p:fade/>
+      </p:transition>
+    </mc:Choice>
+    <mc:Fallback>
+      <p:transition spd="med">
+        <p:fade/>
+      </p:transition>
+    </mc:Fallback>
+  </mc:AlternateContent>
+</p:sld>
+</file>
+
+<file path=ppt/slides/slide5.xml><?xml version="1.0" encoding="utf-8"?>
+<p:sld xmlns:a="http://schemas.openxmlformats.org/drawingml/2006/main" xmlns:r="http://schemas.openxmlformats.org/officeDocument/2006/relationships" xmlns:p="http://schemas.openxmlformats.org/presentationml/2006/main">
+  <p:cSld>
+    <p:bg>
+      <p:bgPr>
+        <a:solidFill>
+          <a:schemeClr val="tx1"/>
+        </a:solidFill>
+        <a:effectLst/>
+      </p:bgPr>
+    </p:bg>
+    <p:spTree>
+      <p:nvGrpSpPr>
+        <p:cNvPr id="1" name=""/>
+        <p:cNvGrpSpPr/>
+        <p:nvPr/>
+      </p:nvGrpSpPr>
+      <p:grpSpPr>
+        <a:xfrm>
+          <a:off x="0" y="0"/>
+          <a:ext cx="0" cy="0"/>
+          <a:chOff x="0" y="0"/>
+          <a:chExt cx="0" cy="0"/>
+        </a:xfrm>
+      </p:grpSpPr>
+      <p:sp>
+        <p:nvSpPr>
+          <p:cNvPr id="7" name="Rechthoek 6"/>
+          <p:cNvSpPr/>
+          <p:nvPr/>
+        </p:nvSpPr>
+        <p:spPr>
+          <a:xfrm>
+            <a:off x="716764" y="0"/>
+            <a:ext cx="11472001" cy="720000"/>
+          </a:xfrm>
+          <a:prstGeom prst="rect">
+            <a:avLst/>
+          </a:prstGeom>
+          <a:solidFill>
+            <a:schemeClr val="tx1"/>
+          </a:solidFill>
+          <a:ln w="63500">
+            <a:solidFill>
+              <a:schemeClr val="bg1"/>
+            </a:solidFill>
+          </a:ln>
+        </p:spPr>
+        <p:style>
+          <a:lnRef idx="2">
+            <a:schemeClr val="accent1">
+              <a:shade val="50000"/>
+            </a:schemeClr>
+          </a:lnRef>
+          <a:fillRef idx="1">
+            <a:schemeClr val="accent1"/>
+          </a:fillRef>
+          <a:effectRef idx="0">
+            <a:schemeClr val="accent1"/>
+          </a:effectRef>
+          <a:fontRef idx="minor">
+            <a:schemeClr val="lt1"/>
+          </a:fontRef>
+        </p:style>
+        <p:txBody>
+          <a:bodyPr rtlCol="0" anchor="ctr"/>
+          <a:lstStyle/>
+          <a:p>
+            <a:pPr algn="ctr"/>
+            <a:endParaRPr lang="nl-BE" dirty="0"/>
+          </a:p>
+        </p:txBody>
+      </p:sp>
+      <p:sp>
+        <p:nvSpPr>
+          <p:cNvPr id="8" name="Rechthoek 7"/>
+          <p:cNvSpPr/>
+          <p:nvPr/>
+        </p:nvSpPr>
+        <p:spPr>
+          <a:xfrm rot="5400000">
+            <a:off x="8762999" y="3429001"/>
+            <a:ext cx="6138002" cy="720000"/>
+          </a:xfrm>
+          <a:prstGeom prst="rect">
+            <a:avLst/>
+          </a:prstGeom>
+          <a:solidFill>
+            <a:schemeClr val="tx1"/>
+          </a:solidFill>
+          <a:ln w="63500">
+            <a:solidFill>
+              <a:schemeClr val="bg1"/>
+            </a:solidFill>
+          </a:ln>
+        </p:spPr>
+        <p:style>
+          <a:lnRef idx="2">
+            <a:schemeClr val="accent1">
+              <a:shade val="50000"/>
+            </a:schemeClr>
+          </a:lnRef>
+          <a:fillRef idx="1">
+            <a:schemeClr val="accent1"/>
+          </a:fillRef>
+          <a:effectRef idx="0">
+            <a:schemeClr val="accent1"/>
+          </a:effectRef>
+          <a:fontRef idx="minor">
+            <a:schemeClr val="lt1"/>
+          </a:fontRef>
+        </p:style>
+        <p:txBody>
+          <a:bodyPr rtlCol="0" anchor="ctr"/>
+          <a:lstStyle/>
+          <a:p>
+            <a:pPr algn="ctr"/>
+            <a:endParaRPr lang="nl-BE"/>
+          </a:p>
+        </p:txBody>
+      </p:sp>
+      <p:sp>
+        <p:nvSpPr>
+          <p:cNvPr id="9" name="Rechthoek 8"/>
+          <p:cNvSpPr/>
+          <p:nvPr/>
+        </p:nvSpPr>
+        <p:spPr>
+          <a:xfrm rot="10800000">
+            <a:off x="-3236" y="6138002"/>
+            <a:ext cx="11475236" cy="720000"/>
+          </a:xfrm>
+          <a:prstGeom prst="rect">
+            <a:avLst/>
+          </a:prstGeom>
+          <a:solidFill>
+            <a:schemeClr val="tx1"/>
+          </a:solidFill>
+          <a:ln w="63500">
+            <a:solidFill>
+              <a:schemeClr val="bg1"/>
+            </a:solidFill>
+          </a:ln>
+        </p:spPr>
+        <p:style>
+          <a:lnRef idx="2">
+            <a:schemeClr val="accent1">
+              <a:shade val="50000"/>
+            </a:schemeClr>
+          </a:lnRef>
+          <a:fillRef idx="1">
+            <a:schemeClr val="accent1"/>
+          </a:fillRef>
+          <a:effectRef idx="0">
+            <a:schemeClr val="accent1"/>
+          </a:effectRef>
+          <a:fontRef idx="minor">
+            <a:schemeClr val="lt1"/>
+          </a:fontRef>
+        </p:style>
+        <p:txBody>
+          <a:bodyPr rtlCol="0" anchor="ctr"/>
+          <a:lstStyle/>
+          <a:p>
+            <a:pPr algn="ctr"/>
+            <a:endParaRPr lang="nl-BE"/>
+          </a:p>
+        </p:txBody>
+      </p:sp>
+      <p:sp>
+        <p:nvSpPr>
+          <p:cNvPr id="10" name="Rechthoek 9"/>
+          <p:cNvSpPr/>
+          <p:nvPr/>
+        </p:nvSpPr>
+        <p:spPr>
+          <a:xfrm rot="5400000">
+            <a:off x="-2712237" y="2709001"/>
+            <a:ext cx="6138002" cy="720000"/>
+          </a:xfrm>
+          <a:prstGeom prst="rect">
+            <a:avLst/>
+          </a:prstGeom>
+          <a:solidFill>
+            <a:schemeClr val="tx1"/>
+          </a:solidFill>
+          <a:ln w="63500">
+            <a:solidFill>
+              <a:schemeClr val="bg1"/>
+            </a:solidFill>
+          </a:ln>
+        </p:spPr>
+        <p:style>
+          <a:lnRef idx="2">
+            <a:schemeClr val="accent1">
+              <a:shade val="50000"/>
+            </a:schemeClr>
+          </a:lnRef>
+          <a:fillRef idx="1">
+            <a:schemeClr val="accent1"/>
+          </a:fillRef>
+          <a:effectRef idx="0">
+            <a:schemeClr val="accent1"/>
+          </a:effectRef>
+          <a:fontRef idx="minor">
+            <a:schemeClr val="lt1"/>
+          </a:fontRef>
+        </p:style>
+        <p:txBody>
+          <a:bodyPr rtlCol="0" anchor="ctr"/>
+          <a:lstStyle/>
+          <a:p>
+            <a:pPr algn="ctr"/>
+            <a:endParaRPr lang="nl-BE"/>
+          </a:p>
+        </p:txBody>
+      </p:sp>
+      <p:pic>
+        <p:nvPicPr>
+          <p:cNvPr id="1026" name="Picture 2" descr="Afbeeldingsresultaat voor three bees logo">
+            <a:extLst>
+              <a:ext uri="{FF2B5EF4-FFF2-40B4-BE49-F238E27FC236}">
+                <a16:creationId xmlns:a16="http://schemas.microsoft.com/office/drawing/2014/main" id="{6D93AE98-E080-4353-AC39-9F77E11C2785}"/>
+              </a:ext>
+            </a:extLst>
+          </p:cNvPr>
+          <p:cNvPicPr>
+            <a:picLocks noChangeAspect="1" noChangeArrowheads="1"/>
+          </p:cNvPicPr>
+          <p:nvPr/>
+        </p:nvPicPr>
+        <p:blipFill>
+          <a:blip r:embed="rId3">
+            <a:extLst>
+              <a:ext uri="{28A0092B-C50C-407E-A947-70E740481C1C}">
+                <a14:useLocalDpi xmlns:a14="http://schemas.microsoft.com/office/drawing/2010/main" val="0"/>
+              </a:ext>
+            </a:extLst>
+          </a:blip>
+          <a:srcRect/>
+          <a:stretch>
+            <a:fillRect/>
+          </a:stretch>
+        </p:blipFill>
+        <p:spPr bwMode="auto">
+          <a:xfrm>
+            <a:off x="4771519" y="174075"/>
+            <a:ext cx="702930" cy="371850"/>
+          </a:xfrm>
+          <a:prstGeom prst="rect">
+            <a:avLst/>
+          </a:prstGeom>
+          <a:noFill/>
+          <a:extLst>
+            <a:ext uri="{909E8E84-426E-40DD-AFC4-6F175D3DCCD1}">
+              <a14:hiddenFill xmlns:a14="http://schemas.microsoft.com/office/drawing/2010/main">
+                <a:solidFill>
+                  <a:srgbClr val="FFFFFF"/>
+                </a:solidFill>
+              </a14:hiddenFill>
+            </a:ext>
+          </a:extLst>
+        </p:spPr>
+      </p:pic>
+      <p:sp>
+        <p:nvSpPr>
+          <p:cNvPr id="2" name="Rectangle 1">
+            <a:extLst>
+              <a:ext uri="{FF2B5EF4-FFF2-40B4-BE49-F238E27FC236}">
+                <a16:creationId xmlns:a16="http://schemas.microsoft.com/office/drawing/2014/main" id="{75F9711A-A664-44E5-B654-C67ECE4637CD}"/>
+              </a:ext>
+            </a:extLst>
+          </p:cNvPr>
+          <p:cNvSpPr/>
+          <p:nvPr/>
+        </p:nvSpPr>
+        <p:spPr>
+          <a:xfrm>
+            <a:off x="5477684" y="87134"/>
+            <a:ext cx="1236631" cy="545732"/>
+          </a:xfrm>
+          <a:prstGeom prst="rect">
+            <a:avLst/>
+          </a:prstGeom>
+        </p:spPr>
+        <p:style>
+          <a:lnRef idx="2">
+            <a:schemeClr val="dk1">
+              <a:shade val="50000"/>
+            </a:schemeClr>
+          </a:lnRef>
+          <a:fillRef idx="1">
+            <a:schemeClr val="dk1"/>
+          </a:fillRef>
+          <a:effectRef idx="0">
+            <a:schemeClr val="dk1"/>
+          </a:effectRef>
+          <a:fontRef idx="minor">
+            <a:schemeClr val="lt1"/>
+          </a:fontRef>
+        </p:style>
+        <p:txBody>
+          <a:bodyPr rtlCol="0" anchor="ctr"/>
+          <a:lstStyle/>
+          <a:p>
+            <a:pPr algn="ctr"/>
+            <a:r>
+              <a:rPr lang="nl-BE" dirty="0"/>
+              <a:t>3BEES&amp;ME</a:t>
+            </a:r>
+            <a:endParaRPr lang="LID4096" dirty="0"/>
+          </a:p>
+        </p:txBody>
+      </p:sp>
+      <p:sp>
+        <p:nvSpPr>
+          <p:cNvPr id="3" name="TextBox 2">
+            <a:extLst>
+              <a:ext uri="{FF2B5EF4-FFF2-40B4-BE49-F238E27FC236}">
+                <a16:creationId xmlns:a16="http://schemas.microsoft.com/office/drawing/2014/main" id="{E2EEB3FD-6150-4016-94FD-BB52060F8D5E}"/>
+              </a:ext>
+            </a:extLst>
+          </p:cNvPr>
+          <p:cNvSpPr txBox="1"/>
+          <p:nvPr/>
+        </p:nvSpPr>
+        <p:spPr>
+          <a:xfrm>
+            <a:off x="5400308" y="6313336"/>
+            <a:ext cx="3321290" cy="369332"/>
+          </a:xfrm>
+          <a:prstGeom prst="rect">
+            <a:avLst/>
+          </a:prstGeom>
+          <a:noFill/>
+        </p:spPr>
+        <p:txBody>
+          <a:bodyPr wrap="square" rtlCol="0">
+            <a:spAutoFit/>
+          </a:bodyPr>
+          <a:lstStyle/>
+          <a:p>
+            <a:r>
+              <a:rPr lang="nl-BE" dirty="0">
+                <a:solidFill>
+                  <a:schemeClr val="bg1"/>
+                </a:solidFill>
+              </a:rPr>
+              <a:t>‘s hardest code was</a:t>
+            </a:r>
+            <a:endParaRPr lang="LID4096" dirty="0">
+              <a:solidFill>
+                <a:schemeClr val="bg1"/>
+              </a:solidFill>
+            </a:endParaRPr>
+          </a:p>
+        </p:txBody>
+      </p:sp>
+      <p:sp>
+        <p:nvSpPr>
+          <p:cNvPr id="5" name="TextBox 4">
+            <a:extLst>
+              <a:ext uri="{FF2B5EF4-FFF2-40B4-BE49-F238E27FC236}">
+                <a16:creationId xmlns:a16="http://schemas.microsoft.com/office/drawing/2014/main" id="{0719F7B6-1D76-4D62-9EB7-B04AE387A135}"/>
+              </a:ext>
+            </a:extLst>
+          </p:cNvPr>
+          <p:cNvSpPr txBox="1"/>
+          <p:nvPr/>
+        </p:nvSpPr>
+        <p:spPr>
+          <a:xfrm>
+            <a:off x="3867151" y="6313336"/>
+            <a:ext cx="1713186" cy="369332"/>
+          </a:xfrm>
+          <a:prstGeom prst="rect">
+            <a:avLst/>
+          </a:prstGeom>
+          <a:noFill/>
+        </p:spPr>
+        <p:txBody>
+          <a:bodyPr wrap="square" rtlCol="0">
+            <a:spAutoFit/>
+          </a:bodyPr>
+          <a:lstStyle/>
+          <a:p>
+            <a:pPr algn="r"/>
+            <a:r>
+              <a:rPr lang="nl-BE" dirty="0">
+                <a:solidFill>
+                  <a:schemeClr val="bg1"/>
+                </a:solidFill>
+              </a:rPr>
+              <a:t>BREND</a:t>
+            </a:r>
+            <a:endParaRPr lang="LID4096" dirty="0">
+              <a:solidFill>
+                <a:schemeClr val="bg1"/>
+              </a:solidFill>
+            </a:endParaRPr>
+          </a:p>
+        </p:txBody>
+      </p:sp>
+    </p:spTree>
+    <p:extLst>
+      <p:ext uri="{BB962C8B-B14F-4D97-AF65-F5344CB8AC3E}">
+        <p14:creationId xmlns:p14="http://schemas.microsoft.com/office/powerpoint/2010/main" val="724108644"/>
+      </p:ext>
+    </p:extLst>
+  </p:cSld>
+  <p:clrMapOvr>
+    <a:masterClrMapping/>
+  </p:clrMapOvr>
+  <mc:AlternateContent xmlns:mc="http://schemas.openxmlformats.org/markup-compatibility/2006">
+    <mc:Choice xmlns:p14="http://schemas.microsoft.com/office/powerpoint/2010/main" Requires="p14">
+      <p:transition spd="med" p14:dur="700">
+        <p:fade/>
+      </p:transition>
+    </mc:Choice>
+    <mc:Fallback>
+      <p:transition spd="med">
+        <p:fade/>
+      </p:transition>
+    </mc:Fallback>
+  </mc:AlternateContent>
+</p:sld>
+</file>
+
+<file path=ppt/slides/slide6.xml><?xml version="1.0" encoding="utf-8"?>
+<p:sld xmlns:a="http://schemas.openxmlformats.org/drawingml/2006/main" xmlns:r="http://schemas.openxmlformats.org/officeDocument/2006/relationships" xmlns:p="http://schemas.openxmlformats.org/presentationml/2006/main">
+  <p:cSld>
+    <p:bg>
+      <p:bgPr>
+        <a:solidFill>
+          <a:schemeClr val="tx1"/>
+        </a:solidFill>
+        <a:effectLst/>
+      </p:bgPr>
+    </p:bg>
+    <p:spTree>
+      <p:nvGrpSpPr>
+        <p:cNvPr id="1" name=""/>
+        <p:cNvGrpSpPr/>
+        <p:nvPr/>
+      </p:nvGrpSpPr>
+      <p:grpSpPr>
+        <a:xfrm>
+          <a:off x="0" y="0"/>
+          <a:ext cx="0" cy="0"/>
+          <a:chOff x="0" y="0"/>
+          <a:chExt cx="0" cy="0"/>
+        </a:xfrm>
+      </p:grpSpPr>
+      <p:sp>
+        <p:nvSpPr>
+          <p:cNvPr id="7" name="Rechthoek 6"/>
+          <p:cNvSpPr/>
+          <p:nvPr/>
+        </p:nvSpPr>
+        <p:spPr>
+          <a:xfrm>
+            <a:off x="716764" y="0"/>
+            <a:ext cx="11472001" cy="720000"/>
+          </a:xfrm>
+          <a:prstGeom prst="rect">
+            <a:avLst/>
+          </a:prstGeom>
+          <a:solidFill>
+            <a:schemeClr val="tx1"/>
+          </a:solidFill>
+          <a:ln w="63500">
+            <a:solidFill>
+              <a:schemeClr val="bg1"/>
+            </a:solidFill>
+          </a:ln>
+        </p:spPr>
+        <p:style>
+          <a:lnRef idx="2">
+            <a:schemeClr val="accent1">
+              <a:shade val="50000"/>
+            </a:schemeClr>
+          </a:lnRef>
+          <a:fillRef idx="1">
+            <a:schemeClr val="accent1"/>
+          </a:fillRef>
+          <a:effectRef idx="0">
+            <a:schemeClr val="accent1"/>
+          </a:effectRef>
+          <a:fontRef idx="minor">
+            <a:schemeClr val="lt1"/>
+          </a:fontRef>
+        </p:style>
+        <p:txBody>
+          <a:bodyPr rtlCol="0" anchor="ctr"/>
+          <a:lstStyle/>
+          <a:p>
+            <a:pPr algn="ctr"/>
+            <a:endParaRPr lang="nl-BE" dirty="0"/>
+          </a:p>
+        </p:txBody>
+      </p:sp>
+      <p:sp>
+        <p:nvSpPr>
+          <p:cNvPr id="8" name="Rechthoek 7"/>
+          <p:cNvSpPr/>
+          <p:nvPr/>
+        </p:nvSpPr>
+        <p:spPr>
+          <a:xfrm rot="5400000">
+            <a:off x="8762999" y="3429001"/>
+            <a:ext cx="6138002" cy="720000"/>
+          </a:xfrm>
+          <a:prstGeom prst="rect">
+            <a:avLst/>
+          </a:prstGeom>
+          <a:solidFill>
+            <a:schemeClr val="tx1"/>
+          </a:solidFill>
+          <a:ln w="63500">
+            <a:solidFill>
+              <a:schemeClr val="bg1"/>
+            </a:solidFill>
+          </a:ln>
+        </p:spPr>
+        <p:style>
+          <a:lnRef idx="2">
+            <a:schemeClr val="accent1">
+              <a:shade val="50000"/>
+            </a:schemeClr>
+          </a:lnRef>
+          <a:fillRef idx="1">
+            <a:schemeClr val="accent1"/>
+          </a:fillRef>
+          <a:effectRef idx="0">
+            <a:schemeClr val="accent1"/>
+          </a:effectRef>
+          <a:fontRef idx="minor">
+            <a:schemeClr val="lt1"/>
+          </a:fontRef>
+        </p:style>
+        <p:txBody>
+          <a:bodyPr rtlCol="0" anchor="ctr"/>
+          <a:lstStyle/>
+          <a:p>
+            <a:pPr algn="ctr"/>
+            <a:endParaRPr lang="nl-BE"/>
+          </a:p>
+        </p:txBody>
+      </p:sp>
+      <p:sp>
+        <p:nvSpPr>
+          <p:cNvPr id="9" name="Rechthoek 8"/>
+          <p:cNvSpPr/>
+          <p:nvPr/>
+        </p:nvSpPr>
+        <p:spPr>
+          <a:xfrm rot="10800000">
+            <a:off x="-3236" y="6138002"/>
+            <a:ext cx="11475236" cy="720000"/>
+          </a:xfrm>
+          <a:prstGeom prst="rect">
+            <a:avLst/>
+          </a:prstGeom>
+          <a:solidFill>
+            <a:schemeClr val="tx1"/>
+          </a:solidFill>
+          <a:ln w="63500">
+            <a:solidFill>
+              <a:schemeClr val="bg1"/>
+            </a:solidFill>
+          </a:ln>
+        </p:spPr>
+        <p:style>
+          <a:lnRef idx="2">
+            <a:schemeClr val="accent1">
+              <a:shade val="50000"/>
+            </a:schemeClr>
+          </a:lnRef>
+          <a:fillRef idx="1">
+            <a:schemeClr val="accent1"/>
+          </a:fillRef>
+          <a:effectRef idx="0">
+            <a:schemeClr val="accent1"/>
+          </a:effectRef>
+          <a:fontRef idx="minor">
+            <a:schemeClr val="lt1"/>
+          </a:fontRef>
+        </p:style>
+        <p:txBody>
+          <a:bodyPr rtlCol="0" anchor="ctr"/>
+          <a:lstStyle/>
+          <a:p>
+            <a:pPr algn="ctr"/>
+            <a:endParaRPr lang="nl-BE"/>
+          </a:p>
+        </p:txBody>
+      </p:sp>
+      <p:sp>
+        <p:nvSpPr>
+          <p:cNvPr id="10" name="Rechthoek 9"/>
+          <p:cNvSpPr/>
+          <p:nvPr/>
+        </p:nvSpPr>
+        <p:spPr>
+          <a:xfrm rot="5400000">
+            <a:off x="-2712237" y="2709001"/>
+            <a:ext cx="6138002" cy="720000"/>
+          </a:xfrm>
+          <a:prstGeom prst="rect">
+            <a:avLst/>
+          </a:prstGeom>
+          <a:solidFill>
+            <a:schemeClr val="tx1"/>
+          </a:solidFill>
+          <a:ln w="63500">
+            <a:solidFill>
+              <a:schemeClr val="bg1"/>
+            </a:solidFill>
+          </a:ln>
+        </p:spPr>
+        <p:style>
+          <a:lnRef idx="2">
+            <a:schemeClr val="accent1">
+              <a:shade val="50000"/>
+            </a:schemeClr>
+          </a:lnRef>
+          <a:fillRef idx="1">
+            <a:schemeClr val="accent1"/>
+          </a:fillRef>
+          <a:effectRef idx="0">
+            <a:schemeClr val="accent1"/>
+          </a:effectRef>
+          <a:fontRef idx="minor">
+            <a:schemeClr val="lt1"/>
+          </a:fontRef>
+        </p:style>
+        <p:txBody>
+          <a:bodyPr rtlCol="0" anchor="ctr"/>
+          <a:lstStyle/>
+          <a:p>
+            <a:pPr algn="ctr"/>
+            <a:endParaRPr lang="nl-BE"/>
+          </a:p>
+        </p:txBody>
+      </p:sp>
+      <p:pic>
+        <p:nvPicPr>
+          <p:cNvPr id="1026" name="Picture 2" descr="Afbeeldingsresultaat voor three bees logo">
+            <a:extLst>
+              <a:ext uri="{FF2B5EF4-FFF2-40B4-BE49-F238E27FC236}">
+                <a16:creationId xmlns:a16="http://schemas.microsoft.com/office/drawing/2014/main" id="{6D93AE98-E080-4353-AC39-9F77E11C2785}"/>
+              </a:ext>
+            </a:extLst>
+          </p:cNvPr>
+          <p:cNvPicPr>
+            <a:picLocks noChangeAspect="1" noChangeArrowheads="1"/>
+          </p:cNvPicPr>
+          <p:nvPr/>
+        </p:nvPicPr>
+        <p:blipFill>
+          <a:blip r:embed="rId3">
+            <a:extLst>
+              <a:ext uri="{28A0092B-C50C-407E-A947-70E740481C1C}">
+                <a14:useLocalDpi xmlns:a14="http://schemas.microsoft.com/office/drawing/2010/main" val="0"/>
+              </a:ext>
+            </a:extLst>
+          </a:blip>
+          <a:srcRect/>
+          <a:stretch>
+            <a:fillRect/>
+          </a:stretch>
+        </p:blipFill>
+        <p:spPr bwMode="auto">
+          <a:xfrm>
+            <a:off x="4771519" y="174075"/>
+            <a:ext cx="702930" cy="371850"/>
+          </a:xfrm>
+          <a:prstGeom prst="rect">
+            <a:avLst/>
+          </a:prstGeom>
+          <a:noFill/>
+          <a:extLst>
+            <a:ext uri="{909E8E84-426E-40DD-AFC4-6F175D3DCCD1}">
+              <a14:hiddenFill xmlns:a14="http://schemas.microsoft.com/office/drawing/2010/main">
+                <a:solidFill>
+                  <a:srgbClr val="FFFFFF"/>
+                </a:solidFill>
+              </a14:hiddenFill>
+            </a:ext>
+          </a:extLst>
+        </p:spPr>
+      </p:pic>
+      <p:sp>
+        <p:nvSpPr>
+          <p:cNvPr id="2" name="Rectangle 1">
+            <a:extLst>
+              <a:ext uri="{FF2B5EF4-FFF2-40B4-BE49-F238E27FC236}">
+                <a16:creationId xmlns:a16="http://schemas.microsoft.com/office/drawing/2014/main" id="{75F9711A-A664-44E5-B654-C67ECE4637CD}"/>
+              </a:ext>
+            </a:extLst>
+          </p:cNvPr>
+          <p:cNvSpPr/>
+          <p:nvPr/>
+        </p:nvSpPr>
+        <p:spPr>
+          <a:xfrm>
+            <a:off x="5477684" y="87134"/>
+            <a:ext cx="1236631" cy="545732"/>
+          </a:xfrm>
+          <a:prstGeom prst="rect">
+            <a:avLst/>
+          </a:prstGeom>
+        </p:spPr>
+        <p:style>
+          <a:lnRef idx="2">
+            <a:schemeClr val="dk1">
+              <a:shade val="50000"/>
+            </a:schemeClr>
+          </a:lnRef>
+          <a:fillRef idx="1">
+            <a:schemeClr val="dk1"/>
+          </a:fillRef>
+          <a:effectRef idx="0">
+            <a:schemeClr val="dk1"/>
+          </a:effectRef>
+          <a:fontRef idx="minor">
+            <a:schemeClr val="lt1"/>
+          </a:fontRef>
+        </p:style>
+        <p:txBody>
+          <a:bodyPr rtlCol="0" anchor="ctr"/>
+          <a:lstStyle/>
+          <a:p>
+            <a:pPr algn="ctr"/>
+            <a:r>
+              <a:rPr lang="nl-BE" dirty="0"/>
+              <a:t>3BEES&amp;ME</a:t>
+            </a:r>
+            <a:endParaRPr lang="LID4096" dirty="0"/>
+          </a:p>
+        </p:txBody>
+      </p:sp>
+      <p:sp>
+        <p:nvSpPr>
+          <p:cNvPr id="3" name="TextBox 2">
+            <a:extLst>
+              <a:ext uri="{FF2B5EF4-FFF2-40B4-BE49-F238E27FC236}">
+                <a16:creationId xmlns:a16="http://schemas.microsoft.com/office/drawing/2014/main" id="{E2EEB3FD-6150-4016-94FD-BB52060F8D5E}"/>
+              </a:ext>
+            </a:extLst>
+          </p:cNvPr>
+          <p:cNvSpPr txBox="1"/>
+          <p:nvPr/>
+        </p:nvSpPr>
+        <p:spPr>
+          <a:xfrm>
+            <a:off x="5400308" y="6313336"/>
+            <a:ext cx="3321290" cy="369332"/>
+          </a:xfrm>
+          <a:prstGeom prst="rect">
+            <a:avLst/>
+          </a:prstGeom>
+          <a:noFill/>
+        </p:spPr>
+        <p:txBody>
+          <a:bodyPr wrap="square" rtlCol="0">
+            <a:spAutoFit/>
+          </a:bodyPr>
+          <a:lstStyle/>
+          <a:p>
+            <a:r>
+              <a:rPr lang="nl-BE" dirty="0">
+                <a:solidFill>
+                  <a:schemeClr val="bg1"/>
+                </a:solidFill>
+              </a:rPr>
+              <a:t>‘s hardest code was</a:t>
+            </a:r>
+            <a:endParaRPr lang="LID4096" dirty="0">
+              <a:solidFill>
+                <a:schemeClr val="bg1"/>
+              </a:solidFill>
+            </a:endParaRPr>
+          </a:p>
+        </p:txBody>
+      </p:sp>
+      <p:sp>
+        <p:nvSpPr>
+          <p:cNvPr id="5" name="TextBox 4">
+            <a:extLst>
+              <a:ext uri="{FF2B5EF4-FFF2-40B4-BE49-F238E27FC236}">
+                <a16:creationId xmlns:a16="http://schemas.microsoft.com/office/drawing/2014/main" id="{0719F7B6-1D76-4D62-9EB7-B04AE387A135}"/>
+              </a:ext>
+            </a:extLst>
+          </p:cNvPr>
+          <p:cNvSpPr txBox="1"/>
+          <p:nvPr/>
+        </p:nvSpPr>
+        <p:spPr>
+          <a:xfrm>
+            <a:off x="3867151" y="6313336"/>
+            <a:ext cx="1713186" cy="369332"/>
+          </a:xfrm>
+          <a:prstGeom prst="rect">
+            <a:avLst/>
+          </a:prstGeom>
+          <a:noFill/>
+        </p:spPr>
+        <p:txBody>
+          <a:bodyPr wrap="square" rtlCol="0">
+            <a:spAutoFit/>
+          </a:bodyPr>
+          <a:lstStyle/>
+          <a:p>
+            <a:pPr algn="r"/>
+            <a:r>
+              <a:rPr lang="nl-BE" dirty="0">
+                <a:solidFill>
+                  <a:schemeClr val="bg1"/>
+                </a:solidFill>
+              </a:rPr>
+              <a:t>MATTIJS</a:t>
+            </a:r>
+            <a:endParaRPr lang="LID4096" dirty="0">
+              <a:solidFill>
+                <a:schemeClr val="bg1"/>
+              </a:solidFill>
+            </a:endParaRPr>
+          </a:p>
+        </p:txBody>
+      </p:sp>
+    </p:spTree>
+    <p:extLst>
+      <p:ext uri="{BB962C8B-B14F-4D97-AF65-F5344CB8AC3E}">
+        <p14:creationId xmlns:p14="http://schemas.microsoft.com/office/powerpoint/2010/main" val="794429638"/>
+      </p:ext>
+    </p:extLst>
+  </p:cSld>
+  <p:clrMapOvr>
+    <a:masterClrMapping/>
+  </p:clrMapOvr>
+  <mc:AlternateContent xmlns:mc="http://schemas.openxmlformats.org/markup-compatibility/2006">
+    <mc:Choice xmlns:p14="http://schemas.microsoft.com/office/powerpoint/2010/main" Requires="p14">
+      <p:transition spd="med" p14:dur="700">
+        <p:fade/>
+      </p:transition>
+    </mc:Choice>
+    <mc:Fallback>
+      <p:transition spd="med">
+        <p:fade/>
+      </p:transition>
+    </mc:Fallback>
+  </mc:AlternateContent>
+</p:sld>
+</file>
+
+<file path=ppt/slides/slide7.xml><?xml version="1.0" encoding="utf-8"?>
+<p:sld xmlns:a="http://schemas.openxmlformats.org/drawingml/2006/main" xmlns:r="http://schemas.openxmlformats.org/officeDocument/2006/relationships" xmlns:p="http://schemas.openxmlformats.org/presentationml/2006/main">
+  <p:cSld>
+    <p:bg>
+      <p:bgPr>
+        <a:solidFill>
+          <a:schemeClr val="tx1"/>
+        </a:solidFill>
+        <a:effectLst/>
+      </p:bgPr>
+    </p:bg>
+    <p:spTree>
+      <p:nvGrpSpPr>
+        <p:cNvPr id="1" name=""/>
+        <p:cNvGrpSpPr/>
+        <p:nvPr/>
+      </p:nvGrpSpPr>
+      <p:grpSpPr>
+        <a:xfrm>
+          <a:off x="0" y="0"/>
+          <a:ext cx="0" cy="0"/>
+          <a:chOff x="0" y="0"/>
+          <a:chExt cx="0" cy="0"/>
+        </a:xfrm>
+      </p:grpSpPr>
+      <p:sp>
+        <p:nvSpPr>
+          <p:cNvPr id="7" name="Rechthoek 6"/>
+          <p:cNvSpPr/>
+          <p:nvPr/>
+        </p:nvSpPr>
+        <p:spPr>
+          <a:xfrm>
+            <a:off x="716764" y="0"/>
+            <a:ext cx="11472001" cy="720000"/>
+          </a:xfrm>
+          <a:prstGeom prst="rect">
+            <a:avLst/>
+          </a:prstGeom>
+          <a:solidFill>
+            <a:schemeClr val="tx1"/>
+          </a:solidFill>
+          <a:ln w="63500">
+            <a:solidFill>
+              <a:schemeClr val="bg1"/>
+            </a:solidFill>
+          </a:ln>
+        </p:spPr>
+        <p:style>
+          <a:lnRef idx="2">
+            <a:schemeClr val="accent1">
+              <a:shade val="50000"/>
+            </a:schemeClr>
+          </a:lnRef>
+          <a:fillRef idx="1">
+            <a:schemeClr val="accent1"/>
+          </a:fillRef>
+          <a:effectRef idx="0">
+            <a:schemeClr val="accent1"/>
+          </a:effectRef>
+          <a:fontRef idx="minor">
+            <a:schemeClr val="lt1"/>
+          </a:fontRef>
+        </p:style>
+        <p:txBody>
+          <a:bodyPr rtlCol="0" anchor="ctr"/>
+          <a:lstStyle/>
+          <a:p>
+            <a:pPr algn="ctr"/>
+            <a:endParaRPr lang="nl-BE" dirty="0"/>
+          </a:p>
+        </p:txBody>
+      </p:sp>
+      <p:sp>
+        <p:nvSpPr>
+          <p:cNvPr id="8" name="Rechthoek 7"/>
+          <p:cNvSpPr/>
+          <p:nvPr/>
+        </p:nvSpPr>
+        <p:spPr>
+          <a:xfrm rot="5400000">
+            <a:off x="8762999" y="3429001"/>
+            <a:ext cx="6138002" cy="720000"/>
+          </a:xfrm>
+          <a:prstGeom prst="rect">
+            <a:avLst/>
+          </a:prstGeom>
+          <a:solidFill>
+            <a:schemeClr val="tx1"/>
+          </a:solidFill>
+          <a:ln w="63500">
+            <a:solidFill>
+              <a:schemeClr val="bg1"/>
+            </a:solidFill>
+          </a:ln>
+        </p:spPr>
+        <p:style>
+          <a:lnRef idx="2">
+            <a:schemeClr val="accent1">
+              <a:shade val="50000"/>
+            </a:schemeClr>
+          </a:lnRef>
+          <a:fillRef idx="1">
+            <a:schemeClr val="accent1"/>
+          </a:fillRef>
+          <a:effectRef idx="0">
+            <a:schemeClr val="accent1"/>
+          </a:effectRef>
+          <a:fontRef idx="minor">
+            <a:schemeClr val="lt1"/>
+          </a:fontRef>
+        </p:style>
+        <p:txBody>
+          <a:bodyPr rtlCol="0" anchor="ctr"/>
+          <a:lstStyle/>
+          <a:p>
+            <a:pPr algn="ctr"/>
+            <a:endParaRPr lang="nl-BE"/>
+          </a:p>
+        </p:txBody>
+      </p:sp>
+      <p:sp>
+        <p:nvSpPr>
+          <p:cNvPr id="9" name="Rechthoek 8"/>
+          <p:cNvSpPr/>
+          <p:nvPr/>
+        </p:nvSpPr>
+        <p:spPr>
+          <a:xfrm rot="10800000">
+            <a:off x="-3236" y="6138002"/>
+            <a:ext cx="11475236" cy="720000"/>
+          </a:xfrm>
+          <a:prstGeom prst="rect">
+            <a:avLst/>
+          </a:prstGeom>
+          <a:solidFill>
+            <a:schemeClr val="tx1"/>
+          </a:solidFill>
+          <a:ln w="63500">
+            <a:solidFill>
+              <a:schemeClr val="bg1"/>
+            </a:solidFill>
+          </a:ln>
+        </p:spPr>
+        <p:style>
+          <a:lnRef idx="2">
+            <a:schemeClr val="accent1">
+              <a:shade val="50000"/>
+            </a:schemeClr>
+          </a:lnRef>
+          <a:fillRef idx="1">
+            <a:schemeClr val="accent1"/>
+          </a:fillRef>
+          <a:effectRef idx="0">
+            <a:schemeClr val="accent1"/>
+          </a:effectRef>
+          <a:fontRef idx="minor">
+            <a:schemeClr val="lt1"/>
+          </a:fontRef>
+        </p:style>
+        <p:txBody>
+          <a:bodyPr rtlCol="0" anchor="ctr"/>
+          <a:lstStyle/>
+          <a:p>
+            <a:pPr algn="ctr"/>
+            <a:endParaRPr lang="nl-BE"/>
+          </a:p>
+        </p:txBody>
+      </p:sp>
+      <p:sp>
+        <p:nvSpPr>
+          <p:cNvPr id="10" name="Rechthoek 9"/>
+          <p:cNvSpPr/>
+          <p:nvPr/>
+        </p:nvSpPr>
+        <p:spPr>
+          <a:xfrm rot="5400000">
+            <a:off x="-2712237" y="2709001"/>
+            <a:ext cx="6138002" cy="720000"/>
+          </a:xfrm>
+          <a:prstGeom prst="rect">
+            <a:avLst/>
+          </a:prstGeom>
+          <a:solidFill>
+            <a:schemeClr val="tx1"/>
+          </a:solidFill>
+          <a:ln w="63500">
+            <a:solidFill>
+              <a:schemeClr val="bg1"/>
+            </a:solidFill>
+          </a:ln>
+        </p:spPr>
+        <p:style>
+          <a:lnRef idx="2">
+            <a:schemeClr val="accent1">
+              <a:shade val="50000"/>
+            </a:schemeClr>
+          </a:lnRef>
+          <a:fillRef idx="1">
+            <a:schemeClr val="accent1"/>
+          </a:fillRef>
+          <a:effectRef idx="0">
+            <a:schemeClr val="accent1"/>
+          </a:effectRef>
+          <a:fontRef idx="minor">
+            <a:schemeClr val="lt1"/>
+          </a:fontRef>
+        </p:style>
+        <p:txBody>
+          <a:bodyPr rtlCol="0" anchor="ctr"/>
+          <a:lstStyle/>
+          <a:p>
+            <a:pPr algn="ctr"/>
+            <a:endParaRPr lang="nl-BE"/>
+          </a:p>
+        </p:txBody>
+      </p:sp>
+      <p:pic>
+        <p:nvPicPr>
+          <p:cNvPr id="1026" name="Picture 2" descr="Afbeeldingsresultaat voor three bees logo">
+            <a:extLst>
+              <a:ext uri="{FF2B5EF4-FFF2-40B4-BE49-F238E27FC236}">
+                <a16:creationId xmlns:a16="http://schemas.microsoft.com/office/drawing/2014/main" id="{6D93AE98-E080-4353-AC39-9F77E11C2785}"/>
+              </a:ext>
+            </a:extLst>
+          </p:cNvPr>
+          <p:cNvPicPr>
+            <a:picLocks noChangeAspect="1" noChangeArrowheads="1"/>
+          </p:cNvPicPr>
+          <p:nvPr/>
+        </p:nvPicPr>
+        <p:blipFill>
+          <a:blip r:embed="rId3">
+            <a:extLst>
+              <a:ext uri="{28A0092B-C50C-407E-A947-70E740481C1C}">
+                <a14:useLocalDpi xmlns:a14="http://schemas.microsoft.com/office/drawing/2010/main" val="0"/>
+              </a:ext>
+            </a:extLst>
+          </a:blip>
+          <a:srcRect/>
+          <a:stretch>
+            <a:fillRect/>
+          </a:stretch>
+        </p:blipFill>
+        <p:spPr bwMode="auto">
+          <a:xfrm>
+            <a:off x="4771519" y="174075"/>
+            <a:ext cx="702930" cy="371850"/>
+          </a:xfrm>
+          <a:prstGeom prst="rect">
+            <a:avLst/>
+          </a:prstGeom>
+          <a:noFill/>
+          <a:extLst>
+            <a:ext uri="{909E8E84-426E-40DD-AFC4-6F175D3DCCD1}">
+              <a14:hiddenFill xmlns:a14="http://schemas.microsoft.com/office/drawing/2010/main">
+                <a:solidFill>
+                  <a:srgbClr val="FFFFFF"/>
+                </a:solidFill>
+              </a14:hiddenFill>
+            </a:ext>
+          </a:extLst>
+        </p:spPr>
+      </p:pic>
+      <p:sp>
+        <p:nvSpPr>
+          <p:cNvPr id="2" name="Rectangle 1">
+            <a:extLst>
+              <a:ext uri="{FF2B5EF4-FFF2-40B4-BE49-F238E27FC236}">
+                <a16:creationId xmlns:a16="http://schemas.microsoft.com/office/drawing/2014/main" id="{75F9711A-A664-44E5-B654-C67ECE4637CD}"/>
+              </a:ext>
+            </a:extLst>
+          </p:cNvPr>
+          <p:cNvSpPr/>
+          <p:nvPr/>
+        </p:nvSpPr>
+        <p:spPr>
+          <a:xfrm>
+            <a:off x="5477684" y="87134"/>
+            <a:ext cx="1236631" cy="545732"/>
+          </a:xfrm>
+          <a:prstGeom prst="rect">
+            <a:avLst/>
+          </a:prstGeom>
+        </p:spPr>
+        <p:style>
+          <a:lnRef idx="2">
+            <a:schemeClr val="dk1">
+              <a:shade val="50000"/>
+            </a:schemeClr>
+          </a:lnRef>
+          <a:fillRef idx="1">
+            <a:schemeClr val="dk1"/>
+          </a:fillRef>
+          <a:effectRef idx="0">
+            <a:schemeClr val="dk1"/>
+          </a:effectRef>
+          <a:fontRef idx="minor">
+            <a:schemeClr val="lt1"/>
+          </a:fontRef>
+        </p:style>
+        <p:txBody>
+          <a:bodyPr rtlCol="0" anchor="ctr"/>
+          <a:lstStyle/>
+          <a:p>
+            <a:pPr algn="ctr"/>
+            <a:r>
+              <a:rPr lang="nl-BE" dirty="0"/>
+              <a:t>3BEES&amp;ME</a:t>
+            </a:r>
+            <a:endParaRPr lang="LID4096" dirty="0"/>
+          </a:p>
+        </p:txBody>
+      </p:sp>
+      <p:sp>
+        <p:nvSpPr>
+          <p:cNvPr id="3" name="TextBox 2">
+            <a:extLst>
+              <a:ext uri="{FF2B5EF4-FFF2-40B4-BE49-F238E27FC236}">
+                <a16:creationId xmlns:a16="http://schemas.microsoft.com/office/drawing/2014/main" id="{E2EEB3FD-6150-4016-94FD-BB52060F8D5E}"/>
+              </a:ext>
+            </a:extLst>
+          </p:cNvPr>
+          <p:cNvSpPr txBox="1"/>
+          <p:nvPr/>
+        </p:nvSpPr>
+        <p:spPr>
+          <a:xfrm>
             <a:off x="5484782" y="6313336"/>
             <a:ext cx="1219201" cy="369332"/>
           </a:xfrm>
@@ -9884,8 +11927,8 @@
         </p:nvSpPr>
         <p:spPr>
           <a:xfrm>
-            <a:off x="6703982" y="6313336"/>
-            <a:ext cx="3325843" cy="369332"/>
+            <a:off x="6703981" y="6313336"/>
+            <a:ext cx="3430619" cy="369332"/>
           </a:xfrm>
           <a:prstGeom prst="rect">
             <a:avLst/>
@@ -9941,7 +11984,7 @@
                   <a:schemeClr val="bg1"/>
                 </a:solidFill>
               </a:rPr>
-              <a:t>BERT</a:t>
+              <a:t>BRAM</a:t>
             </a:r>
             <a:endParaRPr lang="LID4096" dirty="0">
               <a:solidFill>
@@ -9951,16 +11994,88 @@
           </a:p>
         </p:txBody>
       </p:sp>
+      <p:pic>
+        <p:nvPicPr>
+          <p:cNvPr id="13" name="Picture 12">
+            <a:extLst>
+              <a:ext uri="{FF2B5EF4-FFF2-40B4-BE49-F238E27FC236}">
+                <a16:creationId xmlns:a16="http://schemas.microsoft.com/office/drawing/2014/main" id="{69B9ACF8-FA5F-4CB8-B5C4-3033EB63CC04}"/>
+              </a:ext>
+            </a:extLst>
+          </p:cNvPr>
+          <p:cNvPicPr>
+            <a:picLocks noChangeAspect="1"/>
+          </p:cNvPicPr>
+          <p:nvPr/>
+        </p:nvPicPr>
+        <p:blipFill>
+          <a:blip r:embed="rId4"/>
+          <a:stretch>
+            <a:fillRect/>
+          </a:stretch>
+        </p:blipFill>
+        <p:spPr>
+          <a:xfrm>
+            <a:off x="2209800" y="1423987"/>
+            <a:ext cx="7772400" cy="4010025"/>
+          </a:xfrm>
+          <a:prstGeom prst="rect">
+            <a:avLst/>
+          </a:prstGeom>
+          <a:solidFill>
+            <a:srgbClr val="FFFFFF">
+              <a:shade val="85000"/>
+            </a:srgbClr>
+          </a:solidFill>
+          <a:ln w="88900" cap="sq">
+            <a:solidFill>
+              <a:srgbClr val="FFFFFF"/>
+            </a:solidFill>
+            <a:miter lim="800000"/>
+          </a:ln>
+          <a:effectLst>
+            <a:outerShdw blurRad="55000" dist="18000" dir="5400000" algn="tl" rotWithShape="0">
+              <a:srgbClr val="000000">
+                <a:alpha val="40000"/>
+              </a:srgbClr>
+            </a:outerShdw>
+          </a:effectLst>
+          <a:scene3d>
+            <a:camera prst="orthographicFront"/>
+            <a:lightRig rig="twoPt" dir="t">
+              <a:rot lat="0" lon="0" rev="7200000"/>
+            </a:lightRig>
+          </a:scene3d>
+          <a:sp3d>
+            <a:bevelT w="25400" h="19050"/>
+            <a:contourClr>
+              <a:srgbClr val="FFFFFF"/>
+            </a:contourClr>
+          </a:sp3d>
+        </p:spPr>
+      </p:pic>
     </p:spTree>
     <p:extLst>
       <p:ext uri="{BB962C8B-B14F-4D97-AF65-F5344CB8AC3E}">
-        <p14:creationId xmlns:p14="http://schemas.microsoft.com/office/powerpoint/2010/main" val="3732158348"/>
+        <p14:creationId xmlns:p14="http://schemas.microsoft.com/office/powerpoint/2010/main" val="2404707751"/>
       </p:ext>
     </p:extLst>
   </p:cSld>
   <p:clrMapOvr>
     <a:masterClrMapping/>
   </p:clrMapOvr>
+  <mc:AlternateContent xmlns:mc="http://schemas.openxmlformats.org/markup-compatibility/2006">
+    <mc:Choice xmlns:p14="http://schemas.microsoft.com/office/powerpoint/2010/main" Requires="p14">
+      <p:transition spd="med" p14:dur="700">
+        <p:fade/>
+      </p:transition>
+    </mc:Choice>
+    <mc:Fallback>
+      <p:transition spd="med">
+        <p:fade/>
+      </p:transition>
+    </mc:Fallback>
+  </mc:AlternateContent>
   <p:timing>
     <p:tnLst>
       <p:par>
@@ -9982,7 +12097,7 @@
                             </p:stCondLst>
                             <p:childTnLst>
                               <p:par>
-                                <p:cTn id="5" presetID="10" presetClass="entr" presetSubtype="0" fill="hold" grpId="0" nodeType="clickEffect">
+                                <p:cTn id="5" presetID="10" presetClass="entr" presetSubtype="0" fill="hold" nodeType="clickEffect">
                                   <p:stCondLst>
                                     <p:cond delay="0"/>
                                   </p:stCondLst>
@@ -9995,7 +12110,7 @@
                                           </p:stCondLst>
                                         </p:cTn>
                                         <p:tgtEl>
-                                          <p:spTgt spid="5"/>
+                                          <p:spTgt spid="13"/>
                                         </p:tgtEl>
                                         <p:attrNameLst>
                                           <p:attrName>style.visibility</p:attrName>
@@ -10009,7 +12124,7 @@
                                       <p:cBhvr>
                                         <p:cTn id="7" dur="500"/>
                                         <p:tgtEl>
-                                          <p:spTgt spid="5"/>
+                                          <p:spTgt spid="13"/>
                                         </p:tgtEl>
                                       </p:cBhvr>
                                     </p:animEffect>
@@ -10043,14 +12158,11 @@
         </p:cTn>
       </p:par>
     </p:tnLst>
-    <p:bldLst>
-      <p:bldP spid="5" grpId="0"/>
-    </p:bldLst>
   </p:timing>
 </p:sld>
 </file>
 
-<file path=ppt/slides/slide5.xml><?xml version="1.0" encoding="utf-8"?>
+<file path=ppt/slides/slide8.xml><?xml version="1.0" encoding="utf-8"?>
 <p:sld xmlns:a="http://schemas.openxmlformats.org/drawingml/2006/main" xmlns:r="http://schemas.openxmlformats.org/officeDocument/2006/relationships" xmlns:p="http://schemas.openxmlformats.org/presentationml/2006/main">
   <p:cSld>
     <p:bg>
@@ -10424,7 +12536,7 @@
         <p:spPr>
           <a:xfrm>
             <a:off x="6703982" y="6313336"/>
-            <a:ext cx="3192493" cy="369332"/>
+            <a:ext cx="3325843" cy="369332"/>
           </a:xfrm>
           <a:prstGeom prst="rect">
             <a:avLst/>
@@ -10480,7 +12592,7 @@
                   <a:schemeClr val="bg1"/>
                 </a:solidFill>
               </a:rPr>
-              <a:t>BREND</a:t>
+              <a:t>BERT</a:t>
             </a:r>
             <a:endParaRPr lang="LID4096" dirty="0">
               <a:solidFill>
@@ -10493,103 +12605,29 @@
     </p:spTree>
     <p:extLst>
       <p:ext uri="{BB962C8B-B14F-4D97-AF65-F5344CB8AC3E}">
-        <p14:creationId xmlns:p14="http://schemas.microsoft.com/office/powerpoint/2010/main" val="2538337335"/>
+        <p14:creationId xmlns:p14="http://schemas.microsoft.com/office/powerpoint/2010/main" val="3732158348"/>
       </p:ext>
     </p:extLst>
   </p:cSld>
   <p:clrMapOvr>
     <a:masterClrMapping/>
   </p:clrMapOvr>
-  <p:timing>
-    <p:tnLst>
-      <p:par>
-        <p:cTn id="1" dur="indefinite" restart="never" nodeType="tmRoot">
-          <p:childTnLst>
-            <p:seq concurrent="1" nextAc="seek">
-              <p:cTn id="2" dur="indefinite" nodeType="mainSeq">
-                <p:childTnLst>
-                  <p:par>
-                    <p:cTn id="3" fill="hold">
-                      <p:stCondLst>
-                        <p:cond delay="indefinite"/>
-                      </p:stCondLst>
-                      <p:childTnLst>
-                        <p:par>
-                          <p:cTn id="4" fill="hold">
-                            <p:stCondLst>
-                              <p:cond delay="0"/>
-                            </p:stCondLst>
-                            <p:childTnLst>
-                              <p:par>
-                                <p:cTn id="5" presetID="10" presetClass="entr" presetSubtype="0" fill="hold" grpId="0" nodeType="clickEffect">
-                                  <p:stCondLst>
-                                    <p:cond delay="0"/>
-                                  </p:stCondLst>
-                                  <p:childTnLst>
-                                    <p:set>
-                                      <p:cBhvr>
-                                        <p:cTn id="6" dur="1" fill="hold">
-                                          <p:stCondLst>
-                                            <p:cond delay="0"/>
-                                          </p:stCondLst>
-                                        </p:cTn>
-                                        <p:tgtEl>
-                                          <p:spTgt spid="5"/>
-                                        </p:tgtEl>
-                                        <p:attrNameLst>
-                                          <p:attrName>style.visibility</p:attrName>
-                                        </p:attrNameLst>
-                                      </p:cBhvr>
-                                      <p:to>
-                                        <p:strVal val="visible"/>
-                                      </p:to>
-                                    </p:set>
-                                    <p:animEffect transition="in" filter="fade">
-                                      <p:cBhvr>
-                                        <p:cTn id="7" dur="500"/>
-                                        <p:tgtEl>
-                                          <p:spTgt spid="5"/>
-                                        </p:tgtEl>
-                                      </p:cBhvr>
-                                    </p:animEffect>
-                                  </p:childTnLst>
-                                </p:cTn>
-                              </p:par>
-                            </p:childTnLst>
-                          </p:cTn>
-                        </p:par>
-                      </p:childTnLst>
-                    </p:cTn>
-                  </p:par>
-                </p:childTnLst>
-              </p:cTn>
-              <p:prevCondLst>
-                <p:cond evt="onPrev" delay="0">
-                  <p:tgtEl>
-                    <p:sldTgt/>
-                  </p:tgtEl>
-                </p:cond>
-              </p:prevCondLst>
-              <p:nextCondLst>
-                <p:cond evt="onNext" delay="0">
-                  <p:tgtEl>
-                    <p:sldTgt/>
-                  </p:tgtEl>
-                </p:cond>
-              </p:nextCondLst>
-            </p:seq>
-          </p:childTnLst>
-        </p:cTn>
-      </p:par>
-    </p:tnLst>
-    <p:bldLst>
-      <p:bldP spid="5" grpId="0"/>
-    </p:bldLst>
-  </p:timing>
+  <mc:AlternateContent xmlns:mc="http://schemas.openxmlformats.org/markup-compatibility/2006">
+    <mc:Choice xmlns:p14="http://schemas.microsoft.com/office/powerpoint/2010/main" Requires="p14">
+      <p:transition spd="med" p14:dur="700">
+        <p:fade/>
+      </p:transition>
+    </mc:Choice>
+    <mc:Fallback>
+      <p:transition spd="med">
+        <p:fade/>
+      </p:transition>
+    </mc:Fallback>
+  </mc:AlternateContent>
 </p:sld>
 </file>
 
-<file path=ppt/slides/slide6.xml><?xml version="1.0" encoding="utf-8"?>
+<file path=ppt/slides/slide9.xml><?xml version="1.0" encoding="utf-8"?>
 <p:sld xmlns:a="http://schemas.openxmlformats.org/drawingml/2006/main" xmlns:r="http://schemas.openxmlformats.org/officeDocument/2006/relationships" xmlns:p="http://schemas.openxmlformats.org/presentationml/2006/main">
   <p:cSld>
     <p:bg>
@@ -10963,7 +13001,7 @@
         <p:spPr>
           <a:xfrm>
             <a:off x="6703982" y="6313336"/>
-            <a:ext cx="3192493" cy="369332"/>
+            <a:ext cx="3297268" cy="369332"/>
           </a:xfrm>
           <a:prstGeom prst="rect">
             <a:avLst/>
@@ -11019,7 +13057,7 @@
                   <a:schemeClr val="bg1"/>
                 </a:solidFill>
               </a:rPr>
-              <a:t>MATTIJS</a:t>
+              <a:t>BREND</a:t>
             </a:r>
             <a:endParaRPr lang="LID4096" dirty="0">
               <a:solidFill>
@@ -11032,99 +13070,25 @@
     </p:spTree>
     <p:extLst>
       <p:ext uri="{BB962C8B-B14F-4D97-AF65-F5344CB8AC3E}">
-        <p14:creationId xmlns:p14="http://schemas.microsoft.com/office/powerpoint/2010/main" val="1569760501"/>
+        <p14:creationId xmlns:p14="http://schemas.microsoft.com/office/powerpoint/2010/main" val="2538337335"/>
       </p:ext>
     </p:extLst>
   </p:cSld>
   <p:clrMapOvr>
     <a:masterClrMapping/>
   </p:clrMapOvr>
-  <p:timing>
-    <p:tnLst>
-      <p:par>
-        <p:cTn id="1" dur="indefinite" restart="never" nodeType="tmRoot">
-          <p:childTnLst>
-            <p:seq concurrent="1" nextAc="seek">
-              <p:cTn id="2" dur="indefinite" nodeType="mainSeq">
-                <p:childTnLst>
-                  <p:par>
-                    <p:cTn id="3" fill="hold">
-                      <p:stCondLst>
-                        <p:cond delay="indefinite"/>
-                      </p:stCondLst>
-                      <p:childTnLst>
-                        <p:par>
-                          <p:cTn id="4" fill="hold">
-                            <p:stCondLst>
-                              <p:cond delay="0"/>
-                            </p:stCondLst>
-                            <p:childTnLst>
-                              <p:par>
-                                <p:cTn id="5" presetID="10" presetClass="entr" presetSubtype="0" fill="hold" grpId="0" nodeType="clickEffect">
-                                  <p:stCondLst>
-                                    <p:cond delay="0"/>
-                                  </p:stCondLst>
-                                  <p:childTnLst>
-                                    <p:set>
-                                      <p:cBhvr>
-                                        <p:cTn id="6" dur="1" fill="hold">
-                                          <p:stCondLst>
-                                            <p:cond delay="0"/>
-                                          </p:stCondLst>
-                                        </p:cTn>
-                                        <p:tgtEl>
-                                          <p:spTgt spid="5"/>
-                                        </p:tgtEl>
-                                        <p:attrNameLst>
-                                          <p:attrName>style.visibility</p:attrName>
-                                        </p:attrNameLst>
-                                      </p:cBhvr>
-                                      <p:to>
-                                        <p:strVal val="visible"/>
-                                      </p:to>
-                                    </p:set>
-                                    <p:animEffect transition="in" filter="fade">
-                                      <p:cBhvr>
-                                        <p:cTn id="7" dur="500"/>
-                                        <p:tgtEl>
-                                          <p:spTgt spid="5"/>
-                                        </p:tgtEl>
-                                      </p:cBhvr>
-                                    </p:animEffect>
-                                  </p:childTnLst>
-                                </p:cTn>
-                              </p:par>
-                            </p:childTnLst>
-                          </p:cTn>
-                        </p:par>
-                      </p:childTnLst>
-                    </p:cTn>
-                  </p:par>
-                </p:childTnLst>
-              </p:cTn>
-              <p:prevCondLst>
-                <p:cond evt="onPrev" delay="0">
-                  <p:tgtEl>
-                    <p:sldTgt/>
-                  </p:tgtEl>
-                </p:cond>
-              </p:prevCondLst>
-              <p:nextCondLst>
-                <p:cond evt="onNext" delay="0">
-                  <p:tgtEl>
-                    <p:sldTgt/>
-                  </p:tgtEl>
-                </p:cond>
-              </p:nextCondLst>
-            </p:seq>
-          </p:childTnLst>
-        </p:cTn>
-      </p:par>
-    </p:tnLst>
-    <p:bldLst>
-      <p:bldP spid="5" grpId="0"/>
-    </p:bldLst>
-  </p:timing>
+  <mc:AlternateContent xmlns:mc="http://schemas.openxmlformats.org/markup-compatibility/2006">
+    <mc:Choice xmlns:p14="http://schemas.microsoft.com/office/powerpoint/2010/main" Requires="p14">
+      <p:transition spd="med" p14:dur="700">
+        <p:fade/>
+      </p:transition>
+    </mc:Choice>
+    <mc:Fallback>
+      <p:transition spd="med">
+        <p:fade/>
+      </p:transition>
+    </mc:Fallback>
+  </mc:AlternateContent>
 </p:sld>
 </file>
 

--- a/documents/presentatie.pptx
+++ b/documents/presentatie.pptx
@@ -5,7 +5,7 @@
     <p:sldMasterId id="2147483648" r:id="rId1"/>
   </p:sldMasterIdLst>
   <p:notesMasterIdLst>
-    <p:notesMasterId r:id="rId12"/>
+    <p:notesMasterId r:id="rId13"/>
   </p:notesMasterIdLst>
   <p:sldIdLst>
     <p:sldId id="288" r:id="rId2"/>
@@ -14,10 +14,11 @@
     <p:sldId id="293" r:id="rId5"/>
     <p:sldId id="294" r:id="rId6"/>
     <p:sldId id="295" r:id="rId7"/>
-    <p:sldId id="287" r:id="rId8"/>
-    <p:sldId id="289" r:id="rId9"/>
-    <p:sldId id="290" r:id="rId10"/>
-    <p:sldId id="291" r:id="rId11"/>
+    <p:sldId id="297" r:id="rId8"/>
+    <p:sldId id="287" r:id="rId9"/>
+    <p:sldId id="289" r:id="rId10"/>
+    <p:sldId id="290" r:id="rId11"/>
+    <p:sldId id="291" r:id="rId12"/>
   </p:sldIdLst>
   <p:sldSz cx="12192000" cy="6858000"/>
   <p:notesSz cx="6858000" cy="9144000"/>
@@ -643,6 +644,90 @@
     </p:spTree>
     <p:extLst>
       <p:ext uri="{BB962C8B-B14F-4D97-AF65-F5344CB8AC3E}">
+        <p14:creationId xmlns:p14="http://schemas.microsoft.com/office/powerpoint/2010/main" val="2900652606"/>
+      </p:ext>
+    </p:extLst>
+  </p:cSld>
+  <p:clrMapOvr>
+    <a:masterClrMapping/>
+  </p:clrMapOvr>
+</p:notes>
+</file>
+
+<file path=ppt/notesSlides/notesSlide11.xml><?xml version="1.0" encoding="utf-8"?>
+<p:notes xmlns:a="http://schemas.openxmlformats.org/drawingml/2006/main" xmlns:r="http://schemas.openxmlformats.org/officeDocument/2006/relationships" xmlns:p="http://schemas.openxmlformats.org/presentationml/2006/main">
+  <p:cSld>
+    <p:spTree>
+      <p:nvGrpSpPr>
+        <p:cNvPr id="1" name=""/>
+        <p:cNvGrpSpPr/>
+        <p:nvPr/>
+      </p:nvGrpSpPr>
+      <p:grpSpPr>
+        <a:xfrm>
+          <a:off x="0" y="0"/>
+          <a:ext cx="0" cy="0"/>
+          <a:chOff x="0" y="0"/>
+          <a:chExt cx="0" cy="0"/>
+        </a:xfrm>
+      </p:grpSpPr>
+      <p:sp>
+        <p:nvSpPr>
+          <p:cNvPr id="2" name="Tijdelijke aanduiding voor dia-afbeelding 1"/>
+          <p:cNvSpPr>
+            <a:spLocks noGrp="1" noRot="1" noChangeAspect="1"/>
+          </p:cNvSpPr>
+          <p:nvPr>
+            <p:ph type="sldImg"/>
+          </p:nvPr>
+        </p:nvSpPr>
+        <p:spPr/>
+      </p:sp>
+      <p:sp>
+        <p:nvSpPr>
+          <p:cNvPr id="3" name="Tijdelijke aanduiding voor notities 2"/>
+          <p:cNvSpPr>
+            <a:spLocks noGrp="1"/>
+          </p:cNvSpPr>
+          <p:nvPr>
+            <p:ph type="body" idx="1"/>
+          </p:nvPr>
+        </p:nvSpPr>
+        <p:spPr/>
+        <p:txBody>
+          <a:bodyPr/>
+          <a:lstStyle/>
+          <a:p>
+            <a:endParaRPr lang="nl-BE" dirty="0"/>
+          </a:p>
+        </p:txBody>
+      </p:sp>
+      <p:sp>
+        <p:nvSpPr>
+          <p:cNvPr id="4" name="Tijdelijke aanduiding voor dianummer 3"/>
+          <p:cNvSpPr>
+            <a:spLocks noGrp="1"/>
+          </p:cNvSpPr>
+          <p:nvPr>
+            <p:ph type="sldNum" sz="quarter" idx="10"/>
+          </p:nvPr>
+        </p:nvSpPr>
+        <p:spPr/>
+        <p:txBody>
+          <a:bodyPr/>
+          <a:lstStyle/>
+          <a:p>
+            <a:fld id="{DED0CC16-5F5B-4BEB-BB12-48327C013F79}" type="slidenum">
+              <a:rPr lang="nl-BE" smtClean="0"/>
+              <a:t>11</a:t>
+            </a:fld>
+            <a:endParaRPr lang="nl-BE"/>
+          </a:p>
+        </p:txBody>
+      </p:sp>
+    </p:spTree>
+    <p:extLst>
+      <p:ext uri="{BB962C8B-B14F-4D97-AF65-F5344CB8AC3E}">
         <p14:creationId xmlns:p14="http://schemas.microsoft.com/office/powerpoint/2010/main" val="1673945405"/>
       </p:ext>
     </p:extLst>
@@ -1147,7 +1232,7 @@
     </p:spTree>
     <p:extLst>
       <p:ext uri="{BB962C8B-B14F-4D97-AF65-F5344CB8AC3E}">
-        <p14:creationId xmlns:p14="http://schemas.microsoft.com/office/powerpoint/2010/main" val="875075753"/>
+        <p14:creationId xmlns:p14="http://schemas.microsoft.com/office/powerpoint/2010/main" val="4251020213"/>
       </p:ext>
     </p:extLst>
   </p:cSld>
@@ -1231,7 +1316,7 @@
     </p:spTree>
     <p:extLst>
       <p:ext uri="{BB962C8B-B14F-4D97-AF65-F5344CB8AC3E}">
-        <p14:creationId xmlns:p14="http://schemas.microsoft.com/office/powerpoint/2010/main" val="2104699543"/>
+        <p14:creationId xmlns:p14="http://schemas.microsoft.com/office/powerpoint/2010/main" val="875075753"/>
       </p:ext>
     </p:extLst>
   </p:cSld>
@@ -1315,7 +1400,7 @@
     </p:spTree>
     <p:extLst>
       <p:ext uri="{BB962C8B-B14F-4D97-AF65-F5344CB8AC3E}">
-        <p14:creationId xmlns:p14="http://schemas.microsoft.com/office/powerpoint/2010/main" val="2900652606"/>
+        <p14:creationId xmlns:p14="http://schemas.microsoft.com/office/powerpoint/2010/main" val="2104699543"/>
       </p:ext>
     </p:extLst>
   </p:cSld>
@@ -5433,6 +5518,471 @@
 </file>
 
 <file path=ppt/slides/slide10.xml><?xml version="1.0" encoding="utf-8"?>
+<p:sld xmlns:a="http://schemas.openxmlformats.org/drawingml/2006/main" xmlns:r="http://schemas.openxmlformats.org/officeDocument/2006/relationships" xmlns:p="http://schemas.openxmlformats.org/presentationml/2006/main">
+  <p:cSld>
+    <p:bg>
+      <p:bgPr>
+        <a:solidFill>
+          <a:schemeClr val="tx1"/>
+        </a:solidFill>
+        <a:effectLst/>
+      </p:bgPr>
+    </p:bg>
+    <p:spTree>
+      <p:nvGrpSpPr>
+        <p:cNvPr id="1" name=""/>
+        <p:cNvGrpSpPr/>
+        <p:nvPr/>
+      </p:nvGrpSpPr>
+      <p:grpSpPr>
+        <a:xfrm>
+          <a:off x="0" y="0"/>
+          <a:ext cx="0" cy="0"/>
+          <a:chOff x="0" y="0"/>
+          <a:chExt cx="0" cy="0"/>
+        </a:xfrm>
+      </p:grpSpPr>
+      <p:sp>
+        <p:nvSpPr>
+          <p:cNvPr id="7" name="Rechthoek 6"/>
+          <p:cNvSpPr/>
+          <p:nvPr/>
+        </p:nvSpPr>
+        <p:spPr>
+          <a:xfrm>
+            <a:off x="716764" y="0"/>
+            <a:ext cx="11472001" cy="720000"/>
+          </a:xfrm>
+          <a:prstGeom prst="rect">
+            <a:avLst/>
+          </a:prstGeom>
+          <a:solidFill>
+            <a:schemeClr val="tx1"/>
+          </a:solidFill>
+          <a:ln w="63500">
+            <a:solidFill>
+              <a:schemeClr val="bg1"/>
+            </a:solidFill>
+          </a:ln>
+        </p:spPr>
+        <p:style>
+          <a:lnRef idx="2">
+            <a:schemeClr val="accent1">
+              <a:shade val="50000"/>
+            </a:schemeClr>
+          </a:lnRef>
+          <a:fillRef idx="1">
+            <a:schemeClr val="accent1"/>
+          </a:fillRef>
+          <a:effectRef idx="0">
+            <a:schemeClr val="accent1"/>
+          </a:effectRef>
+          <a:fontRef idx="minor">
+            <a:schemeClr val="lt1"/>
+          </a:fontRef>
+        </p:style>
+        <p:txBody>
+          <a:bodyPr rtlCol="0" anchor="ctr"/>
+          <a:lstStyle/>
+          <a:p>
+            <a:pPr algn="ctr"/>
+            <a:endParaRPr lang="nl-BE" dirty="0"/>
+          </a:p>
+        </p:txBody>
+      </p:sp>
+      <p:sp>
+        <p:nvSpPr>
+          <p:cNvPr id="8" name="Rechthoek 7"/>
+          <p:cNvSpPr/>
+          <p:nvPr/>
+        </p:nvSpPr>
+        <p:spPr>
+          <a:xfrm rot="5400000">
+            <a:off x="8762999" y="3429001"/>
+            <a:ext cx="6138002" cy="720000"/>
+          </a:xfrm>
+          <a:prstGeom prst="rect">
+            <a:avLst/>
+          </a:prstGeom>
+          <a:solidFill>
+            <a:schemeClr val="tx1"/>
+          </a:solidFill>
+          <a:ln w="63500">
+            <a:solidFill>
+              <a:schemeClr val="bg1"/>
+            </a:solidFill>
+          </a:ln>
+        </p:spPr>
+        <p:style>
+          <a:lnRef idx="2">
+            <a:schemeClr val="accent1">
+              <a:shade val="50000"/>
+            </a:schemeClr>
+          </a:lnRef>
+          <a:fillRef idx="1">
+            <a:schemeClr val="accent1"/>
+          </a:fillRef>
+          <a:effectRef idx="0">
+            <a:schemeClr val="accent1"/>
+          </a:effectRef>
+          <a:fontRef idx="minor">
+            <a:schemeClr val="lt1"/>
+          </a:fontRef>
+        </p:style>
+        <p:txBody>
+          <a:bodyPr rtlCol="0" anchor="ctr"/>
+          <a:lstStyle/>
+          <a:p>
+            <a:pPr algn="ctr"/>
+            <a:endParaRPr lang="nl-BE"/>
+          </a:p>
+        </p:txBody>
+      </p:sp>
+      <p:sp>
+        <p:nvSpPr>
+          <p:cNvPr id="9" name="Rechthoek 8"/>
+          <p:cNvSpPr/>
+          <p:nvPr/>
+        </p:nvSpPr>
+        <p:spPr>
+          <a:xfrm rot="10800000">
+            <a:off x="-3236" y="6138002"/>
+            <a:ext cx="11475236" cy="720000"/>
+          </a:xfrm>
+          <a:prstGeom prst="rect">
+            <a:avLst/>
+          </a:prstGeom>
+          <a:solidFill>
+            <a:schemeClr val="tx1"/>
+          </a:solidFill>
+          <a:ln w="63500">
+            <a:solidFill>
+              <a:schemeClr val="bg1"/>
+            </a:solidFill>
+          </a:ln>
+        </p:spPr>
+        <p:style>
+          <a:lnRef idx="2">
+            <a:schemeClr val="accent1">
+              <a:shade val="50000"/>
+            </a:schemeClr>
+          </a:lnRef>
+          <a:fillRef idx="1">
+            <a:schemeClr val="accent1"/>
+          </a:fillRef>
+          <a:effectRef idx="0">
+            <a:schemeClr val="accent1"/>
+          </a:effectRef>
+          <a:fontRef idx="minor">
+            <a:schemeClr val="lt1"/>
+          </a:fontRef>
+        </p:style>
+        <p:txBody>
+          <a:bodyPr rtlCol="0" anchor="ctr"/>
+          <a:lstStyle/>
+          <a:p>
+            <a:pPr algn="ctr"/>
+            <a:endParaRPr lang="nl-BE"/>
+          </a:p>
+        </p:txBody>
+      </p:sp>
+      <p:sp>
+        <p:nvSpPr>
+          <p:cNvPr id="10" name="Rechthoek 9"/>
+          <p:cNvSpPr/>
+          <p:nvPr/>
+        </p:nvSpPr>
+        <p:spPr>
+          <a:xfrm rot="5400000">
+            <a:off x="-2712237" y="2709001"/>
+            <a:ext cx="6138002" cy="720000"/>
+          </a:xfrm>
+          <a:prstGeom prst="rect">
+            <a:avLst/>
+          </a:prstGeom>
+          <a:solidFill>
+            <a:schemeClr val="tx1"/>
+          </a:solidFill>
+          <a:ln w="63500">
+            <a:solidFill>
+              <a:schemeClr val="bg1"/>
+            </a:solidFill>
+          </a:ln>
+        </p:spPr>
+        <p:style>
+          <a:lnRef idx="2">
+            <a:schemeClr val="accent1">
+              <a:shade val="50000"/>
+            </a:schemeClr>
+          </a:lnRef>
+          <a:fillRef idx="1">
+            <a:schemeClr val="accent1"/>
+          </a:fillRef>
+          <a:effectRef idx="0">
+            <a:schemeClr val="accent1"/>
+          </a:effectRef>
+          <a:fontRef idx="minor">
+            <a:schemeClr val="lt1"/>
+          </a:fontRef>
+        </p:style>
+        <p:txBody>
+          <a:bodyPr rtlCol="0" anchor="ctr"/>
+          <a:lstStyle/>
+          <a:p>
+            <a:pPr algn="ctr"/>
+            <a:endParaRPr lang="nl-BE"/>
+          </a:p>
+        </p:txBody>
+      </p:sp>
+      <p:pic>
+        <p:nvPicPr>
+          <p:cNvPr id="1026" name="Picture 2" descr="Afbeeldingsresultaat voor three bees logo">
+            <a:extLst>
+              <a:ext uri="{FF2B5EF4-FFF2-40B4-BE49-F238E27FC236}">
+                <a16:creationId xmlns:a16="http://schemas.microsoft.com/office/drawing/2014/main" id="{6D93AE98-E080-4353-AC39-9F77E11C2785}"/>
+              </a:ext>
+            </a:extLst>
+          </p:cNvPr>
+          <p:cNvPicPr>
+            <a:picLocks noChangeAspect="1" noChangeArrowheads="1"/>
+          </p:cNvPicPr>
+          <p:nvPr/>
+        </p:nvPicPr>
+        <p:blipFill>
+          <a:blip r:embed="rId3">
+            <a:extLst>
+              <a:ext uri="{28A0092B-C50C-407E-A947-70E740481C1C}">
+                <a14:useLocalDpi xmlns:a14="http://schemas.microsoft.com/office/drawing/2010/main" val="0"/>
+              </a:ext>
+            </a:extLst>
+          </a:blip>
+          <a:srcRect/>
+          <a:stretch>
+            <a:fillRect/>
+          </a:stretch>
+        </p:blipFill>
+        <p:spPr bwMode="auto">
+          <a:xfrm>
+            <a:off x="4771519" y="174075"/>
+            <a:ext cx="702930" cy="371850"/>
+          </a:xfrm>
+          <a:prstGeom prst="rect">
+            <a:avLst/>
+          </a:prstGeom>
+          <a:noFill/>
+          <a:extLst>
+            <a:ext uri="{909E8E84-426E-40DD-AFC4-6F175D3DCCD1}">
+              <a14:hiddenFill xmlns:a14="http://schemas.microsoft.com/office/drawing/2010/main">
+                <a:solidFill>
+                  <a:srgbClr val="FFFFFF"/>
+                </a:solidFill>
+              </a14:hiddenFill>
+            </a:ext>
+          </a:extLst>
+        </p:spPr>
+      </p:pic>
+      <p:sp>
+        <p:nvSpPr>
+          <p:cNvPr id="2" name="Rectangle 1">
+            <a:extLst>
+              <a:ext uri="{FF2B5EF4-FFF2-40B4-BE49-F238E27FC236}">
+                <a16:creationId xmlns:a16="http://schemas.microsoft.com/office/drawing/2014/main" id="{75F9711A-A664-44E5-B654-C67ECE4637CD}"/>
+              </a:ext>
+            </a:extLst>
+          </p:cNvPr>
+          <p:cNvSpPr/>
+          <p:nvPr/>
+        </p:nvSpPr>
+        <p:spPr>
+          <a:xfrm>
+            <a:off x="5477684" y="87134"/>
+            <a:ext cx="1236631" cy="545732"/>
+          </a:xfrm>
+          <a:prstGeom prst="rect">
+            <a:avLst/>
+          </a:prstGeom>
+        </p:spPr>
+        <p:style>
+          <a:lnRef idx="2">
+            <a:schemeClr val="dk1">
+              <a:shade val="50000"/>
+            </a:schemeClr>
+          </a:lnRef>
+          <a:fillRef idx="1">
+            <a:schemeClr val="dk1"/>
+          </a:fillRef>
+          <a:effectRef idx="0">
+            <a:schemeClr val="dk1"/>
+          </a:effectRef>
+          <a:fontRef idx="minor">
+            <a:schemeClr val="lt1"/>
+          </a:fontRef>
+        </p:style>
+        <p:txBody>
+          <a:bodyPr rtlCol="0" anchor="ctr"/>
+          <a:lstStyle/>
+          <a:p>
+            <a:pPr algn="ctr"/>
+            <a:r>
+              <a:rPr lang="nl-BE" dirty="0"/>
+              <a:t>3BEES&amp;ME</a:t>
+            </a:r>
+            <a:endParaRPr lang="LID4096" dirty="0"/>
+          </a:p>
+        </p:txBody>
+      </p:sp>
+      <p:sp>
+        <p:nvSpPr>
+          <p:cNvPr id="3" name="TextBox 2">
+            <a:extLst>
+              <a:ext uri="{FF2B5EF4-FFF2-40B4-BE49-F238E27FC236}">
+                <a16:creationId xmlns:a16="http://schemas.microsoft.com/office/drawing/2014/main" id="{E2EEB3FD-6150-4016-94FD-BB52060F8D5E}"/>
+              </a:ext>
+            </a:extLst>
+          </p:cNvPr>
+          <p:cNvSpPr txBox="1"/>
+          <p:nvPr/>
+        </p:nvSpPr>
+        <p:spPr>
+          <a:xfrm>
+            <a:off x="5484782" y="6313336"/>
+            <a:ext cx="1219201" cy="369332"/>
+          </a:xfrm>
+          <a:prstGeom prst="rect">
+            <a:avLst/>
+          </a:prstGeom>
+          <a:noFill/>
+        </p:spPr>
+        <p:txBody>
+          <a:bodyPr wrap="square" rtlCol="0">
+            <a:spAutoFit/>
+          </a:bodyPr>
+          <a:lstStyle/>
+          <a:p>
+            <a:pPr algn="ctr"/>
+            <a:r>
+              <a:rPr lang="nl-BE" dirty="0">
+                <a:solidFill>
+                  <a:schemeClr val="bg1"/>
+                </a:solidFill>
+              </a:rPr>
+              <a:t>is proud of</a:t>
+            </a:r>
+            <a:endParaRPr lang="LID4096" dirty="0">
+              <a:solidFill>
+                <a:schemeClr val="bg1"/>
+              </a:solidFill>
+            </a:endParaRPr>
+          </a:p>
+        </p:txBody>
+      </p:sp>
+      <p:sp>
+        <p:nvSpPr>
+          <p:cNvPr id="4" name="TextBox 3">
+            <a:extLst>
+              <a:ext uri="{FF2B5EF4-FFF2-40B4-BE49-F238E27FC236}">
+                <a16:creationId xmlns:a16="http://schemas.microsoft.com/office/drawing/2014/main" id="{2993F9C0-D9C6-4A40-96D5-31FB3655AE18}"/>
+              </a:ext>
+            </a:extLst>
+          </p:cNvPr>
+          <p:cNvSpPr txBox="1"/>
+          <p:nvPr/>
+        </p:nvSpPr>
+        <p:spPr>
+          <a:xfrm>
+            <a:off x="6703982" y="6313336"/>
+            <a:ext cx="3297268" cy="369332"/>
+          </a:xfrm>
+          <a:prstGeom prst="rect">
+            <a:avLst/>
+          </a:prstGeom>
+          <a:noFill/>
+        </p:spPr>
+        <p:txBody>
+          <a:bodyPr wrap="square" rtlCol="0">
+            <a:spAutoFit/>
+          </a:bodyPr>
+          <a:lstStyle/>
+          <a:p>
+            <a:r>
+              <a:rPr lang="nl-BE" dirty="0"/>
+              <a:t>his coach Badlapje</a:t>
+            </a:r>
+            <a:endParaRPr lang="LID4096" dirty="0"/>
+          </a:p>
+        </p:txBody>
+      </p:sp>
+      <p:sp>
+        <p:nvSpPr>
+          <p:cNvPr id="5" name="TextBox 4">
+            <a:extLst>
+              <a:ext uri="{FF2B5EF4-FFF2-40B4-BE49-F238E27FC236}">
+                <a16:creationId xmlns:a16="http://schemas.microsoft.com/office/drawing/2014/main" id="{0719F7B6-1D76-4D62-9EB7-B04AE387A135}"/>
+              </a:ext>
+            </a:extLst>
+          </p:cNvPr>
+          <p:cNvSpPr txBox="1"/>
+          <p:nvPr/>
+        </p:nvSpPr>
+        <p:spPr>
+          <a:xfrm>
+            <a:off x="3867151" y="6313336"/>
+            <a:ext cx="1713186" cy="369332"/>
+          </a:xfrm>
+          <a:prstGeom prst="rect">
+            <a:avLst/>
+          </a:prstGeom>
+          <a:noFill/>
+        </p:spPr>
+        <p:txBody>
+          <a:bodyPr wrap="square" rtlCol="0">
+            <a:spAutoFit/>
+          </a:bodyPr>
+          <a:lstStyle/>
+          <a:p>
+            <a:pPr algn="r"/>
+            <a:r>
+              <a:rPr lang="nl-BE" dirty="0">
+                <a:solidFill>
+                  <a:schemeClr val="bg1"/>
+                </a:solidFill>
+              </a:rPr>
+              <a:t>BREND</a:t>
+            </a:r>
+            <a:endParaRPr lang="LID4096" dirty="0">
+              <a:solidFill>
+                <a:schemeClr val="bg1"/>
+              </a:solidFill>
+            </a:endParaRPr>
+          </a:p>
+        </p:txBody>
+      </p:sp>
+    </p:spTree>
+    <p:extLst>
+      <p:ext uri="{BB962C8B-B14F-4D97-AF65-F5344CB8AC3E}">
+        <p14:creationId xmlns:p14="http://schemas.microsoft.com/office/powerpoint/2010/main" val="2538337335"/>
+      </p:ext>
+    </p:extLst>
+  </p:cSld>
+  <p:clrMapOvr>
+    <a:masterClrMapping/>
+  </p:clrMapOvr>
+  <mc:AlternateContent xmlns:mc="http://schemas.openxmlformats.org/markup-compatibility/2006">
+    <mc:Choice xmlns:p14="http://schemas.microsoft.com/office/powerpoint/2010/main" Requires="p14">
+      <p:transition spd="med" p14:dur="700">
+        <p:fade/>
+      </p:transition>
+    </mc:Choice>
+    <mc:Fallback>
+      <p:transition spd="med">
+        <p:fade/>
+      </p:transition>
+    </mc:Fallback>
+  </mc:AlternateContent>
+</p:sld>
+</file>
+
+<file path=ppt/slides/slide11.xml><?xml version="1.0" encoding="utf-8"?>
 <p:sld xmlns:a="http://schemas.openxmlformats.org/drawingml/2006/main" xmlns:r="http://schemas.openxmlformats.org/officeDocument/2006/relationships" xmlns:p="http://schemas.openxmlformats.org/presentationml/2006/main">
   <p:cSld>
     <p:bg>
@@ -11719,6 +12269,437 @@
           <a:lstStyle/>
           <a:p>
             <a:pPr algn="ctr"/>
+            <a:endParaRPr lang="nl-BE" dirty="0"/>
+          </a:p>
+        </p:txBody>
+      </p:sp>
+      <p:sp>
+        <p:nvSpPr>
+          <p:cNvPr id="10" name="Rechthoek 9"/>
+          <p:cNvSpPr/>
+          <p:nvPr/>
+        </p:nvSpPr>
+        <p:spPr>
+          <a:xfrm rot="5400000">
+            <a:off x="-2712237" y="2709001"/>
+            <a:ext cx="6138002" cy="720000"/>
+          </a:xfrm>
+          <a:prstGeom prst="rect">
+            <a:avLst/>
+          </a:prstGeom>
+          <a:solidFill>
+            <a:schemeClr val="tx1"/>
+          </a:solidFill>
+          <a:ln w="63500">
+            <a:solidFill>
+              <a:schemeClr val="bg1"/>
+            </a:solidFill>
+          </a:ln>
+        </p:spPr>
+        <p:style>
+          <a:lnRef idx="2">
+            <a:schemeClr val="accent1">
+              <a:shade val="50000"/>
+            </a:schemeClr>
+          </a:lnRef>
+          <a:fillRef idx="1">
+            <a:schemeClr val="accent1"/>
+          </a:fillRef>
+          <a:effectRef idx="0">
+            <a:schemeClr val="accent1"/>
+          </a:effectRef>
+          <a:fontRef idx="minor">
+            <a:schemeClr val="lt1"/>
+          </a:fontRef>
+        </p:style>
+        <p:txBody>
+          <a:bodyPr rtlCol="0" anchor="ctr"/>
+          <a:lstStyle/>
+          <a:p>
+            <a:pPr algn="ctr"/>
+            <a:endParaRPr lang="nl-BE"/>
+          </a:p>
+        </p:txBody>
+      </p:sp>
+      <p:pic>
+        <p:nvPicPr>
+          <p:cNvPr id="1026" name="Picture 2" descr="Afbeeldingsresultaat voor three bees logo">
+            <a:extLst>
+              <a:ext uri="{FF2B5EF4-FFF2-40B4-BE49-F238E27FC236}">
+                <a16:creationId xmlns:a16="http://schemas.microsoft.com/office/drawing/2014/main" id="{6D93AE98-E080-4353-AC39-9F77E11C2785}"/>
+              </a:ext>
+            </a:extLst>
+          </p:cNvPr>
+          <p:cNvPicPr>
+            <a:picLocks noChangeAspect="1" noChangeArrowheads="1"/>
+          </p:cNvPicPr>
+          <p:nvPr/>
+        </p:nvPicPr>
+        <p:blipFill>
+          <a:blip r:embed="rId3">
+            <a:extLst>
+              <a:ext uri="{28A0092B-C50C-407E-A947-70E740481C1C}">
+                <a14:useLocalDpi xmlns:a14="http://schemas.microsoft.com/office/drawing/2010/main" val="0"/>
+              </a:ext>
+            </a:extLst>
+          </a:blip>
+          <a:srcRect/>
+          <a:stretch>
+            <a:fillRect/>
+          </a:stretch>
+        </p:blipFill>
+        <p:spPr bwMode="auto">
+          <a:xfrm>
+            <a:off x="4771519" y="174075"/>
+            <a:ext cx="702930" cy="371850"/>
+          </a:xfrm>
+          <a:prstGeom prst="rect">
+            <a:avLst/>
+          </a:prstGeom>
+          <a:noFill/>
+          <a:extLst>
+            <a:ext uri="{909E8E84-426E-40DD-AFC4-6F175D3DCCD1}">
+              <a14:hiddenFill xmlns:a14="http://schemas.microsoft.com/office/drawing/2010/main">
+                <a:solidFill>
+                  <a:srgbClr val="FFFFFF"/>
+                </a:solidFill>
+              </a14:hiddenFill>
+            </a:ext>
+          </a:extLst>
+        </p:spPr>
+      </p:pic>
+      <p:sp>
+        <p:nvSpPr>
+          <p:cNvPr id="2" name="Rectangle 1">
+            <a:extLst>
+              <a:ext uri="{FF2B5EF4-FFF2-40B4-BE49-F238E27FC236}">
+                <a16:creationId xmlns:a16="http://schemas.microsoft.com/office/drawing/2014/main" id="{75F9711A-A664-44E5-B654-C67ECE4637CD}"/>
+              </a:ext>
+            </a:extLst>
+          </p:cNvPr>
+          <p:cNvSpPr/>
+          <p:nvPr/>
+        </p:nvSpPr>
+        <p:spPr>
+          <a:xfrm>
+            <a:off x="5477684" y="87134"/>
+            <a:ext cx="1236631" cy="545732"/>
+          </a:xfrm>
+          <a:prstGeom prst="rect">
+            <a:avLst/>
+          </a:prstGeom>
+        </p:spPr>
+        <p:style>
+          <a:lnRef idx="2">
+            <a:schemeClr val="dk1">
+              <a:shade val="50000"/>
+            </a:schemeClr>
+          </a:lnRef>
+          <a:fillRef idx="1">
+            <a:schemeClr val="dk1"/>
+          </a:fillRef>
+          <a:effectRef idx="0">
+            <a:schemeClr val="dk1"/>
+          </a:effectRef>
+          <a:fontRef idx="minor">
+            <a:schemeClr val="lt1"/>
+          </a:fontRef>
+        </p:style>
+        <p:txBody>
+          <a:bodyPr rtlCol="0" anchor="ctr"/>
+          <a:lstStyle/>
+          <a:p>
+            <a:pPr algn="ctr"/>
+            <a:r>
+              <a:rPr lang="nl-BE" dirty="0"/>
+              <a:t>3BEES&amp;ME</a:t>
+            </a:r>
+            <a:endParaRPr lang="LID4096" dirty="0"/>
+          </a:p>
+        </p:txBody>
+      </p:sp>
+      <p:pic>
+        <p:nvPicPr>
+          <p:cNvPr id="11" name="Picture 2" descr="Afbeeldingsresultaat voor three bees logo">
+            <a:extLst>
+              <a:ext uri="{FF2B5EF4-FFF2-40B4-BE49-F238E27FC236}">
+                <a16:creationId xmlns:a16="http://schemas.microsoft.com/office/drawing/2014/main" id="{B4615D5B-B048-4326-9746-3C92C77B2A01}"/>
+              </a:ext>
+            </a:extLst>
+          </p:cNvPr>
+          <p:cNvPicPr>
+            <a:picLocks noChangeAspect="1" noChangeArrowheads="1"/>
+          </p:cNvPicPr>
+          <p:nvPr/>
+        </p:nvPicPr>
+        <p:blipFill>
+          <a:blip r:embed="rId3">
+            <a:extLst>
+              <a:ext uri="{28A0092B-C50C-407E-A947-70E740481C1C}">
+                <a14:useLocalDpi xmlns:a14="http://schemas.microsoft.com/office/drawing/2010/main" val="0"/>
+              </a:ext>
+            </a:extLst>
+          </a:blip>
+          <a:srcRect/>
+          <a:stretch>
+            <a:fillRect/>
+          </a:stretch>
+        </p:blipFill>
+        <p:spPr bwMode="auto">
+          <a:xfrm>
+            <a:off x="2395750" y="1471569"/>
+            <a:ext cx="7400498" cy="3914862"/>
+          </a:xfrm>
+          <a:prstGeom prst="rect">
+            <a:avLst/>
+          </a:prstGeom>
+          <a:noFill/>
+          <a:extLst>
+            <a:ext uri="{909E8E84-426E-40DD-AFC4-6F175D3DCCD1}">
+              <a14:hiddenFill xmlns:a14="http://schemas.microsoft.com/office/drawing/2010/main">
+                <a:solidFill>
+                  <a:srgbClr val="FFFFFF"/>
+                </a:solidFill>
+              </a14:hiddenFill>
+            </a:ext>
+          </a:extLst>
+        </p:spPr>
+      </p:pic>
+      <p:sp>
+        <p:nvSpPr>
+          <p:cNvPr id="16" name="TextBox 15">
+            <a:extLst>
+              <a:ext uri="{FF2B5EF4-FFF2-40B4-BE49-F238E27FC236}">
+                <a16:creationId xmlns:a16="http://schemas.microsoft.com/office/drawing/2014/main" id="{6DEC945F-D1C0-4055-B21D-161290ADE164}"/>
+              </a:ext>
+            </a:extLst>
+          </p:cNvPr>
+          <p:cNvSpPr txBox="1"/>
+          <p:nvPr/>
+        </p:nvSpPr>
+        <p:spPr>
+          <a:xfrm>
+            <a:off x="4560894" y="6205614"/>
+            <a:ext cx="3066974" cy="584775"/>
+          </a:xfrm>
+          <a:prstGeom prst="rect">
+            <a:avLst/>
+          </a:prstGeom>
+          <a:noFill/>
+        </p:spPr>
+        <p:txBody>
+          <a:bodyPr wrap="square" rtlCol="0">
+            <a:spAutoFit/>
+          </a:bodyPr>
+          <a:lstStyle/>
+          <a:p>
+            <a:pPr algn="ctr"/>
+            <a:r>
+              <a:rPr lang="nl-BE" sz="3200" dirty="0">
+                <a:solidFill>
+                  <a:schemeClr val="bg1"/>
+                </a:solidFill>
+              </a:rPr>
+              <a:t>WE ARE PROUD</a:t>
+            </a:r>
+            <a:endParaRPr lang="LID4096" sz="3200" dirty="0">
+              <a:solidFill>
+                <a:schemeClr val="bg1"/>
+              </a:solidFill>
+            </a:endParaRPr>
+          </a:p>
+        </p:txBody>
+      </p:sp>
+    </p:spTree>
+    <p:extLst>
+      <p:ext uri="{BB962C8B-B14F-4D97-AF65-F5344CB8AC3E}">
+        <p14:creationId xmlns:p14="http://schemas.microsoft.com/office/powerpoint/2010/main" val="1552030440"/>
+      </p:ext>
+    </p:extLst>
+  </p:cSld>
+  <p:clrMapOvr>
+    <a:masterClrMapping/>
+  </p:clrMapOvr>
+  <mc:AlternateContent xmlns:mc="http://schemas.openxmlformats.org/markup-compatibility/2006">
+    <mc:Choice xmlns:p14="http://schemas.microsoft.com/office/powerpoint/2010/main" Requires="p14">
+      <p:transition spd="med" p14:dur="700">
+        <p:fade/>
+      </p:transition>
+    </mc:Choice>
+    <mc:Fallback>
+      <p:transition spd="med">
+        <p:fade/>
+      </p:transition>
+    </mc:Fallback>
+  </mc:AlternateContent>
+</p:sld>
+</file>
+
+<file path=ppt/slides/slide8.xml><?xml version="1.0" encoding="utf-8"?>
+<p:sld xmlns:a="http://schemas.openxmlformats.org/drawingml/2006/main" xmlns:r="http://schemas.openxmlformats.org/officeDocument/2006/relationships" xmlns:p="http://schemas.openxmlformats.org/presentationml/2006/main">
+  <p:cSld>
+    <p:bg>
+      <p:bgPr>
+        <a:solidFill>
+          <a:schemeClr val="tx1"/>
+        </a:solidFill>
+        <a:effectLst/>
+      </p:bgPr>
+    </p:bg>
+    <p:spTree>
+      <p:nvGrpSpPr>
+        <p:cNvPr id="1" name=""/>
+        <p:cNvGrpSpPr/>
+        <p:nvPr/>
+      </p:nvGrpSpPr>
+      <p:grpSpPr>
+        <a:xfrm>
+          <a:off x="0" y="0"/>
+          <a:ext cx="0" cy="0"/>
+          <a:chOff x="0" y="0"/>
+          <a:chExt cx="0" cy="0"/>
+        </a:xfrm>
+      </p:grpSpPr>
+      <p:sp>
+        <p:nvSpPr>
+          <p:cNvPr id="7" name="Rechthoek 6"/>
+          <p:cNvSpPr/>
+          <p:nvPr/>
+        </p:nvSpPr>
+        <p:spPr>
+          <a:xfrm>
+            <a:off x="716764" y="0"/>
+            <a:ext cx="11472001" cy="720000"/>
+          </a:xfrm>
+          <a:prstGeom prst="rect">
+            <a:avLst/>
+          </a:prstGeom>
+          <a:solidFill>
+            <a:schemeClr val="tx1"/>
+          </a:solidFill>
+          <a:ln w="63500">
+            <a:solidFill>
+              <a:schemeClr val="bg1"/>
+            </a:solidFill>
+          </a:ln>
+        </p:spPr>
+        <p:style>
+          <a:lnRef idx="2">
+            <a:schemeClr val="accent1">
+              <a:shade val="50000"/>
+            </a:schemeClr>
+          </a:lnRef>
+          <a:fillRef idx="1">
+            <a:schemeClr val="accent1"/>
+          </a:fillRef>
+          <a:effectRef idx="0">
+            <a:schemeClr val="accent1"/>
+          </a:effectRef>
+          <a:fontRef idx="minor">
+            <a:schemeClr val="lt1"/>
+          </a:fontRef>
+        </p:style>
+        <p:txBody>
+          <a:bodyPr rtlCol="0" anchor="ctr"/>
+          <a:lstStyle/>
+          <a:p>
+            <a:pPr algn="ctr"/>
+            <a:endParaRPr lang="nl-BE" dirty="0"/>
+          </a:p>
+        </p:txBody>
+      </p:sp>
+      <p:sp>
+        <p:nvSpPr>
+          <p:cNvPr id="8" name="Rechthoek 7"/>
+          <p:cNvSpPr/>
+          <p:nvPr/>
+        </p:nvSpPr>
+        <p:spPr>
+          <a:xfrm rot="5400000">
+            <a:off x="8762999" y="3429001"/>
+            <a:ext cx="6138002" cy="720000"/>
+          </a:xfrm>
+          <a:prstGeom prst="rect">
+            <a:avLst/>
+          </a:prstGeom>
+          <a:solidFill>
+            <a:schemeClr val="tx1"/>
+          </a:solidFill>
+          <a:ln w="63500">
+            <a:solidFill>
+              <a:schemeClr val="bg1"/>
+            </a:solidFill>
+          </a:ln>
+        </p:spPr>
+        <p:style>
+          <a:lnRef idx="2">
+            <a:schemeClr val="accent1">
+              <a:shade val="50000"/>
+            </a:schemeClr>
+          </a:lnRef>
+          <a:fillRef idx="1">
+            <a:schemeClr val="accent1"/>
+          </a:fillRef>
+          <a:effectRef idx="0">
+            <a:schemeClr val="accent1"/>
+          </a:effectRef>
+          <a:fontRef idx="minor">
+            <a:schemeClr val="lt1"/>
+          </a:fontRef>
+        </p:style>
+        <p:txBody>
+          <a:bodyPr rtlCol="0" anchor="ctr"/>
+          <a:lstStyle/>
+          <a:p>
+            <a:pPr algn="ctr"/>
+            <a:endParaRPr lang="nl-BE"/>
+          </a:p>
+        </p:txBody>
+      </p:sp>
+      <p:sp>
+        <p:nvSpPr>
+          <p:cNvPr id="9" name="Rechthoek 8"/>
+          <p:cNvSpPr/>
+          <p:nvPr/>
+        </p:nvSpPr>
+        <p:spPr>
+          <a:xfrm rot="10800000">
+            <a:off x="-3236" y="6138002"/>
+            <a:ext cx="11475236" cy="720000"/>
+          </a:xfrm>
+          <a:prstGeom prst="rect">
+            <a:avLst/>
+          </a:prstGeom>
+          <a:solidFill>
+            <a:schemeClr val="tx1"/>
+          </a:solidFill>
+          <a:ln w="63500">
+            <a:solidFill>
+              <a:schemeClr val="bg1"/>
+            </a:solidFill>
+          </a:ln>
+        </p:spPr>
+        <p:style>
+          <a:lnRef idx="2">
+            <a:schemeClr val="accent1">
+              <a:shade val="50000"/>
+            </a:schemeClr>
+          </a:lnRef>
+          <a:fillRef idx="1">
+            <a:schemeClr val="accent1"/>
+          </a:fillRef>
+          <a:effectRef idx="0">
+            <a:schemeClr val="accent1"/>
+          </a:effectRef>
+          <a:fontRef idx="minor">
+            <a:schemeClr val="lt1"/>
+          </a:fontRef>
+        </p:style>
+        <p:txBody>
+          <a:bodyPr rtlCol="0" anchor="ctr"/>
+          <a:lstStyle/>
+          <a:p>
+            <a:pPr algn="ctr"/>
             <a:endParaRPr lang="nl-BE"/>
           </a:p>
         </p:txBody>
@@ -12162,471 +13143,6 @@
 </p:sld>
 </file>
 
-<file path=ppt/slides/slide8.xml><?xml version="1.0" encoding="utf-8"?>
-<p:sld xmlns:a="http://schemas.openxmlformats.org/drawingml/2006/main" xmlns:r="http://schemas.openxmlformats.org/officeDocument/2006/relationships" xmlns:p="http://schemas.openxmlformats.org/presentationml/2006/main">
-  <p:cSld>
-    <p:bg>
-      <p:bgPr>
-        <a:solidFill>
-          <a:schemeClr val="tx1"/>
-        </a:solidFill>
-        <a:effectLst/>
-      </p:bgPr>
-    </p:bg>
-    <p:spTree>
-      <p:nvGrpSpPr>
-        <p:cNvPr id="1" name=""/>
-        <p:cNvGrpSpPr/>
-        <p:nvPr/>
-      </p:nvGrpSpPr>
-      <p:grpSpPr>
-        <a:xfrm>
-          <a:off x="0" y="0"/>
-          <a:ext cx="0" cy="0"/>
-          <a:chOff x="0" y="0"/>
-          <a:chExt cx="0" cy="0"/>
-        </a:xfrm>
-      </p:grpSpPr>
-      <p:sp>
-        <p:nvSpPr>
-          <p:cNvPr id="7" name="Rechthoek 6"/>
-          <p:cNvSpPr/>
-          <p:nvPr/>
-        </p:nvSpPr>
-        <p:spPr>
-          <a:xfrm>
-            <a:off x="716764" y="0"/>
-            <a:ext cx="11472001" cy="720000"/>
-          </a:xfrm>
-          <a:prstGeom prst="rect">
-            <a:avLst/>
-          </a:prstGeom>
-          <a:solidFill>
-            <a:schemeClr val="tx1"/>
-          </a:solidFill>
-          <a:ln w="63500">
-            <a:solidFill>
-              <a:schemeClr val="bg1"/>
-            </a:solidFill>
-          </a:ln>
-        </p:spPr>
-        <p:style>
-          <a:lnRef idx="2">
-            <a:schemeClr val="accent1">
-              <a:shade val="50000"/>
-            </a:schemeClr>
-          </a:lnRef>
-          <a:fillRef idx="1">
-            <a:schemeClr val="accent1"/>
-          </a:fillRef>
-          <a:effectRef idx="0">
-            <a:schemeClr val="accent1"/>
-          </a:effectRef>
-          <a:fontRef idx="minor">
-            <a:schemeClr val="lt1"/>
-          </a:fontRef>
-        </p:style>
-        <p:txBody>
-          <a:bodyPr rtlCol="0" anchor="ctr"/>
-          <a:lstStyle/>
-          <a:p>
-            <a:pPr algn="ctr"/>
-            <a:endParaRPr lang="nl-BE" dirty="0"/>
-          </a:p>
-        </p:txBody>
-      </p:sp>
-      <p:sp>
-        <p:nvSpPr>
-          <p:cNvPr id="8" name="Rechthoek 7"/>
-          <p:cNvSpPr/>
-          <p:nvPr/>
-        </p:nvSpPr>
-        <p:spPr>
-          <a:xfrm rot="5400000">
-            <a:off x="8762999" y="3429001"/>
-            <a:ext cx="6138002" cy="720000"/>
-          </a:xfrm>
-          <a:prstGeom prst="rect">
-            <a:avLst/>
-          </a:prstGeom>
-          <a:solidFill>
-            <a:schemeClr val="tx1"/>
-          </a:solidFill>
-          <a:ln w="63500">
-            <a:solidFill>
-              <a:schemeClr val="bg1"/>
-            </a:solidFill>
-          </a:ln>
-        </p:spPr>
-        <p:style>
-          <a:lnRef idx="2">
-            <a:schemeClr val="accent1">
-              <a:shade val="50000"/>
-            </a:schemeClr>
-          </a:lnRef>
-          <a:fillRef idx="1">
-            <a:schemeClr val="accent1"/>
-          </a:fillRef>
-          <a:effectRef idx="0">
-            <a:schemeClr val="accent1"/>
-          </a:effectRef>
-          <a:fontRef idx="minor">
-            <a:schemeClr val="lt1"/>
-          </a:fontRef>
-        </p:style>
-        <p:txBody>
-          <a:bodyPr rtlCol="0" anchor="ctr"/>
-          <a:lstStyle/>
-          <a:p>
-            <a:pPr algn="ctr"/>
-            <a:endParaRPr lang="nl-BE"/>
-          </a:p>
-        </p:txBody>
-      </p:sp>
-      <p:sp>
-        <p:nvSpPr>
-          <p:cNvPr id="9" name="Rechthoek 8"/>
-          <p:cNvSpPr/>
-          <p:nvPr/>
-        </p:nvSpPr>
-        <p:spPr>
-          <a:xfrm rot="10800000">
-            <a:off x="-3236" y="6138002"/>
-            <a:ext cx="11475236" cy="720000"/>
-          </a:xfrm>
-          <a:prstGeom prst="rect">
-            <a:avLst/>
-          </a:prstGeom>
-          <a:solidFill>
-            <a:schemeClr val="tx1"/>
-          </a:solidFill>
-          <a:ln w="63500">
-            <a:solidFill>
-              <a:schemeClr val="bg1"/>
-            </a:solidFill>
-          </a:ln>
-        </p:spPr>
-        <p:style>
-          <a:lnRef idx="2">
-            <a:schemeClr val="accent1">
-              <a:shade val="50000"/>
-            </a:schemeClr>
-          </a:lnRef>
-          <a:fillRef idx="1">
-            <a:schemeClr val="accent1"/>
-          </a:fillRef>
-          <a:effectRef idx="0">
-            <a:schemeClr val="accent1"/>
-          </a:effectRef>
-          <a:fontRef idx="minor">
-            <a:schemeClr val="lt1"/>
-          </a:fontRef>
-        </p:style>
-        <p:txBody>
-          <a:bodyPr rtlCol="0" anchor="ctr"/>
-          <a:lstStyle/>
-          <a:p>
-            <a:pPr algn="ctr"/>
-            <a:endParaRPr lang="nl-BE"/>
-          </a:p>
-        </p:txBody>
-      </p:sp>
-      <p:sp>
-        <p:nvSpPr>
-          <p:cNvPr id="10" name="Rechthoek 9"/>
-          <p:cNvSpPr/>
-          <p:nvPr/>
-        </p:nvSpPr>
-        <p:spPr>
-          <a:xfrm rot="5400000">
-            <a:off x="-2712237" y="2709001"/>
-            <a:ext cx="6138002" cy="720000"/>
-          </a:xfrm>
-          <a:prstGeom prst="rect">
-            <a:avLst/>
-          </a:prstGeom>
-          <a:solidFill>
-            <a:schemeClr val="tx1"/>
-          </a:solidFill>
-          <a:ln w="63500">
-            <a:solidFill>
-              <a:schemeClr val="bg1"/>
-            </a:solidFill>
-          </a:ln>
-        </p:spPr>
-        <p:style>
-          <a:lnRef idx="2">
-            <a:schemeClr val="accent1">
-              <a:shade val="50000"/>
-            </a:schemeClr>
-          </a:lnRef>
-          <a:fillRef idx="1">
-            <a:schemeClr val="accent1"/>
-          </a:fillRef>
-          <a:effectRef idx="0">
-            <a:schemeClr val="accent1"/>
-          </a:effectRef>
-          <a:fontRef idx="minor">
-            <a:schemeClr val="lt1"/>
-          </a:fontRef>
-        </p:style>
-        <p:txBody>
-          <a:bodyPr rtlCol="0" anchor="ctr"/>
-          <a:lstStyle/>
-          <a:p>
-            <a:pPr algn="ctr"/>
-            <a:endParaRPr lang="nl-BE"/>
-          </a:p>
-        </p:txBody>
-      </p:sp>
-      <p:pic>
-        <p:nvPicPr>
-          <p:cNvPr id="1026" name="Picture 2" descr="Afbeeldingsresultaat voor three bees logo">
-            <a:extLst>
-              <a:ext uri="{FF2B5EF4-FFF2-40B4-BE49-F238E27FC236}">
-                <a16:creationId xmlns:a16="http://schemas.microsoft.com/office/drawing/2014/main" id="{6D93AE98-E080-4353-AC39-9F77E11C2785}"/>
-              </a:ext>
-            </a:extLst>
-          </p:cNvPr>
-          <p:cNvPicPr>
-            <a:picLocks noChangeAspect="1" noChangeArrowheads="1"/>
-          </p:cNvPicPr>
-          <p:nvPr/>
-        </p:nvPicPr>
-        <p:blipFill>
-          <a:blip r:embed="rId3">
-            <a:extLst>
-              <a:ext uri="{28A0092B-C50C-407E-A947-70E740481C1C}">
-                <a14:useLocalDpi xmlns:a14="http://schemas.microsoft.com/office/drawing/2010/main" val="0"/>
-              </a:ext>
-            </a:extLst>
-          </a:blip>
-          <a:srcRect/>
-          <a:stretch>
-            <a:fillRect/>
-          </a:stretch>
-        </p:blipFill>
-        <p:spPr bwMode="auto">
-          <a:xfrm>
-            <a:off x="4771519" y="174075"/>
-            <a:ext cx="702930" cy="371850"/>
-          </a:xfrm>
-          <a:prstGeom prst="rect">
-            <a:avLst/>
-          </a:prstGeom>
-          <a:noFill/>
-          <a:extLst>
-            <a:ext uri="{909E8E84-426E-40DD-AFC4-6F175D3DCCD1}">
-              <a14:hiddenFill xmlns:a14="http://schemas.microsoft.com/office/drawing/2010/main">
-                <a:solidFill>
-                  <a:srgbClr val="FFFFFF"/>
-                </a:solidFill>
-              </a14:hiddenFill>
-            </a:ext>
-          </a:extLst>
-        </p:spPr>
-      </p:pic>
-      <p:sp>
-        <p:nvSpPr>
-          <p:cNvPr id="2" name="Rectangle 1">
-            <a:extLst>
-              <a:ext uri="{FF2B5EF4-FFF2-40B4-BE49-F238E27FC236}">
-                <a16:creationId xmlns:a16="http://schemas.microsoft.com/office/drawing/2014/main" id="{75F9711A-A664-44E5-B654-C67ECE4637CD}"/>
-              </a:ext>
-            </a:extLst>
-          </p:cNvPr>
-          <p:cNvSpPr/>
-          <p:nvPr/>
-        </p:nvSpPr>
-        <p:spPr>
-          <a:xfrm>
-            <a:off x="5477684" y="87134"/>
-            <a:ext cx="1236631" cy="545732"/>
-          </a:xfrm>
-          <a:prstGeom prst="rect">
-            <a:avLst/>
-          </a:prstGeom>
-        </p:spPr>
-        <p:style>
-          <a:lnRef idx="2">
-            <a:schemeClr val="dk1">
-              <a:shade val="50000"/>
-            </a:schemeClr>
-          </a:lnRef>
-          <a:fillRef idx="1">
-            <a:schemeClr val="dk1"/>
-          </a:fillRef>
-          <a:effectRef idx="0">
-            <a:schemeClr val="dk1"/>
-          </a:effectRef>
-          <a:fontRef idx="minor">
-            <a:schemeClr val="lt1"/>
-          </a:fontRef>
-        </p:style>
-        <p:txBody>
-          <a:bodyPr rtlCol="0" anchor="ctr"/>
-          <a:lstStyle/>
-          <a:p>
-            <a:pPr algn="ctr"/>
-            <a:r>
-              <a:rPr lang="nl-BE" dirty="0"/>
-              <a:t>3BEES&amp;ME</a:t>
-            </a:r>
-            <a:endParaRPr lang="LID4096" dirty="0"/>
-          </a:p>
-        </p:txBody>
-      </p:sp>
-      <p:sp>
-        <p:nvSpPr>
-          <p:cNvPr id="3" name="TextBox 2">
-            <a:extLst>
-              <a:ext uri="{FF2B5EF4-FFF2-40B4-BE49-F238E27FC236}">
-                <a16:creationId xmlns:a16="http://schemas.microsoft.com/office/drawing/2014/main" id="{E2EEB3FD-6150-4016-94FD-BB52060F8D5E}"/>
-              </a:ext>
-            </a:extLst>
-          </p:cNvPr>
-          <p:cNvSpPr txBox="1"/>
-          <p:nvPr/>
-        </p:nvSpPr>
-        <p:spPr>
-          <a:xfrm>
-            <a:off x="5484782" y="6313336"/>
-            <a:ext cx="1219201" cy="369332"/>
-          </a:xfrm>
-          <a:prstGeom prst="rect">
-            <a:avLst/>
-          </a:prstGeom>
-          <a:noFill/>
-        </p:spPr>
-        <p:txBody>
-          <a:bodyPr wrap="square" rtlCol="0">
-            <a:spAutoFit/>
-          </a:bodyPr>
-          <a:lstStyle/>
-          <a:p>
-            <a:pPr algn="ctr"/>
-            <a:r>
-              <a:rPr lang="nl-BE" dirty="0">
-                <a:solidFill>
-                  <a:schemeClr val="bg1"/>
-                </a:solidFill>
-              </a:rPr>
-              <a:t>is proud of</a:t>
-            </a:r>
-            <a:endParaRPr lang="LID4096" dirty="0">
-              <a:solidFill>
-                <a:schemeClr val="bg1"/>
-              </a:solidFill>
-            </a:endParaRPr>
-          </a:p>
-        </p:txBody>
-      </p:sp>
-      <p:sp>
-        <p:nvSpPr>
-          <p:cNvPr id="4" name="TextBox 3">
-            <a:extLst>
-              <a:ext uri="{FF2B5EF4-FFF2-40B4-BE49-F238E27FC236}">
-                <a16:creationId xmlns:a16="http://schemas.microsoft.com/office/drawing/2014/main" id="{2993F9C0-D9C6-4A40-96D5-31FB3655AE18}"/>
-              </a:ext>
-            </a:extLst>
-          </p:cNvPr>
-          <p:cNvSpPr txBox="1"/>
-          <p:nvPr/>
-        </p:nvSpPr>
-        <p:spPr>
-          <a:xfrm>
-            <a:off x="6703982" y="6313336"/>
-            <a:ext cx="3325843" cy="369332"/>
-          </a:xfrm>
-          <a:prstGeom prst="rect">
-            <a:avLst/>
-          </a:prstGeom>
-          <a:noFill/>
-        </p:spPr>
-        <p:txBody>
-          <a:bodyPr wrap="square" rtlCol="0">
-            <a:spAutoFit/>
-          </a:bodyPr>
-          <a:lstStyle/>
-          <a:p>
-            <a:r>
-              <a:rPr lang="nl-BE" dirty="0"/>
-              <a:t>his coach Badlapje</a:t>
-            </a:r>
-            <a:endParaRPr lang="LID4096" dirty="0"/>
-          </a:p>
-        </p:txBody>
-      </p:sp>
-      <p:sp>
-        <p:nvSpPr>
-          <p:cNvPr id="5" name="TextBox 4">
-            <a:extLst>
-              <a:ext uri="{FF2B5EF4-FFF2-40B4-BE49-F238E27FC236}">
-                <a16:creationId xmlns:a16="http://schemas.microsoft.com/office/drawing/2014/main" id="{0719F7B6-1D76-4D62-9EB7-B04AE387A135}"/>
-              </a:ext>
-            </a:extLst>
-          </p:cNvPr>
-          <p:cNvSpPr txBox="1"/>
-          <p:nvPr/>
-        </p:nvSpPr>
-        <p:spPr>
-          <a:xfrm>
-            <a:off x="3867151" y="6313336"/>
-            <a:ext cx="1713186" cy="369332"/>
-          </a:xfrm>
-          <a:prstGeom prst="rect">
-            <a:avLst/>
-          </a:prstGeom>
-          <a:noFill/>
-        </p:spPr>
-        <p:txBody>
-          <a:bodyPr wrap="square" rtlCol="0">
-            <a:spAutoFit/>
-          </a:bodyPr>
-          <a:lstStyle/>
-          <a:p>
-            <a:pPr algn="r"/>
-            <a:r>
-              <a:rPr lang="nl-BE" dirty="0">
-                <a:solidFill>
-                  <a:schemeClr val="bg1"/>
-                </a:solidFill>
-              </a:rPr>
-              <a:t>BERT</a:t>
-            </a:r>
-            <a:endParaRPr lang="LID4096" dirty="0">
-              <a:solidFill>
-                <a:schemeClr val="bg1"/>
-              </a:solidFill>
-            </a:endParaRPr>
-          </a:p>
-        </p:txBody>
-      </p:sp>
-    </p:spTree>
-    <p:extLst>
-      <p:ext uri="{BB962C8B-B14F-4D97-AF65-F5344CB8AC3E}">
-        <p14:creationId xmlns:p14="http://schemas.microsoft.com/office/powerpoint/2010/main" val="3732158348"/>
-      </p:ext>
-    </p:extLst>
-  </p:cSld>
-  <p:clrMapOvr>
-    <a:masterClrMapping/>
-  </p:clrMapOvr>
-  <mc:AlternateContent xmlns:mc="http://schemas.openxmlformats.org/markup-compatibility/2006">
-    <mc:Choice xmlns:p14="http://schemas.microsoft.com/office/powerpoint/2010/main" Requires="p14">
-      <p:transition spd="med" p14:dur="700">
-        <p:fade/>
-      </p:transition>
-    </mc:Choice>
-    <mc:Fallback>
-      <p:transition spd="med">
-        <p:fade/>
-      </p:transition>
-    </mc:Fallback>
-  </mc:AlternateContent>
-</p:sld>
-</file>
-
 <file path=ppt/slides/slide9.xml><?xml version="1.0" encoding="utf-8"?>
 <p:sld xmlns:a="http://schemas.openxmlformats.org/drawingml/2006/main" xmlns:r="http://schemas.openxmlformats.org/officeDocument/2006/relationships" xmlns:p="http://schemas.openxmlformats.org/presentationml/2006/main">
   <p:cSld>
@@ -13001,7 +13517,7 @@
         <p:spPr>
           <a:xfrm>
             <a:off x="6703982" y="6313336"/>
-            <a:ext cx="3297268" cy="369332"/>
+            <a:ext cx="3325843" cy="369332"/>
           </a:xfrm>
           <a:prstGeom prst="rect">
             <a:avLst/>
@@ -13057,7 +13573,7 @@
                   <a:schemeClr val="bg1"/>
                 </a:solidFill>
               </a:rPr>
-              <a:t>BREND</a:t>
+              <a:t>BERT</a:t>
             </a:r>
             <a:endParaRPr lang="LID4096" dirty="0">
               <a:solidFill>
@@ -13070,7 +13586,7 @@
     </p:spTree>
     <p:extLst>
       <p:ext uri="{BB962C8B-B14F-4D97-AF65-F5344CB8AC3E}">
-        <p14:creationId xmlns:p14="http://schemas.microsoft.com/office/powerpoint/2010/main" val="2538337335"/>
+        <p14:creationId xmlns:p14="http://schemas.microsoft.com/office/powerpoint/2010/main" val="3732158348"/>
       </p:ext>
     </p:extLst>
   </p:cSld>

--- a/documents/presentatie.pptx
+++ b/documents/presentatie.pptx
@@ -16,9 +16,9 @@
     <p:sldId id="295" r:id="rId7"/>
     <p:sldId id="297" r:id="rId8"/>
     <p:sldId id="287" r:id="rId9"/>
-    <p:sldId id="289" r:id="rId10"/>
-    <p:sldId id="290" r:id="rId11"/>
-    <p:sldId id="291" r:id="rId12"/>
+    <p:sldId id="298" r:id="rId10"/>
+    <p:sldId id="299" r:id="rId11"/>
+    <p:sldId id="300" r:id="rId12"/>
   </p:sldIdLst>
   <p:sldSz cx="12192000" cy="6858000"/>
   <p:notesSz cx="6858000" cy="9144000"/>
@@ -644,7 +644,7 @@
     </p:spTree>
     <p:extLst>
       <p:ext uri="{BB962C8B-B14F-4D97-AF65-F5344CB8AC3E}">
-        <p14:creationId xmlns:p14="http://schemas.microsoft.com/office/powerpoint/2010/main" val="2900652606"/>
+        <p14:creationId xmlns:p14="http://schemas.microsoft.com/office/powerpoint/2010/main" val="4004016923"/>
       </p:ext>
     </p:extLst>
   </p:cSld>
@@ -728,7 +728,7 @@
     </p:spTree>
     <p:extLst>
       <p:ext uri="{BB962C8B-B14F-4D97-AF65-F5344CB8AC3E}">
-        <p14:creationId xmlns:p14="http://schemas.microsoft.com/office/powerpoint/2010/main" val="1673945405"/>
+        <p14:creationId xmlns:p14="http://schemas.microsoft.com/office/powerpoint/2010/main" val="3996560328"/>
       </p:ext>
     </p:extLst>
   </p:cSld>
@@ -1400,7 +1400,7 @@
     </p:spTree>
     <p:extLst>
       <p:ext uri="{BB962C8B-B14F-4D97-AF65-F5344CB8AC3E}">
-        <p14:creationId xmlns:p14="http://schemas.microsoft.com/office/powerpoint/2010/main" val="2104699543"/>
+        <p14:creationId xmlns:p14="http://schemas.microsoft.com/office/powerpoint/2010/main" val="2199196747"/>
       </p:ext>
     </p:extLst>
   </p:cSld>
@@ -5220,13 +5220,13 @@
   <p:clrMapOvr>
     <a:masterClrMapping/>
   </p:clrMapOvr>
-  <mc:AlternateContent xmlns:mc="http://schemas.openxmlformats.org/markup-compatibility/2006">
-    <mc:Choice xmlns:p14="http://schemas.microsoft.com/office/powerpoint/2010/main" Requires="p14">
+  <mc:AlternateContent xmlns:mc="http://schemas.openxmlformats.org/markup-compatibility/2006" xmlns:p14="http://schemas.microsoft.com/office/powerpoint/2010/main">
+    <mc:Choice Requires="p14">
       <p:transition spd="med" p14:dur="700">
         <p:fade/>
       </p:transition>
     </mc:Choice>
-    <mc:Fallback>
+    <mc:Fallback xmlns="">
       <p:transition spd="med">
         <p:fade/>
       </p:transition>
@@ -5890,8 +5890,8 @@
         </p:nvSpPr>
         <p:spPr>
           <a:xfrm>
-            <a:off x="6703982" y="6313336"/>
-            <a:ext cx="3297268" cy="369332"/>
+            <a:off x="6703981" y="6313336"/>
+            <a:ext cx="3430619" cy="369332"/>
           </a:xfrm>
           <a:prstGeom prst="rect">
             <a:avLst/>
@@ -5926,7 +5926,7 @@
         </p:nvSpPr>
         <p:spPr>
           <a:xfrm>
-            <a:off x="3867151" y="6313336"/>
+            <a:off x="3925773" y="6313336"/>
             <a:ext cx="1713186" cy="369332"/>
           </a:xfrm>
           <a:prstGeom prst="rect">
@@ -5960,20 +5960,20 @@
     </p:spTree>
     <p:extLst>
       <p:ext uri="{BB962C8B-B14F-4D97-AF65-F5344CB8AC3E}">
-        <p14:creationId xmlns:p14="http://schemas.microsoft.com/office/powerpoint/2010/main" val="2538337335"/>
+        <p14:creationId xmlns:p14="http://schemas.microsoft.com/office/powerpoint/2010/main" val="3216808745"/>
       </p:ext>
     </p:extLst>
   </p:cSld>
   <p:clrMapOvr>
     <a:masterClrMapping/>
   </p:clrMapOvr>
-  <mc:AlternateContent xmlns:mc="http://schemas.openxmlformats.org/markup-compatibility/2006">
-    <mc:Choice xmlns:p14="http://schemas.microsoft.com/office/powerpoint/2010/main" Requires="p14">
+  <mc:AlternateContent xmlns:mc="http://schemas.openxmlformats.org/markup-compatibility/2006" xmlns:p14="http://schemas.microsoft.com/office/powerpoint/2010/main">
+    <mc:Choice Requires="p14">
       <p:transition spd="med" p14:dur="700">
         <p:fade/>
       </p:transition>
     </mc:Choice>
-    <mc:Fallback>
+    <mc:Fallback xmlns="">
       <p:transition spd="med">
         <p:fade/>
       </p:transition>
@@ -6355,8 +6355,8 @@
         </p:nvSpPr>
         <p:spPr>
           <a:xfrm>
-            <a:off x="6703982" y="6313336"/>
-            <a:ext cx="3192493" cy="369332"/>
+            <a:off x="6703981" y="6313336"/>
+            <a:ext cx="3430619" cy="369332"/>
           </a:xfrm>
           <a:prstGeom prst="rect">
             <a:avLst/>
@@ -6391,7 +6391,7 @@
         </p:nvSpPr>
         <p:spPr>
           <a:xfrm>
-            <a:off x="3867151" y="6313336"/>
+            <a:off x="3925773" y="6313336"/>
             <a:ext cx="1713186" cy="369332"/>
           </a:xfrm>
           <a:prstGeom prst="rect">
@@ -6425,20 +6425,20 @@
     </p:spTree>
     <p:extLst>
       <p:ext uri="{BB962C8B-B14F-4D97-AF65-F5344CB8AC3E}">
-        <p14:creationId xmlns:p14="http://schemas.microsoft.com/office/powerpoint/2010/main" val="1569760501"/>
+        <p14:creationId xmlns:p14="http://schemas.microsoft.com/office/powerpoint/2010/main" val="1276260266"/>
       </p:ext>
     </p:extLst>
   </p:cSld>
   <p:clrMapOvr>
     <a:masterClrMapping/>
   </p:clrMapOvr>
-  <mc:AlternateContent xmlns:mc="http://schemas.openxmlformats.org/markup-compatibility/2006">
-    <mc:Choice xmlns:p14="http://schemas.microsoft.com/office/powerpoint/2010/main" Requires="p14">
+  <mc:AlternateContent xmlns:mc="http://schemas.openxmlformats.org/markup-compatibility/2006" xmlns:p14="http://schemas.microsoft.com/office/powerpoint/2010/main">
+    <mc:Choice Requires="p14">
       <p:transition spd="med" p14:dur="700">
         <p:fade/>
       </p:transition>
     </mc:Choice>
-    <mc:Fallback>
+    <mc:Fallback xmlns="">
       <p:transition spd="med">
         <p:fade/>
       </p:transition>
@@ -6863,13 +6863,13 @@
   <p:clrMapOvr>
     <a:masterClrMapping/>
   </p:clrMapOvr>
-  <mc:AlternateContent xmlns:mc="http://schemas.openxmlformats.org/markup-compatibility/2006">
-    <mc:Choice xmlns:p14="http://schemas.microsoft.com/office/powerpoint/2010/main" Requires="p14">
+  <mc:AlternateContent xmlns:mc="http://schemas.openxmlformats.org/markup-compatibility/2006" xmlns:p14="http://schemas.microsoft.com/office/powerpoint/2010/main">
+    <mc:Choice Requires="p14">
       <p:transition spd="med" p14:dur="700">
         <p:fade/>
       </p:transition>
     </mc:Choice>
-    <mc:Fallback>
+    <mc:Fallback xmlns="">
       <p:transition spd="med">
         <p:fade/>
       </p:transition>
@@ -11233,13 +11233,13 @@
   <p:clrMapOvr>
     <a:masterClrMapping/>
   </p:clrMapOvr>
-  <mc:AlternateContent xmlns:mc="http://schemas.openxmlformats.org/markup-compatibility/2006">
-    <mc:Choice xmlns:p14="http://schemas.microsoft.com/office/powerpoint/2010/main" Requires="p14">
+  <mc:AlternateContent xmlns:mc="http://schemas.openxmlformats.org/markup-compatibility/2006" xmlns:p14="http://schemas.microsoft.com/office/powerpoint/2010/main">
+    <mc:Choice Requires="p14">
       <p:transition spd="med" p14:dur="700">
         <p:fade/>
       </p:transition>
     </mc:Choice>
-    <mc:Fallback>
+    <mc:Fallback xmlns="">
       <p:transition spd="med">
         <p:fade/>
       </p:transition>
@@ -11661,13 +11661,13 @@
   <p:clrMapOvr>
     <a:masterClrMapping/>
   </p:clrMapOvr>
-  <mc:AlternateContent xmlns:mc="http://schemas.openxmlformats.org/markup-compatibility/2006">
-    <mc:Choice xmlns:p14="http://schemas.microsoft.com/office/powerpoint/2010/main" Requires="p14">
+  <mc:AlternateContent xmlns:mc="http://schemas.openxmlformats.org/markup-compatibility/2006" xmlns:p14="http://schemas.microsoft.com/office/powerpoint/2010/main">
+    <mc:Choice Requires="p14">
       <p:transition spd="med" p14:dur="700">
         <p:fade/>
       </p:transition>
     </mc:Choice>
-    <mc:Fallback>
+    <mc:Fallback xmlns="">
       <p:transition spd="med">
         <p:fade/>
       </p:transition>
@@ -12089,13 +12089,13 @@
   <p:clrMapOvr>
     <a:masterClrMapping/>
   </p:clrMapOvr>
-  <mc:AlternateContent xmlns:mc="http://schemas.openxmlformats.org/markup-compatibility/2006">
-    <mc:Choice xmlns:p14="http://schemas.microsoft.com/office/powerpoint/2010/main" Requires="p14">
+  <mc:AlternateContent xmlns:mc="http://schemas.openxmlformats.org/markup-compatibility/2006" xmlns:p14="http://schemas.microsoft.com/office/powerpoint/2010/main">
+    <mc:Choice Requires="p14">
       <p:transition spd="med" p14:dur="700">
         <p:fade/>
       </p:transition>
     </mc:Choice>
-    <mc:Fallback>
+    <mc:Fallback xmlns="">
       <p:transition spd="med">
         <p:fade/>
       </p:transition>
@@ -12520,13 +12520,13 @@
   <p:clrMapOvr>
     <a:masterClrMapping/>
   </p:clrMapOvr>
-  <mc:AlternateContent xmlns:mc="http://schemas.openxmlformats.org/markup-compatibility/2006">
-    <mc:Choice xmlns:p14="http://schemas.microsoft.com/office/powerpoint/2010/main" Requires="p14">
+  <mc:AlternateContent xmlns:mc="http://schemas.openxmlformats.org/markup-compatibility/2006" xmlns:p14="http://schemas.microsoft.com/office/powerpoint/2010/main">
+    <mc:Choice Requires="p14">
       <p:transition spd="med" p14:dur="700">
         <p:fade/>
       </p:transition>
     </mc:Choice>
-    <mc:Fallback>
+    <mc:Fallback xmlns="">
       <p:transition spd="med">
         <p:fade/>
       </p:transition>
@@ -12944,7 +12944,7 @@
         </p:nvSpPr>
         <p:spPr>
           <a:xfrm>
-            <a:off x="3867151" y="6313336"/>
+            <a:off x="3925773" y="6313336"/>
             <a:ext cx="1713186" cy="369332"/>
           </a:xfrm>
           <a:prstGeom prst="rect">
@@ -13045,13 +13045,13 @@
   <p:clrMapOvr>
     <a:masterClrMapping/>
   </p:clrMapOvr>
-  <mc:AlternateContent xmlns:mc="http://schemas.openxmlformats.org/markup-compatibility/2006">
-    <mc:Choice xmlns:p14="http://schemas.microsoft.com/office/powerpoint/2010/main" Requires="p14">
+  <mc:AlternateContent xmlns:mc="http://schemas.openxmlformats.org/markup-compatibility/2006" xmlns:p14="http://schemas.microsoft.com/office/powerpoint/2010/main">
+    <mc:Choice Requires="p14">
       <p:transition spd="med" p14:dur="700">
         <p:fade/>
       </p:transition>
     </mc:Choice>
-    <mc:Fallback>
+    <mc:Fallback xmlns="">
       <p:transition spd="med">
         <p:fade/>
       </p:transition>
@@ -13516,8 +13516,8 @@
         </p:nvSpPr>
         <p:spPr>
           <a:xfrm>
-            <a:off x="6703982" y="6313336"/>
-            <a:ext cx="3325843" cy="369332"/>
+            <a:off x="6703981" y="6313336"/>
+            <a:ext cx="3430619" cy="369332"/>
           </a:xfrm>
           <a:prstGeom prst="rect">
             <a:avLst/>
@@ -13552,7 +13552,7 @@
         </p:nvSpPr>
         <p:spPr>
           <a:xfrm>
-            <a:off x="3867151" y="6313336"/>
+            <a:off x="3925773" y="6313336"/>
             <a:ext cx="1713186" cy="369332"/>
           </a:xfrm>
           <a:prstGeom prst="rect">
@@ -13586,20 +13586,20 @@
     </p:spTree>
     <p:extLst>
       <p:ext uri="{BB962C8B-B14F-4D97-AF65-F5344CB8AC3E}">
-        <p14:creationId xmlns:p14="http://schemas.microsoft.com/office/powerpoint/2010/main" val="3732158348"/>
+        <p14:creationId xmlns:p14="http://schemas.microsoft.com/office/powerpoint/2010/main" val="3535261840"/>
       </p:ext>
     </p:extLst>
   </p:cSld>
   <p:clrMapOvr>
     <a:masterClrMapping/>
   </p:clrMapOvr>
-  <mc:AlternateContent xmlns:mc="http://schemas.openxmlformats.org/markup-compatibility/2006">
-    <mc:Choice xmlns:p14="http://schemas.microsoft.com/office/powerpoint/2010/main" Requires="p14">
+  <mc:AlternateContent xmlns:mc="http://schemas.openxmlformats.org/markup-compatibility/2006" xmlns:p14="http://schemas.microsoft.com/office/powerpoint/2010/main">
+    <mc:Choice Requires="p14">
       <p:transition spd="med" p14:dur="700">
         <p:fade/>
       </p:transition>
     </mc:Choice>
-    <mc:Fallback>
+    <mc:Fallback xmlns="">
       <p:transition spd="med">
         <p:fade/>
       </p:transition>

--- a/documents/presentatie.pptx
+++ b/documents/presentatie.pptx
@@ -377,7 +377,7 @@
           <a:p>
             <a:fld id="{DED0CC16-5F5B-4BEB-BB12-48327C013F79}" type="slidenum">
               <a:rPr lang="nl-BE" smtClean="0"/>
-              <a:t>‹#›</a:t>
+              <a:t>‹nr.›</a:t>
             </a:fld>
             <a:endParaRPr lang="nl-BE"/>
           </a:p>
@@ -1613,7 +1613,7 @@
           <a:p>
             <a:fld id="{7467A574-72CF-4D10-B0F3-E280DFC01BB6}" type="slidenum">
               <a:rPr lang="nl-BE" smtClean="0"/>
-              <a:t>‹#›</a:t>
+              <a:t>‹nr.›</a:t>
             </a:fld>
             <a:endParaRPr lang="nl-BE"/>
           </a:p>
@@ -1813,7 +1813,7 @@
           <a:p>
             <a:fld id="{7467A574-72CF-4D10-B0F3-E280DFC01BB6}" type="slidenum">
               <a:rPr lang="nl-BE" smtClean="0"/>
-              <a:t>‹#›</a:t>
+              <a:t>‹nr.›</a:t>
             </a:fld>
             <a:endParaRPr lang="nl-BE"/>
           </a:p>
@@ -2023,7 +2023,7 @@
           <a:p>
             <a:fld id="{7467A574-72CF-4D10-B0F3-E280DFC01BB6}" type="slidenum">
               <a:rPr lang="nl-BE" smtClean="0"/>
-              <a:t>‹#›</a:t>
+              <a:t>‹nr.›</a:t>
             </a:fld>
             <a:endParaRPr lang="nl-BE"/>
           </a:p>
@@ -2223,7 +2223,7 @@
           <a:p>
             <a:fld id="{7467A574-72CF-4D10-B0F3-E280DFC01BB6}" type="slidenum">
               <a:rPr lang="nl-BE" smtClean="0"/>
-              <a:t>‹#›</a:t>
+              <a:t>‹nr.›</a:t>
             </a:fld>
             <a:endParaRPr lang="nl-BE"/>
           </a:p>
@@ -2499,7 +2499,7 @@
           <a:p>
             <a:fld id="{7467A574-72CF-4D10-B0F3-E280DFC01BB6}" type="slidenum">
               <a:rPr lang="nl-BE" smtClean="0"/>
-              <a:t>‹#›</a:t>
+              <a:t>‹nr.›</a:t>
             </a:fld>
             <a:endParaRPr lang="nl-BE"/>
           </a:p>
@@ -2767,7 +2767,7 @@
           <a:p>
             <a:fld id="{7467A574-72CF-4D10-B0F3-E280DFC01BB6}" type="slidenum">
               <a:rPr lang="nl-BE" smtClean="0"/>
-              <a:t>‹#›</a:t>
+              <a:t>‹nr.›</a:t>
             </a:fld>
             <a:endParaRPr lang="nl-BE"/>
           </a:p>
@@ -3182,7 +3182,7 @@
           <a:p>
             <a:fld id="{7467A574-72CF-4D10-B0F3-E280DFC01BB6}" type="slidenum">
               <a:rPr lang="nl-BE" smtClean="0"/>
-              <a:t>‹#›</a:t>
+              <a:t>‹nr.›</a:t>
             </a:fld>
             <a:endParaRPr lang="nl-BE"/>
           </a:p>
@@ -3324,7 +3324,7 @@
           <a:p>
             <a:fld id="{7467A574-72CF-4D10-B0F3-E280DFC01BB6}" type="slidenum">
               <a:rPr lang="nl-BE" smtClean="0"/>
-              <a:t>‹#›</a:t>
+              <a:t>‹nr.›</a:t>
             </a:fld>
             <a:endParaRPr lang="nl-BE"/>
           </a:p>
@@ -3437,7 +3437,7 @@
           <a:p>
             <a:fld id="{7467A574-72CF-4D10-B0F3-E280DFC01BB6}" type="slidenum">
               <a:rPr lang="nl-BE" smtClean="0"/>
-              <a:t>‹#›</a:t>
+              <a:t>‹nr.›</a:t>
             </a:fld>
             <a:endParaRPr lang="nl-BE"/>
           </a:p>
@@ -3750,7 +3750,7 @@
           <a:p>
             <a:fld id="{7467A574-72CF-4D10-B0F3-E280DFC01BB6}" type="slidenum">
               <a:rPr lang="nl-BE" smtClean="0"/>
-              <a:t>‹#›</a:t>
+              <a:t>‹nr.›</a:t>
             </a:fld>
             <a:endParaRPr lang="nl-BE"/>
           </a:p>
@@ -4039,7 +4039,7 @@
           <a:p>
             <a:fld id="{7467A574-72CF-4D10-B0F3-E280DFC01BB6}" type="slidenum">
               <a:rPr lang="nl-BE" smtClean="0"/>
-              <a:t>‹#›</a:t>
+              <a:t>‹nr.›</a:t>
             </a:fld>
             <a:endParaRPr lang="nl-BE"/>
           </a:p>
@@ -4318,7 +4318,7 @@
           <a:p>
             <a:fld id="{7467A574-72CF-4D10-B0F3-E280DFC01BB6}" type="slidenum">
               <a:rPr lang="nl-BE" smtClean="0"/>
-              <a:t>‹#›</a:t>
+              <a:t>‹nr.›</a:t>
             </a:fld>
             <a:endParaRPr lang="nl-BE"/>
           </a:p>
@@ -11223,6 +11223,124 @@
           </a:p>
         </p:txBody>
       </p:sp>
+      <p:pic>
+        <p:nvPicPr>
+          <p:cNvPr id="6" name="Afbeelding 5">
+            <a:extLst>
+              <a:ext uri="{FF2B5EF4-FFF2-40B4-BE49-F238E27FC236}">
+                <a16:creationId xmlns:a16="http://schemas.microsoft.com/office/drawing/2014/main" id="{59A33363-BBA0-4C80-BB4F-F5D32DB0159D}"/>
+              </a:ext>
+            </a:extLst>
+          </p:cNvPr>
+          <p:cNvPicPr>
+            <a:picLocks noChangeAspect="1"/>
+          </p:cNvPicPr>
+          <p:nvPr/>
+        </p:nvPicPr>
+        <p:blipFill>
+          <a:blip r:embed="rId4"/>
+          <a:stretch>
+            <a:fillRect/>
+          </a:stretch>
+        </p:blipFill>
+        <p:spPr>
+          <a:xfrm>
+            <a:off x="6929873" y="894075"/>
+            <a:ext cx="4437763" cy="2424691"/>
+          </a:xfrm>
+          <a:prstGeom prst="rect">
+            <a:avLst/>
+          </a:prstGeom>
+        </p:spPr>
+      </p:pic>
+      <p:pic>
+        <p:nvPicPr>
+          <p:cNvPr id="11" name="Afbeelding 10">
+            <a:extLst>
+              <a:ext uri="{FF2B5EF4-FFF2-40B4-BE49-F238E27FC236}">
+                <a16:creationId xmlns:a16="http://schemas.microsoft.com/office/drawing/2014/main" id="{C58CB1D3-CB51-4139-BE54-4539024259F1}"/>
+              </a:ext>
+            </a:extLst>
+          </p:cNvPr>
+          <p:cNvPicPr>
+            <a:picLocks noChangeAspect="1"/>
+          </p:cNvPicPr>
+          <p:nvPr/>
+        </p:nvPicPr>
+        <p:blipFill rotWithShape="1">
+          <a:blip r:embed="rId5"/>
+          <a:srcRect l="373"/>
+          <a:stretch/>
+        </p:blipFill>
+        <p:spPr>
+          <a:xfrm>
+            <a:off x="821128" y="2767416"/>
+            <a:ext cx="4596714" cy="2668613"/>
+          </a:xfrm>
+          <a:prstGeom prst="rect">
+            <a:avLst/>
+          </a:prstGeom>
+        </p:spPr>
+      </p:pic>
+      <p:pic>
+        <p:nvPicPr>
+          <p:cNvPr id="12" name="Afbeelding 11">
+            <a:extLst>
+              <a:ext uri="{FF2B5EF4-FFF2-40B4-BE49-F238E27FC236}">
+                <a16:creationId xmlns:a16="http://schemas.microsoft.com/office/drawing/2014/main" id="{36C02103-E8FD-41FA-BF34-5A861FE036D6}"/>
+              </a:ext>
+            </a:extLst>
+          </p:cNvPr>
+          <p:cNvPicPr>
+            <a:picLocks noChangeAspect="1"/>
+          </p:cNvPicPr>
+          <p:nvPr/>
+        </p:nvPicPr>
+        <p:blipFill>
+          <a:blip r:embed="rId6"/>
+          <a:stretch>
+            <a:fillRect/>
+          </a:stretch>
+        </p:blipFill>
+        <p:spPr>
+          <a:xfrm>
+            <a:off x="5468116" y="2780603"/>
+            <a:ext cx="4495800" cy="1076325"/>
+          </a:xfrm>
+          <a:prstGeom prst="rect">
+            <a:avLst/>
+          </a:prstGeom>
+        </p:spPr>
+      </p:pic>
+      <p:pic>
+        <p:nvPicPr>
+          <p:cNvPr id="13" name="Afbeelding 12">
+            <a:extLst>
+              <a:ext uri="{FF2B5EF4-FFF2-40B4-BE49-F238E27FC236}">
+                <a16:creationId xmlns:a16="http://schemas.microsoft.com/office/drawing/2014/main" id="{40114C4F-4349-4882-A46F-AE4733FFAFB2}"/>
+              </a:ext>
+            </a:extLst>
+          </p:cNvPr>
+          <p:cNvPicPr>
+            <a:picLocks noChangeAspect="1"/>
+          </p:cNvPicPr>
+          <p:nvPr/>
+        </p:nvPicPr>
+        <p:blipFill rotWithShape="1">
+          <a:blip r:embed="rId7"/>
+          <a:srcRect b="14191"/>
+          <a:stretch/>
+        </p:blipFill>
+        <p:spPr>
+          <a:xfrm>
+            <a:off x="821128" y="971408"/>
+            <a:ext cx="6404036" cy="1376376"/>
+          </a:xfrm>
+          <a:prstGeom prst="rect">
+            <a:avLst/>
+          </a:prstGeom>
+        </p:spPr>
+      </p:pic>
     </p:spTree>
     <p:extLst>
       <p:ext uri="{BB962C8B-B14F-4D97-AF65-F5344CB8AC3E}">

--- a/documents/presentatie.pptx
+++ b/documents/presentatie.pptx
@@ -218,7 +218,7 @@
           <a:p>
             <a:fld id="{B3364B3D-2DCF-44D9-ACF8-A52044C43C51}" type="datetimeFigureOut">
               <a:rPr lang="nl-BE" smtClean="0"/>
-              <a:t>19/06/2018</a:t>
+              <a:t>20/06/2018</a:t>
             </a:fld>
             <a:endParaRPr lang="nl-BE"/>
           </a:p>
@@ -1559,7 +1559,7 @@
           <a:p>
             <a:fld id="{716C8E74-73EF-4D4F-BB44-BDADDAB4A1E7}" type="datetimeFigureOut">
               <a:rPr lang="nl-BE" smtClean="0"/>
-              <a:t>19/06/2018</a:t>
+              <a:t>20/06/2018</a:t>
             </a:fld>
             <a:endParaRPr lang="nl-BE"/>
           </a:p>
@@ -1759,7 +1759,7 @@
           <a:p>
             <a:fld id="{716C8E74-73EF-4D4F-BB44-BDADDAB4A1E7}" type="datetimeFigureOut">
               <a:rPr lang="nl-BE" smtClean="0"/>
-              <a:t>19/06/2018</a:t>
+              <a:t>20/06/2018</a:t>
             </a:fld>
             <a:endParaRPr lang="nl-BE"/>
           </a:p>
@@ -1969,7 +1969,7 @@
           <a:p>
             <a:fld id="{716C8E74-73EF-4D4F-BB44-BDADDAB4A1E7}" type="datetimeFigureOut">
               <a:rPr lang="nl-BE" smtClean="0"/>
-              <a:t>19/06/2018</a:t>
+              <a:t>20/06/2018</a:t>
             </a:fld>
             <a:endParaRPr lang="nl-BE"/>
           </a:p>
@@ -2169,7 +2169,7 @@
           <a:p>
             <a:fld id="{716C8E74-73EF-4D4F-BB44-BDADDAB4A1E7}" type="datetimeFigureOut">
               <a:rPr lang="nl-BE" smtClean="0"/>
-              <a:t>19/06/2018</a:t>
+              <a:t>20/06/2018</a:t>
             </a:fld>
             <a:endParaRPr lang="nl-BE"/>
           </a:p>
@@ -2445,7 +2445,7 @@
           <a:p>
             <a:fld id="{716C8E74-73EF-4D4F-BB44-BDADDAB4A1E7}" type="datetimeFigureOut">
               <a:rPr lang="nl-BE" smtClean="0"/>
-              <a:t>19/06/2018</a:t>
+              <a:t>20/06/2018</a:t>
             </a:fld>
             <a:endParaRPr lang="nl-BE"/>
           </a:p>
@@ -2713,7 +2713,7 @@
           <a:p>
             <a:fld id="{716C8E74-73EF-4D4F-BB44-BDADDAB4A1E7}" type="datetimeFigureOut">
               <a:rPr lang="nl-BE" smtClean="0"/>
-              <a:t>19/06/2018</a:t>
+              <a:t>20/06/2018</a:t>
             </a:fld>
             <a:endParaRPr lang="nl-BE"/>
           </a:p>
@@ -3128,7 +3128,7 @@
           <a:p>
             <a:fld id="{716C8E74-73EF-4D4F-BB44-BDADDAB4A1E7}" type="datetimeFigureOut">
               <a:rPr lang="nl-BE" smtClean="0"/>
-              <a:t>19/06/2018</a:t>
+              <a:t>20/06/2018</a:t>
             </a:fld>
             <a:endParaRPr lang="nl-BE"/>
           </a:p>
@@ -3270,7 +3270,7 @@
           <a:p>
             <a:fld id="{716C8E74-73EF-4D4F-BB44-BDADDAB4A1E7}" type="datetimeFigureOut">
               <a:rPr lang="nl-BE" smtClean="0"/>
-              <a:t>19/06/2018</a:t>
+              <a:t>20/06/2018</a:t>
             </a:fld>
             <a:endParaRPr lang="nl-BE"/>
           </a:p>
@@ -3383,7 +3383,7 @@
           <a:p>
             <a:fld id="{716C8E74-73EF-4D4F-BB44-BDADDAB4A1E7}" type="datetimeFigureOut">
               <a:rPr lang="nl-BE" smtClean="0"/>
-              <a:t>19/06/2018</a:t>
+              <a:t>20/06/2018</a:t>
             </a:fld>
             <a:endParaRPr lang="nl-BE"/>
           </a:p>
@@ -3696,7 +3696,7 @@
           <a:p>
             <a:fld id="{716C8E74-73EF-4D4F-BB44-BDADDAB4A1E7}" type="datetimeFigureOut">
               <a:rPr lang="nl-BE" smtClean="0"/>
-              <a:t>19/06/2018</a:t>
+              <a:t>20/06/2018</a:t>
             </a:fld>
             <a:endParaRPr lang="nl-BE"/>
           </a:p>
@@ -3985,7 +3985,7 @@
           <a:p>
             <a:fld id="{716C8E74-73EF-4D4F-BB44-BDADDAB4A1E7}" type="datetimeFigureOut">
               <a:rPr lang="nl-BE" smtClean="0"/>
-              <a:t>19/06/2018</a:t>
+              <a:t>20/06/2018</a:t>
             </a:fld>
             <a:endParaRPr lang="nl-BE"/>
           </a:p>
@@ -4228,7 +4228,7 @@
           <a:p>
             <a:fld id="{716C8E74-73EF-4D4F-BB44-BDADDAB4A1E7}" type="datetimeFigureOut">
               <a:rPr lang="nl-BE" smtClean="0"/>
-              <a:t>19/06/2018</a:t>
+              <a:t>20/06/2018</a:t>
             </a:fld>
             <a:endParaRPr lang="nl-BE"/>
           </a:p>
@@ -11245,8 +11245,8 @@
         </p:blipFill>
         <p:spPr>
           <a:xfrm>
-            <a:off x="6929873" y="894075"/>
-            <a:ext cx="4437763" cy="2424691"/>
+            <a:off x="756545" y="1050329"/>
+            <a:ext cx="4482719" cy="2449254"/>
           </a:xfrm>
           <a:prstGeom prst="rect">
             <a:avLst/>
@@ -11255,10 +11255,10 @@
       </p:pic>
       <p:pic>
         <p:nvPicPr>
-          <p:cNvPr id="11" name="Afbeelding 10">
+          <p:cNvPr id="14" name="Afbeelding 13">
             <a:extLst>
               <a:ext uri="{FF2B5EF4-FFF2-40B4-BE49-F238E27FC236}">
-                <a16:creationId xmlns:a16="http://schemas.microsoft.com/office/drawing/2014/main" id="{C58CB1D3-CB51-4139-BE54-4539024259F1}"/>
+                <a16:creationId xmlns:a16="http://schemas.microsoft.com/office/drawing/2014/main" id="{F58B86B7-F7FC-490D-B2AC-D340747E4109}"/>
               </a:ext>
             </a:extLst>
           </p:cNvPr>
@@ -11267,15 +11267,16 @@
           </p:cNvPicPr>
           <p:nvPr/>
         </p:nvPicPr>
-        <p:blipFill rotWithShape="1">
+        <p:blipFill>
           <a:blip r:embed="rId5"/>
-          <a:srcRect l="373"/>
-          <a:stretch/>
+          <a:stretch>
+            <a:fillRect/>
+          </a:stretch>
         </p:blipFill>
         <p:spPr>
           <a:xfrm>
-            <a:off x="821128" y="2767416"/>
-            <a:ext cx="4596714" cy="2668613"/>
+            <a:off x="5474449" y="2919964"/>
+            <a:ext cx="5656478" cy="3042703"/>
           </a:xfrm>
           <a:prstGeom prst="rect">
             <a:avLst/>
@@ -11284,10 +11285,10 @@
       </p:pic>
       <p:pic>
         <p:nvPicPr>
-          <p:cNvPr id="12" name="Afbeelding 11">
+          <p:cNvPr id="15" name="Afbeelding 14">
             <a:extLst>
               <a:ext uri="{FF2B5EF4-FFF2-40B4-BE49-F238E27FC236}">
-                <a16:creationId xmlns:a16="http://schemas.microsoft.com/office/drawing/2014/main" id="{36C02103-E8FD-41FA-BF34-5A861FE036D6}"/>
+                <a16:creationId xmlns:a16="http://schemas.microsoft.com/office/drawing/2014/main" id="{64BDBFDF-6626-4ABB-91E4-1B0CD1140219}"/>
               </a:ext>
             </a:extLst>
           </p:cNvPr>
@@ -11304,37 +11305,8 @@
         </p:blipFill>
         <p:spPr>
           <a:xfrm>
-            <a:off x="5468116" y="2780603"/>
-            <a:ext cx="4495800" cy="1076325"/>
-          </a:xfrm>
-          <a:prstGeom prst="rect">
-            <a:avLst/>
-          </a:prstGeom>
-        </p:spPr>
-      </p:pic>
-      <p:pic>
-        <p:nvPicPr>
-          <p:cNvPr id="13" name="Afbeelding 12">
-            <a:extLst>
-              <a:ext uri="{FF2B5EF4-FFF2-40B4-BE49-F238E27FC236}">
-                <a16:creationId xmlns:a16="http://schemas.microsoft.com/office/drawing/2014/main" id="{40114C4F-4349-4882-A46F-AE4733FFAFB2}"/>
-              </a:ext>
-            </a:extLst>
-          </p:cNvPr>
-          <p:cNvPicPr>
-            <a:picLocks noChangeAspect="1"/>
-          </p:cNvPicPr>
-          <p:nvPr/>
-        </p:nvPicPr>
-        <p:blipFill rotWithShape="1">
-          <a:blip r:embed="rId7"/>
-          <a:srcRect b="14191"/>
-          <a:stretch/>
-        </p:blipFill>
-        <p:spPr>
-          <a:xfrm>
-            <a:off x="821128" y="971408"/>
-            <a:ext cx="6404036" cy="1376376"/>
+            <a:off x="5400308" y="1516981"/>
+            <a:ext cx="5702495" cy="1034680"/>
           </a:xfrm>
           <a:prstGeom prst="rect">
             <a:avLst/>
@@ -13701,6 +13673,66 @@
           </a:p>
         </p:txBody>
       </p:sp>
+      <p:pic>
+        <p:nvPicPr>
+          <p:cNvPr id="6" name="Afbeelding 5">
+            <a:extLst>
+              <a:ext uri="{FF2B5EF4-FFF2-40B4-BE49-F238E27FC236}">
+                <a16:creationId xmlns:a16="http://schemas.microsoft.com/office/drawing/2014/main" id="{2513033F-0911-46B7-B712-D9BA104748BF}"/>
+              </a:ext>
+            </a:extLst>
+          </p:cNvPr>
+          <p:cNvPicPr>
+            <a:picLocks noChangeAspect="1"/>
+          </p:cNvPicPr>
+          <p:nvPr/>
+        </p:nvPicPr>
+        <p:blipFill>
+          <a:blip r:embed="rId4"/>
+          <a:stretch>
+            <a:fillRect/>
+          </a:stretch>
+        </p:blipFill>
+        <p:spPr>
+          <a:xfrm>
+            <a:off x="1300677" y="1007253"/>
+            <a:ext cx="4605853" cy="3478944"/>
+          </a:xfrm>
+          <a:prstGeom prst="rect">
+            <a:avLst/>
+          </a:prstGeom>
+        </p:spPr>
+      </p:pic>
+      <p:pic>
+        <p:nvPicPr>
+          <p:cNvPr id="11" name="Afbeelding 10">
+            <a:extLst>
+              <a:ext uri="{FF2B5EF4-FFF2-40B4-BE49-F238E27FC236}">
+                <a16:creationId xmlns:a16="http://schemas.microsoft.com/office/drawing/2014/main" id="{F62575A1-8685-4DD3-B0A7-8C6A77858A1B}"/>
+              </a:ext>
+            </a:extLst>
+          </p:cNvPr>
+          <p:cNvPicPr>
+            <a:picLocks noChangeAspect="1"/>
+          </p:cNvPicPr>
+          <p:nvPr/>
+        </p:nvPicPr>
+        <p:blipFill>
+          <a:blip r:embed="rId5"/>
+          <a:stretch>
+            <a:fillRect/>
+          </a:stretch>
+        </p:blipFill>
+        <p:spPr>
+          <a:xfrm>
+            <a:off x="5905005" y="2674467"/>
+            <a:ext cx="4898295" cy="992204"/>
+          </a:xfrm>
+          <a:prstGeom prst="rect">
+            <a:avLst/>
+          </a:prstGeom>
+        </p:spPr>
+      </p:pic>
     </p:spTree>
     <p:extLst>
       <p:ext uri="{BB962C8B-B14F-4D97-AF65-F5344CB8AC3E}">
